--- a/Docker学習資料_小壷_20200501.pptx
+++ b/Docker学習資料_小壷_20200501.pptx
@@ -5,7 +5,7 @@
     <p:sldMasterId id="2147483661" r:id="rId1"/>
   </p:sldMasterIdLst>
   <p:notesMasterIdLst>
-    <p:notesMasterId r:id="rId23"/>
+    <p:notesMasterId r:id="rId28"/>
   </p:notesMasterIdLst>
   <p:sldIdLst>
     <p:sldId id="256" r:id="rId2"/>
@@ -22,53 +22,51 @@
     <p:sldId id="293" r:id="rId13"/>
     <p:sldId id="275" r:id="rId14"/>
     <p:sldId id="300" r:id="rId15"/>
-    <p:sldId id="260" r:id="rId16"/>
-    <p:sldId id="277" r:id="rId17"/>
-    <p:sldId id="278" r:id="rId18"/>
-    <p:sldId id="279" r:id="rId19"/>
-    <p:sldId id="281" r:id="rId20"/>
-    <p:sldId id="282" r:id="rId21"/>
-    <p:sldId id="262" r:id="rId22"/>
+    <p:sldId id="302" r:id="rId16"/>
+    <p:sldId id="304" r:id="rId17"/>
+    <p:sldId id="303" r:id="rId18"/>
+    <p:sldId id="305" r:id="rId19"/>
+    <p:sldId id="306" r:id="rId20"/>
+    <p:sldId id="307" r:id="rId21"/>
+    <p:sldId id="260" r:id="rId22"/>
+    <p:sldId id="278" r:id="rId23"/>
+    <p:sldId id="279" r:id="rId24"/>
+    <p:sldId id="281" r:id="rId25"/>
+    <p:sldId id="282" r:id="rId26"/>
+    <p:sldId id="262" r:id="rId27"/>
   </p:sldIdLst>
   <p:sldSz cx="12192000" cy="6858000"/>
   <p:notesSz cx="6858000" cy="9144000"/>
   <p:embeddedFontLst>
     <p:embeddedFont>
-      <p:font typeface="Arimo" panose="020B0604020202020204" pitchFamily="34" charset="0"/>
-      <p:regular r:id="rId24"/>
-      <p:bold r:id="rId25"/>
-      <p:italic r:id="rId26"/>
-      <p:boldItalic r:id="rId27"/>
+      <p:font typeface="HG丸ｺﾞｼｯｸM-PRO" panose="020F0600000000000000" pitchFamily="50" charset="-128"/>
+      <p:regular r:id="rId29"/>
+    </p:embeddedFont>
+    <p:embeddedFont>
+      <p:font typeface="メイリオ" panose="020B0604030504040204" pitchFamily="50" charset="-128"/>
+      <p:regular r:id="rId30"/>
+      <p:bold r:id="rId31"/>
+      <p:italic r:id="rId32"/>
+      <p:boldItalic r:id="rId33"/>
+    </p:embeddedFont>
+    <p:embeddedFont>
+      <p:font typeface="メイリオ" panose="020B0604030504040204" pitchFamily="50" charset="-128"/>
+      <p:regular r:id="rId30"/>
+      <p:bold r:id="rId31"/>
+      <p:italic r:id="rId32"/>
+      <p:boldItalic r:id="rId33"/>
+    </p:embeddedFont>
+    <p:embeddedFont>
+      <p:font typeface="游ゴシック" panose="020B0400000000000000" pitchFamily="50" charset="-128"/>
+      <p:regular r:id="rId34"/>
+      <p:bold r:id="rId35"/>
     </p:embeddedFont>
     <p:embeddedFont>
       <p:font typeface="Century Gothic" panose="020B0502020202020204" pitchFamily="34" charset="0"/>
-      <p:regular r:id="rId28"/>
-      <p:bold r:id="rId29"/>
-      <p:italic r:id="rId30"/>
-      <p:boldItalic r:id="rId31"/>
-    </p:embeddedFont>
-    <p:embeddedFont>
-      <p:font typeface="HG丸ｺﾞｼｯｸM-PRO" panose="020F0600000000000000" pitchFamily="50" charset="-128"/>
-      <p:regular r:id="rId32"/>
-    </p:embeddedFont>
-    <p:embeddedFont>
-      <p:font typeface="メイリオ" panose="020B0604030504040204" pitchFamily="50" charset="-128"/>
-      <p:regular r:id="rId33"/>
-      <p:bold r:id="rId34"/>
-      <p:italic r:id="rId35"/>
-      <p:boldItalic r:id="rId36"/>
-    </p:embeddedFont>
-    <p:embeddedFont>
-      <p:font typeface="メイリオ" panose="020B0604030504040204" pitchFamily="50" charset="-128"/>
-      <p:regular r:id="rId33"/>
-      <p:bold r:id="rId34"/>
-      <p:italic r:id="rId35"/>
-      <p:boldItalic r:id="rId36"/>
-    </p:embeddedFont>
-    <p:embeddedFont>
-      <p:font typeface="游ゴシック" panose="020B0400000000000000" pitchFamily="50" charset="-128"/>
-      <p:regular r:id="rId37"/>
-      <p:bold r:id="rId38"/>
+      <p:regular r:id="rId36"/>
+      <p:bold r:id="rId37"/>
+      <p:italic r:id="rId38"/>
+      <p:boldItalic r:id="rId39"/>
     </p:embeddedFont>
   </p:embeddedFontLst>
   <p:defaultTextStyle>
@@ -2508,7 +2506,7 @@
     </p:spTree>
     <p:extLst>
       <p:ext uri="{BB962C8B-B14F-4D97-AF65-F5344CB8AC3E}">
-        <p14:creationId xmlns:p14="http://schemas.microsoft.com/office/powerpoint/2010/main" val="916746819"/>
+        <p14:creationId xmlns:p14="http://schemas.microsoft.com/office/powerpoint/2010/main" val="506775305"/>
       </p:ext>
     </p:extLst>
   </p:cSld>
@@ -2664,7 +2662,7 @@
     </p:spTree>
     <p:extLst>
       <p:ext uri="{BB962C8B-B14F-4D97-AF65-F5344CB8AC3E}">
-        <p14:creationId xmlns:p14="http://schemas.microsoft.com/office/powerpoint/2010/main" val="1258059214"/>
+        <p14:creationId xmlns:p14="http://schemas.microsoft.com/office/powerpoint/2010/main" val="3253461524"/>
       </p:ext>
     </p:extLst>
   </p:cSld>
@@ -2820,7 +2818,7 @@
     </p:spTree>
     <p:extLst>
       <p:ext uri="{BB962C8B-B14F-4D97-AF65-F5344CB8AC3E}">
-        <p14:creationId xmlns:p14="http://schemas.microsoft.com/office/powerpoint/2010/main" val="3568673173"/>
+        <p14:creationId xmlns:p14="http://schemas.microsoft.com/office/powerpoint/2010/main" val="3266613690"/>
       </p:ext>
     </p:extLst>
   </p:cSld>
@@ -2976,7 +2974,7 @@
     </p:spTree>
     <p:extLst>
       <p:ext uri="{BB962C8B-B14F-4D97-AF65-F5344CB8AC3E}">
-        <p14:creationId xmlns:p14="http://schemas.microsoft.com/office/powerpoint/2010/main" val="2402667477"/>
+        <p14:creationId xmlns:p14="http://schemas.microsoft.com/office/powerpoint/2010/main" val="2430676087"/>
       </p:ext>
     </p:extLst>
   </p:cSld>
@@ -3132,7 +3130,7 @@
     </p:spTree>
     <p:extLst>
       <p:ext uri="{BB962C8B-B14F-4D97-AF65-F5344CB8AC3E}">
-        <p14:creationId xmlns:p14="http://schemas.microsoft.com/office/powerpoint/2010/main" val="2367839768"/>
+        <p14:creationId xmlns:p14="http://schemas.microsoft.com/office/powerpoint/2010/main" val="3708708412"/>
       </p:ext>
     </p:extLst>
   </p:cSld>
@@ -3288,7 +3286,7 @@
     </p:spTree>
     <p:extLst>
       <p:ext uri="{BB962C8B-B14F-4D97-AF65-F5344CB8AC3E}">
-        <p14:creationId xmlns:p14="http://schemas.microsoft.com/office/powerpoint/2010/main" val="2565647820"/>
+        <p14:creationId xmlns:p14="http://schemas.microsoft.com/office/powerpoint/2010/main" val="3649612616"/>
       </p:ext>
     </p:extLst>
   </p:cSld>
@@ -3444,7 +3442,7 @@
     </p:spTree>
     <p:extLst>
       <p:ext uri="{BB962C8B-B14F-4D97-AF65-F5344CB8AC3E}">
-        <p14:creationId xmlns:p14="http://schemas.microsoft.com/office/powerpoint/2010/main" val="3369586023"/>
+        <p14:creationId xmlns:p14="http://schemas.microsoft.com/office/powerpoint/2010/main" val="3356407496"/>
       </p:ext>
     </p:extLst>
   </p:cSld>
@@ -3598,6 +3596,786 @@
         </p:txBody>
       </p:sp>
     </p:spTree>
+  </p:cSld>
+  <p:clrMapOvr>
+    <a:masterClrMapping/>
+  </p:clrMapOvr>
+</p:notes>
+</file>
+
+<file path=ppt/notesSlides/notesSlide20.xml><?xml version="1.0" encoding="utf-8"?>
+<p:notes xmlns:a="http://schemas.openxmlformats.org/drawingml/2006/main" xmlns:r="http://schemas.openxmlformats.org/officeDocument/2006/relationships" xmlns:p="http://schemas.openxmlformats.org/presentationml/2006/main" showMasterSp="0" showMasterPhAnim="0">
+  <p:cSld>
+    <p:spTree>
+      <p:nvGrpSpPr>
+        <p:cNvPr id="1" name="Shape 92"/>
+        <p:cNvGrpSpPr/>
+        <p:nvPr/>
+      </p:nvGrpSpPr>
+      <p:grpSpPr>
+        <a:xfrm>
+          <a:off x="0" y="0"/>
+          <a:ext cx="0" cy="0"/>
+          <a:chOff x="0" y="0"/>
+          <a:chExt cx="0" cy="0"/>
+        </a:xfrm>
+      </p:grpSpPr>
+      <p:sp>
+        <p:nvSpPr>
+          <p:cNvPr id="93" name="Google Shape;93;g83698e9e73_0_0:notes"/>
+          <p:cNvSpPr>
+            <a:spLocks noGrp="1" noRot="1" noChangeAspect="1"/>
+          </p:cNvSpPr>
+          <p:nvPr>
+            <p:ph type="sldImg" idx="2"/>
+          </p:nvPr>
+        </p:nvSpPr>
+        <p:spPr>
+          <a:xfrm>
+            <a:off x="685800" y="1143000"/>
+            <a:ext cx="5486400" cy="3086100"/>
+          </a:xfrm>
+          <a:custGeom>
+            <a:avLst/>
+            <a:gdLst/>
+            <a:ahLst/>
+            <a:cxnLst/>
+            <a:rect l="l" t="t" r="r" b="b"/>
+            <a:pathLst>
+              <a:path w="120000" h="120000" extrusionOk="0">
+                <a:moveTo>
+                  <a:pt x="0" y="0"/>
+                </a:moveTo>
+                <a:lnTo>
+                  <a:pt x="120000" y="0"/>
+                </a:lnTo>
+                <a:lnTo>
+                  <a:pt x="120000" y="120000"/>
+                </a:lnTo>
+                <a:lnTo>
+                  <a:pt x="0" y="120000"/>
+                </a:lnTo>
+                <a:close/>
+              </a:path>
+            </a:pathLst>
+          </a:custGeom>
+        </p:spPr>
+      </p:sp>
+      <p:sp>
+        <p:nvSpPr>
+          <p:cNvPr id="94" name="Google Shape;94;g83698e9e73_0_0:notes"/>
+          <p:cNvSpPr txBox="1">
+            <a:spLocks noGrp="1"/>
+          </p:cNvSpPr>
+          <p:nvPr>
+            <p:ph type="body" idx="1"/>
+          </p:nvPr>
+        </p:nvSpPr>
+        <p:spPr>
+          <a:xfrm>
+            <a:off x="685800" y="4400550"/>
+            <a:ext cx="5486400" cy="3600600"/>
+          </a:xfrm>
+          <a:prstGeom prst="rect">
+            <a:avLst/>
+          </a:prstGeom>
+        </p:spPr>
+        <p:txBody>
+          <a:bodyPr spcFirstLastPara="1" wrap="square" lIns="91425" tIns="45700" rIns="91425" bIns="45700" anchor="t" anchorCtr="0">
+            <a:noAutofit/>
+          </a:bodyPr>
+          <a:lstStyle/>
+          <a:p>
+            <a:pPr marL="0" lvl="0" indent="0" algn="l" rtl="0">
+              <a:spcBef>
+                <a:spcPts val="0"/>
+              </a:spcBef>
+              <a:spcAft>
+                <a:spcPts val="0"/>
+              </a:spcAft>
+              <a:buNone/>
+            </a:pPr>
+            <a:endParaRPr/>
+          </a:p>
+        </p:txBody>
+      </p:sp>
+      <p:sp>
+        <p:nvSpPr>
+          <p:cNvPr id="95" name="Google Shape;95;g83698e9e73_0_0:notes"/>
+          <p:cNvSpPr txBox="1">
+            <a:spLocks noGrp="1"/>
+          </p:cNvSpPr>
+          <p:nvPr>
+            <p:ph type="sldNum" idx="12"/>
+          </p:nvPr>
+        </p:nvSpPr>
+        <p:spPr>
+          <a:xfrm>
+            <a:off x="3884613" y="8685213"/>
+            <a:ext cx="2971800" cy="458700"/>
+          </a:xfrm>
+          <a:prstGeom prst="rect">
+            <a:avLst/>
+          </a:prstGeom>
+        </p:spPr>
+        <p:txBody>
+          <a:bodyPr spcFirstLastPara="1" wrap="square" lIns="91425" tIns="45700" rIns="91425" bIns="45700" anchor="b" anchorCtr="0">
+            <a:noAutofit/>
+          </a:bodyPr>
+          <a:lstStyle/>
+          <a:p>
+            <a:pPr marL="0" lvl="0" indent="0" algn="r" rtl="0">
+              <a:spcBef>
+                <a:spcPts val="0"/>
+              </a:spcBef>
+              <a:spcAft>
+                <a:spcPts val="0"/>
+              </a:spcAft>
+              <a:buClr>
+                <a:srgbClr val="000000"/>
+              </a:buClr>
+              <a:buSzPts val="1200"/>
+              <a:buFont typeface="Arial"/>
+              <a:buNone/>
+            </a:pPr>
+            <a:fld id="{00000000-1234-1234-1234-123412341234}" type="slidenum">
+              <a:rPr lang="en-US" altLang="ja-JP"/>
+              <a:t>22</a:t>
+            </a:fld>
+            <a:endParaRPr/>
+          </a:p>
+        </p:txBody>
+      </p:sp>
+    </p:spTree>
+    <p:extLst>
+      <p:ext uri="{BB962C8B-B14F-4D97-AF65-F5344CB8AC3E}">
+        <p14:creationId xmlns:p14="http://schemas.microsoft.com/office/powerpoint/2010/main" val="3568673173"/>
+      </p:ext>
+    </p:extLst>
+  </p:cSld>
+  <p:clrMapOvr>
+    <a:masterClrMapping/>
+  </p:clrMapOvr>
+</p:notes>
+</file>
+
+<file path=ppt/notesSlides/notesSlide21.xml><?xml version="1.0" encoding="utf-8"?>
+<p:notes xmlns:a="http://schemas.openxmlformats.org/drawingml/2006/main" xmlns:r="http://schemas.openxmlformats.org/officeDocument/2006/relationships" xmlns:p="http://schemas.openxmlformats.org/presentationml/2006/main" showMasterSp="0" showMasterPhAnim="0">
+  <p:cSld>
+    <p:spTree>
+      <p:nvGrpSpPr>
+        <p:cNvPr id="1" name="Shape 92"/>
+        <p:cNvGrpSpPr/>
+        <p:nvPr/>
+      </p:nvGrpSpPr>
+      <p:grpSpPr>
+        <a:xfrm>
+          <a:off x="0" y="0"/>
+          <a:ext cx="0" cy="0"/>
+          <a:chOff x="0" y="0"/>
+          <a:chExt cx="0" cy="0"/>
+        </a:xfrm>
+      </p:grpSpPr>
+      <p:sp>
+        <p:nvSpPr>
+          <p:cNvPr id="93" name="Google Shape;93;g83698e9e73_0_0:notes"/>
+          <p:cNvSpPr>
+            <a:spLocks noGrp="1" noRot="1" noChangeAspect="1"/>
+          </p:cNvSpPr>
+          <p:nvPr>
+            <p:ph type="sldImg" idx="2"/>
+          </p:nvPr>
+        </p:nvSpPr>
+        <p:spPr>
+          <a:xfrm>
+            <a:off x="685800" y="1143000"/>
+            <a:ext cx="5486400" cy="3086100"/>
+          </a:xfrm>
+          <a:custGeom>
+            <a:avLst/>
+            <a:gdLst/>
+            <a:ahLst/>
+            <a:cxnLst/>
+            <a:rect l="l" t="t" r="r" b="b"/>
+            <a:pathLst>
+              <a:path w="120000" h="120000" extrusionOk="0">
+                <a:moveTo>
+                  <a:pt x="0" y="0"/>
+                </a:moveTo>
+                <a:lnTo>
+                  <a:pt x="120000" y="0"/>
+                </a:lnTo>
+                <a:lnTo>
+                  <a:pt x="120000" y="120000"/>
+                </a:lnTo>
+                <a:lnTo>
+                  <a:pt x="0" y="120000"/>
+                </a:lnTo>
+                <a:close/>
+              </a:path>
+            </a:pathLst>
+          </a:custGeom>
+        </p:spPr>
+      </p:sp>
+      <p:sp>
+        <p:nvSpPr>
+          <p:cNvPr id="94" name="Google Shape;94;g83698e9e73_0_0:notes"/>
+          <p:cNvSpPr txBox="1">
+            <a:spLocks noGrp="1"/>
+          </p:cNvSpPr>
+          <p:nvPr>
+            <p:ph type="body" idx="1"/>
+          </p:nvPr>
+        </p:nvSpPr>
+        <p:spPr>
+          <a:xfrm>
+            <a:off x="685800" y="4400550"/>
+            <a:ext cx="5486400" cy="3600600"/>
+          </a:xfrm>
+          <a:prstGeom prst="rect">
+            <a:avLst/>
+          </a:prstGeom>
+        </p:spPr>
+        <p:txBody>
+          <a:bodyPr spcFirstLastPara="1" wrap="square" lIns="91425" tIns="45700" rIns="91425" bIns="45700" anchor="t" anchorCtr="0">
+            <a:noAutofit/>
+          </a:bodyPr>
+          <a:lstStyle/>
+          <a:p>
+            <a:pPr marL="0" lvl="0" indent="0" algn="l" rtl="0">
+              <a:spcBef>
+                <a:spcPts val="0"/>
+              </a:spcBef>
+              <a:spcAft>
+                <a:spcPts val="0"/>
+              </a:spcAft>
+              <a:buNone/>
+            </a:pPr>
+            <a:endParaRPr/>
+          </a:p>
+        </p:txBody>
+      </p:sp>
+      <p:sp>
+        <p:nvSpPr>
+          <p:cNvPr id="95" name="Google Shape;95;g83698e9e73_0_0:notes"/>
+          <p:cNvSpPr txBox="1">
+            <a:spLocks noGrp="1"/>
+          </p:cNvSpPr>
+          <p:nvPr>
+            <p:ph type="sldNum" idx="12"/>
+          </p:nvPr>
+        </p:nvSpPr>
+        <p:spPr>
+          <a:xfrm>
+            <a:off x="3884613" y="8685213"/>
+            <a:ext cx="2971800" cy="458700"/>
+          </a:xfrm>
+          <a:prstGeom prst="rect">
+            <a:avLst/>
+          </a:prstGeom>
+        </p:spPr>
+        <p:txBody>
+          <a:bodyPr spcFirstLastPara="1" wrap="square" lIns="91425" tIns="45700" rIns="91425" bIns="45700" anchor="b" anchorCtr="0">
+            <a:noAutofit/>
+          </a:bodyPr>
+          <a:lstStyle/>
+          <a:p>
+            <a:pPr marL="0" lvl="0" indent="0" algn="r" rtl="0">
+              <a:spcBef>
+                <a:spcPts val="0"/>
+              </a:spcBef>
+              <a:spcAft>
+                <a:spcPts val="0"/>
+              </a:spcAft>
+              <a:buClr>
+                <a:srgbClr val="000000"/>
+              </a:buClr>
+              <a:buSzPts val="1200"/>
+              <a:buFont typeface="Arial"/>
+              <a:buNone/>
+            </a:pPr>
+            <a:fld id="{00000000-1234-1234-1234-123412341234}" type="slidenum">
+              <a:rPr lang="en-US" altLang="ja-JP"/>
+              <a:t>23</a:t>
+            </a:fld>
+            <a:endParaRPr/>
+          </a:p>
+        </p:txBody>
+      </p:sp>
+    </p:spTree>
+    <p:extLst>
+      <p:ext uri="{BB962C8B-B14F-4D97-AF65-F5344CB8AC3E}">
+        <p14:creationId xmlns:p14="http://schemas.microsoft.com/office/powerpoint/2010/main" val="2402667477"/>
+      </p:ext>
+    </p:extLst>
+  </p:cSld>
+  <p:clrMapOvr>
+    <a:masterClrMapping/>
+  </p:clrMapOvr>
+</p:notes>
+</file>
+
+<file path=ppt/notesSlides/notesSlide22.xml><?xml version="1.0" encoding="utf-8"?>
+<p:notes xmlns:a="http://schemas.openxmlformats.org/drawingml/2006/main" xmlns:r="http://schemas.openxmlformats.org/officeDocument/2006/relationships" xmlns:p="http://schemas.openxmlformats.org/presentationml/2006/main" showMasterSp="0" showMasterPhAnim="0">
+  <p:cSld>
+    <p:spTree>
+      <p:nvGrpSpPr>
+        <p:cNvPr id="1" name="Shape 92"/>
+        <p:cNvGrpSpPr/>
+        <p:nvPr/>
+      </p:nvGrpSpPr>
+      <p:grpSpPr>
+        <a:xfrm>
+          <a:off x="0" y="0"/>
+          <a:ext cx="0" cy="0"/>
+          <a:chOff x="0" y="0"/>
+          <a:chExt cx="0" cy="0"/>
+        </a:xfrm>
+      </p:grpSpPr>
+      <p:sp>
+        <p:nvSpPr>
+          <p:cNvPr id="93" name="Google Shape;93;g83698e9e73_0_0:notes"/>
+          <p:cNvSpPr>
+            <a:spLocks noGrp="1" noRot="1" noChangeAspect="1"/>
+          </p:cNvSpPr>
+          <p:nvPr>
+            <p:ph type="sldImg" idx="2"/>
+          </p:nvPr>
+        </p:nvSpPr>
+        <p:spPr>
+          <a:xfrm>
+            <a:off x="685800" y="1143000"/>
+            <a:ext cx="5486400" cy="3086100"/>
+          </a:xfrm>
+          <a:custGeom>
+            <a:avLst/>
+            <a:gdLst/>
+            <a:ahLst/>
+            <a:cxnLst/>
+            <a:rect l="l" t="t" r="r" b="b"/>
+            <a:pathLst>
+              <a:path w="120000" h="120000" extrusionOk="0">
+                <a:moveTo>
+                  <a:pt x="0" y="0"/>
+                </a:moveTo>
+                <a:lnTo>
+                  <a:pt x="120000" y="0"/>
+                </a:lnTo>
+                <a:lnTo>
+                  <a:pt x="120000" y="120000"/>
+                </a:lnTo>
+                <a:lnTo>
+                  <a:pt x="0" y="120000"/>
+                </a:lnTo>
+                <a:close/>
+              </a:path>
+            </a:pathLst>
+          </a:custGeom>
+        </p:spPr>
+      </p:sp>
+      <p:sp>
+        <p:nvSpPr>
+          <p:cNvPr id="94" name="Google Shape;94;g83698e9e73_0_0:notes"/>
+          <p:cNvSpPr txBox="1">
+            <a:spLocks noGrp="1"/>
+          </p:cNvSpPr>
+          <p:nvPr>
+            <p:ph type="body" idx="1"/>
+          </p:nvPr>
+        </p:nvSpPr>
+        <p:spPr>
+          <a:xfrm>
+            <a:off x="685800" y="4400550"/>
+            <a:ext cx="5486400" cy="3600600"/>
+          </a:xfrm>
+          <a:prstGeom prst="rect">
+            <a:avLst/>
+          </a:prstGeom>
+        </p:spPr>
+        <p:txBody>
+          <a:bodyPr spcFirstLastPara="1" wrap="square" lIns="91425" tIns="45700" rIns="91425" bIns="45700" anchor="t" anchorCtr="0">
+            <a:noAutofit/>
+          </a:bodyPr>
+          <a:lstStyle/>
+          <a:p>
+            <a:pPr marL="0" lvl="0" indent="0" algn="l" rtl="0">
+              <a:spcBef>
+                <a:spcPts val="0"/>
+              </a:spcBef>
+              <a:spcAft>
+                <a:spcPts val="0"/>
+              </a:spcAft>
+              <a:buNone/>
+            </a:pPr>
+            <a:endParaRPr/>
+          </a:p>
+        </p:txBody>
+      </p:sp>
+      <p:sp>
+        <p:nvSpPr>
+          <p:cNvPr id="95" name="Google Shape;95;g83698e9e73_0_0:notes"/>
+          <p:cNvSpPr txBox="1">
+            <a:spLocks noGrp="1"/>
+          </p:cNvSpPr>
+          <p:nvPr>
+            <p:ph type="sldNum" idx="12"/>
+          </p:nvPr>
+        </p:nvSpPr>
+        <p:spPr>
+          <a:xfrm>
+            <a:off x="3884613" y="8685213"/>
+            <a:ext cx="2971800" cy="458700"/>
+          </a:xfrm>
+          <a:prstGeom prst="rect">
+            <a:avLst/>
+          </a:prstGeom>
+        </p:spPr>
+        <p:txBody>
+          <a:bodyPr spcFirstLastPara="1" wrap="square" lIns="91425" tIns="45700" rIns="91425" bIns="45700" anchor="b" anchorCtr="0">
+            <a:noAutofit/>
+          </a:bodyPr>
+          <a:lstStyle/>
+          <a:p>
+            <a:pPr marL="0" lvl="0" indent="0" algn="r" rtl="0">
+              <a:spcBef>
+                <a:spcPts val="0"/>
+              </a:spcBef>
+              <a:spcAft>
+                <a:spcPts val="0"/>
+              </a:spcAft>
+              <a:buClr>
+                <a:srgbClr val="000000"/>
+              </a:buClr>
+              <a:buSzPts val="1200"/>
+              <a:buFont typeface="Arial"/>
+              <a:buNone/>
+            </a:pPr>
+            <a:fld id="{00000000-1234-1234-1234-123412341234}" type="slidenum">
+              <a:rPr lang="en-US" altLang="ja-JP"/>
+              <a:t>24</a:t>
+            </a:fld>
+            <a:endParaRPr/>
+          </a:p>
+        </p:txBody>
+      </p:sp>
+    </p:spTree>
+    <p:extLst>
+      <p:ext uri="{BB962C8B-B14F-4D97-AF65-F5344CB8AC3E}">
+        <p14:creationId xmlns:p14="http://schemas.microsoft.com/office/powerpoint/2010/main" val="2367839768"/>
+      </p:ext>
+    </p:extLst>
+  </p:cSld>
+  <p:clrMapOvr>
+    <a:masterClrMapping/>
+  </p:clrMapOvr>
+</p:notes>
+</file>
+
+<file path=ppt/notesSlides/notesSlide23.xml><?xml version="1.0" encoding="utf-8"?>
+<p:notes xmlns:a="http://schemas.openxmlformats.org/drawingml/2006/main" xmlns:r="http://schemas.openxmlformats.org/officeDocument/2006/relationships" xmlns:p="http://schemas.openxmlformats.org/presentationml/2006/main" showMasterSp="0" showMasterPhAnim="0">
+  <p:cSld>
+    <p:spTree>
+      <p:nvGrpSpPr>
+        <p:cNvPr id="1" name="Shape 92"/>
+        <p:cNvGrpSpPr/>
+        <p:nvPr/>
+      </p:nvGrpSpPr>
+      <p:grpSpPr>
+        <a:xfrm>
+          <a:off x="0" y="0"/>
+          <a:ext cx="0" cy="0"/>
+          <a:chOff x="0" y="0"/>
+          <a:chExt cx="0" cy="0"/>
+        </a:xfrm>
+      </p:grpSpPr>
+      <p:sp>
+        <p:nvSpPr>
+          <p:cNvPr id="93" name="Google Shape;93;g83698e9e73_0_0:notes"/>
+          <p:cNvSpPr>
+            <a:spLocks noGrp="1" noRot="1" noChangeAspect="1"/>
+          </p:cNvSpPr>
+          <p:nvPr>
+            <p:ph type="sldImg" idx="2"/>
+          </p:nvPr>
+        </p:nvSpPr>
+        <p:spPr>
+          <a:xfrm>
+            <a:off x="685800" y="1143000"/>
+            <a:ext cx="5486400" cy="3086100"/>
+          </a:xfrm>
+          <a:custGeom>
+            <a:avLst/>
+            <a:gdLst/>
+            <a:ahLst/>
+            <a:cxnLst/>
+            <a:rect l="l" t="t" r="r" b="b"/>
+            <a:pathLst>
+              <a:path w="120000" h="120000" extrusionOk="0">
+                <a:moveTo>
+                  <a:pt x="0" y="0"/>
+                </a:moveTo>
+                <a:lnTo>
+                  <a:pt x="120000" y="0"/>
+                </a:lnTo>
+                <a:lnTo>
+                  <a:pt x="120000" y="120000"/>
+                </a:lnTo>
+                <a:lnTo>
+                  <a:pt x="0" y="120000"/>
+                </a:lnTo>
+                <a:close/>
+              </a:path>
+            </a:pathLst>
+          </a:custGeom>
+        </p:spPr>
+      </p:sp>
+      <p:sp>
+        <p:nvSpPr>
+          <p:cNvPr id="94" name="Google Shape;94;g83698e9e73_0_0:notes"/>
+          <p:cNvSpPr txBox="1">
+            <a:spLocks noGrp="1"/>
+          </p:cNvSpPr>
+          <p:nvPr>
+            <p:ph type="body" idx="1"/>
+          </p:nvPr>
+        </p:nvSpPr>
+        <p:spPr>
+          <a:xfrm>
+            <a:off x="685800" y="4400550"/>
+            <a:ext cx="5486400" cy="3600600"/>
+          </a:xfrm>
+          <a:prstGeom prst="rect">
+            <a:avLst/>
+          </a:prstGeom>
+        </p:spPr>
+        <p:txBody>
+          <a:bodyPr spcFirstLastPara="1" wrap="square" lIns="91425" tIns="45700" rIns="91425" bIns="45700" anchor="t" anchorCtr="0">
+            <a:noAutofit/>
+          </a:bodyPr>
+          <a:lstStyle/>
+          <a:p>
+            <a:pPr marL="0" lvl="0" indent="0" algn="l" rtl="0">
+              <a:spcBef>
+                <a:spcPts val="0"/>
+              </a:spcBef>
+              <a:spcAft>
+                <a:spcPts val="0"/>
+              </a:spcAft>
+              <a:buNone/>
+            </a:pPr>
+            <a:endParaRPr/>
+          </a:p>
+        </p:txBody>
+      </p:sp>
+      <p:sp>
+        <p:nvSpPr>
+          <p:cNvPr id="95" name="Google Shape;95;g83698e9e73_0_0:notes"/>
+          <p:cNvSpPr txBox="1">
+            <a:spLocks noGrp="1"/>
+          </p:cNvSpPr>
+          <p:nvPr>
+            <p:ph type="sldNum" idx="12"/>
+          </p:nvPr>
+        </p:nvSpPr>
+        <p:spPr>
+          <a:xfrm>
+            <a:off x="3884613" y="8685213"/>
+            <a:ext cx="2971800" cy="458700"/>
+          </a:xfrm>
+          <a:prstGeom prst="rect">
+            <a:avLst/>
+          </a:prstGeom>
+        </p:spPr>
+        <p:txBody>
+          <a:bodyPr spcFirstLastPara="1" wrap="square" lIns="91425" tIns="45700" rIns="91425" bIns="45700" anchor="b" anchorCtr="0">
+            <a:noAutofit/>
+          </a:bodyPr>
+          <a:lstStyle/>
+          <a:p>
+            <a:pPr marL="0" lvl="0" indent="0" algn="r" rtl="0">
+              <a:spcBef>
+                <a:spcPts val="0"/>
+              </a:spcBef>
+              <a:spcAft>
+                <a:spcPts val="0"/>
+              </a:spcAft>
+              <a:buClr>
+                <a:srgbClr val="000000"/>
+              </a:buClr>
+              <a:buSzPts val="1200"/>
+              <a:buFont typeface="Arial"/>
+              <a:buNone/>
+            </a:pPr>
+            <a:fld id="{00000000-1234-1234-1234-123412341234}" type="slidenum">
+              <a:rPr lang="en-US" altLang="ja-JP"/>
+              <a:t>25</a:t>
+            </a:fld>
+            <a:endParaRPr/>
+          </a:p>
+        </p:txBody>
+      </p:sp>
+    </p:spTree>
+    <p:extLst>
+      <p:ext uri="{BB962C8B-B14F-4D97-AF65-F5344CB8AC3E}">
+        <p14:creationId xmlns:p14="http://schemas.microsoft.com/office/powerpoint/2010/main" val="2565647820"/>
+      </p:ext>
+    </p:extLst>
+  </p:cSld>
+  <p:clrMapOvr>
+    <a:masterClrMapping/>
+  </p:clrMapOvr>
+</p:notes>
+</file>
+
+<file path=ppt/notesSlides/notesSlide24.xml><?xml version="1.0" encoding="utf-8"?>
+<p:notes xmlns:a="http://schemas.openxmlformats.org/drawingml/2006/main" xmlns:r="http://schemas.openxmlformats.org/officeDocument/2006/relationships" xmlns:p="http://schemas.openxmlformats.org/presentationml/2006/main" showMasterSp="0" showMasterPhAnim="0">
+  <p:cSld>
+    <p:spTree>
+      <p:nvGrpSpPr>
+        <p:cNvPr id="1" name="Shape 92"/>
+        <p:cNvGrpSpPr/>
+        <p:nvPr/>
+      </p:nvGrpSpPr>
+      <p:grpSpPr>
+        <a:xfrm>
+          <a:off x="0" y="0"/>
+          <a:ext cx="0" cy="0"/>
+          <a:chOff x="0" y="0"/>
+          <a:chExt cx="0" cy="0"/>
+        </a:xfrm>
+      </p:grpSpPr>
+      <p:sp>
+        <p:nvSpPr>
+          <p:cNvPr id="93" name="Google Shape;93;g83698e9e73_0_0:notes"/>
+          <p:cNvSpPr>
+            <a:spLocks noGrp="1" noRot="1" noChangeAspect="1"/>
+          </p:cNvSpPr>
+          <p:nvPr>
+            <p:ph type="sldImg" idx="2"/>
+          </p:nvPr>
+        </p:nvSpPr>
+        <p:spPr>
+          <a:xfrm>
+            <a:off x="685800" y="1143000"/>
+            <a:ext cx="5486400" cy="3086100"/>
+          </a:xfrm>
+          <a:custGeom>
+            <a:avLst/>
+            <a:gdLst/>
+            <a:ahLst/>
+            <a:cxnLst/>
+            <a:rect l="l" t="t" r="r" b="b"/>
+            <a:pathLst>
+              <a:path w="120000" h="120000" extrusionOk="0">
+                <a:moveTo>
+                  <a:pt x="0" y="0"/>
+                </a:moveTo>
+                <a:lnTo>
+                  <a:pt x="120000" y="0"/>
+                </a:lnTo>
+                <a:lnTo>
+                  <a:pt x="120000" y="120000"/>
+                </a:lnTo>
+                <a:lnTo>
+                  <a:pt x="0" y="120000"/>
+                </a:lnTo>
+                <a:close/>
+              </a:path>
+            </a:pathLst>
+          </a:custGeom>
+        </p:spPr>
+      </p:sp>
+      <p:sp>
+        <p:nvSpPr>
+          <p:cNvPr id="94" name="Google Shape;94;g83698e9e73_0_0:notes"/>
+          <p:cNvSpPr txBox="1">
+            <a:spLocks noGrp="1"/>
+          </p:cNvSpPr>
+          <p:nvPr>
+            <p:ph type="body" idx="1"/>
+          </p:nvPr>
+        </p:nvSpPr>
+        <p:spPr>
+          <a:xfrm>
+            <a:off x="685800" y="4400550"/>
+            <a:ext cx="5486400" cy="3600600"/>
+          </a:xfrm>
+          <a:prstGeom prst="rect">
+            <a:avLst/>
+          </a:prstGeom>
+        </p:spPr>
+        <p:txBody>
+          <a:bodyPr spcFirstLastPara="1" wrap="square" lIns="91425" tIns="45700" rIns="91425" bIns="45700" anchor="t" anchorCtr="0">
+            <a:noAutofit/>
+          </a:bodyPr>
+          <a:lstStyle/>
+          <a:p>
+            <a:pPr marL="0" lvl="0" indent="0" algn="l" rtl="0">
+              <a:spcBef>
+                <a:spcPts val="0"/>
+              </a:spcBef>
+              <a:spcAft>
+                <a:spcPts val="0"/>
+              </a:spcAft>
+              <a:buNone/>
+            </a:pPr>
+            <a:endParaRPr/>
+          </a:p>
+        </p:txBody>
+      </p:sp>
+      <p:sp>
+        <p:nvSpPr>
+          <p:cNvPr id="95" name="Google Shape;95;g83698e9e73_0_0:notes"/>
+          <p:cNvSpPr txBox="1">
+            <a:spLocks noGrp="1"/>
+          </p:cNvSpPr>
+          <p:nvPr>
+            <p:ph type="sldNum" idx="12"/>
+          </p:nvPr>
+        </p:nvSpPr>
+        <p:spPr>
+          <a:xfrm>
+            <a:off x="3884613" y="8685213"/>
+            <a:ext cx="2971800" cy="458700"/>
+          </a:xfrm>
+          <a:prstGeom prst="rect">
+            <a:avLst/>
+          </a:prstGeom>
+        </p:spPr>
+        <p:txBody>
+          <a:bodyPr spcFirstLastPara="1" wrap="square" lIns="91425" tIns="45700" rIns="91425" bIns="45700" anchor="b" anchorCtr="0">
+            <a:noAutofit/>
+          </a:bodyPr>
+          <a:lstStyle/>
+          <a:p>
+            <a:pPr marL="0" lvl="0" indent="0" algn="r" rtl="0">
+              <a:spcBef>
+                <a:spcPts val="0"/>
+              </a:spcBef>
+              <a:spcAft>
+                <a:spcPts val="0"/>
+              </a:spcAft>
+              <a:buClr>
+                <a:srgbClr val="000000"/>
+              </a:buClr>
+              <a:buSzPts val="1200"/>
+              <a:buFont typeface="Arial"/>
+              <a:buNone/>
+            </a:pPr>
+            <a:fld id="{00000000-1234-1234-1234-123412341234}" type="slidenum">
+              <a:rPr lang="en-US" altLang="ja-JP"/>
+              <a:t>26</a:t>
+            </a:fld>
+            <a:endParaRPr/>
+          </a:p>
+        </p:txBody>
+      </p:sp>
+    </p:spTree>
+    <p:extLst>
+      <p:ext uri="{BB962C8B-B14F-4D97-AF65-F5344CB8AC3E}">
+        <p14:creationId xmlns:p14="http://schemas.microsoft.com/office/powerpoint/2010/main" val="3369586023"/>
+      </p:ext>
+    </p:extLst>
   </p:cSld>
   <p:clrMapOvr>
     <a:masterClrMapping/>
@@ -17974,7 +18752,7 @@
           <p:nvPr>
             <p:extLst>
               <p:ext uri="{D42A27DB-BD31-4B8C-83A1-F6EECF244321}">
-                <p14:modId xmlns:p14="http://schemas.microsoft.com/office/powerpoint/2010/main" val="3334224012"/>
+                <p14:modId xmlns:p14="http://schemas.microsoft.com/office/powerpoint/2010/main" val="3680951003"/>
               </p:ext>
             </p:extLst>
           </p:nvPr>
@@ -18117,21 +18895,21 @@
                     <a:p>
                       <a:pPr algn="ctr"/>
                       <a:r>
-                        <a:rPr kumimoji="1" lang="ja-JP" altLang="en-US" sz="1200" dirty="0">
+                        <a:rPr kumimoji="1" lang="ja-JP" altLang="en-US" sz="1400" dirty="0">
                           <a:latin typeface="Arial" panose="020B0604020202020204" pitchFamily="34" charset="0"/>
                           <a:cs typeface="Arial" panose="020B0604020202020204" pitchFamily="34" charset="0"/>
                         </a:rPr>
                         <a:t>異なる</a:t>
                       </a:r>
                       <a:r>
-                        <a:rPr kumimoji="1" lang="en-US" altLang="ja-JP" sz="1200" dirty="0">
+                        <a:rPr kumimoji="1" lang="en-US" altLang="ja-JP" sz="1400" dirty="0">
                           <a:latin typeface="Arial" panose="020B0604020202020204" pitchFamily="34" charset="0"/>
                           <a:cs typeface="Arial" panose="020B0604020202020204" pitchFamily="34" charset="0"/>
                         </a:rPr>
                         <a:t>OS</a:t>
                       </a:r>
                       <a:r>
-                        <a:rPr kumimoji="1" lang="ja-JP" altLang="en-US" sz="1200" dirty="0">
+                        <a:rPr kumimoji="1" lang="ja-JP" altLang="en-US" sz="1400" dirty="0">
                           <a:latin typeface="Arial" panose="020B0604020202020204" pitchFamily="34" charset="0"/>
                           <a:cs typeface="Arial" panose="020B0604020202020204" pitchFamily="34" charset="0"/>
                         </a:rPr>
@@ -18148,48 +18926,48 @@
                     <a:p>
                       <a:pPr algn="ctr"/>
                       <a:r>
-                        <a:rPr kumimoji="1" lang="ja-JP" altLang="en-US" sz="1200" dirty="0">
+                        <a:rPr kumimoji="1" lang="ja-JP" altLang="en-US" sz="1400" dirty="0">
                           <a:latin typeface="Arial" panose="020B0604020202020204" pitchFamily="34" charset="0"/>
                           <a:cs typeface="Arial" panose="020B0604020202020204" pitchFamily="34" charset="0"/>
                         </a:rPr>
                         <a:t>同じ</a:t>
                       </a:r>
                       <a:r>
-                        <a:rPr kumimoji="1" lang="en-US" altLang="ja-JP" sz="1200" dirty="0">
+                        <a:rPr kumimoji="1" lang="en-US" altLang="ja-JP" sz="1400" dirty="0">
                           <a:latin typeface="Arial" panose="020B0604020202020204" pitchFamily="34" charset="0"/>
                           <a:cs typeface="Arial" panose="020B0604020202020204" pitchFamily="34" charset="0"/>
                         </a:rPr>
                         <a:t>OS</a:t>
                       </a:r>
                       <a:r>
-                        <a:rPr kumimoji="1" lang="ja-JP" altLang="en-US" sz="1200" dirty="0">
+                        <a:rPr kumimoji="1" lang="ja-JP" altLang="en-US" sz="1400" dirty="0">
                           <a:latin typeface="Arial" panose="020B0604020202020204" pitchFamily="34" charset="0"/>
                           <a:cs typeface="Arial" panose="020B0604020202020204" pitchFamily="34" charset="0"/>
                         </a:rPr>
                         <a:t>のみ</a:t>
                       </a:r>
                       <a:r>
-                        <a:rPr kumimoji="1" lang="en-US" altLang="ja-JP" sz="1200" dirty="0">
+                        <a:rPr kumimoji="1" lang="en-US" altLang="ja-JP" sz="1400" dirty="0">
                           <a:latin typeface="Arial" panose="020B0604020202020204" pitchFamily="34" charset="0"/>
                           <a:cs typeface="Arial" panose="020B0604020202020204" pitchFamily="34" charset="0"/>
                         </a:rPr>
                         <a:t>(Linux</a:t>
                       </a:r>
                       <a:r>
-                        <a:rPr kumimoji="1" lang="ja-JP" altLang="en-US" sz="1200" dirty="0">
+                        <a:rPr kumimoji="1" lang="ja-JP" altLang="en-US" sz="1400" dirty="0">
                           <a:latin typeface="Arial" panose="020B0604020202020204" pitchFamily="34" charset="0"/>
                           <a:cs typeface="Arial" panose="020B0604020202020204" pitchFamily="34" charset="0"/>
                         </a:rPr>
                         <a:t>系ならディストリビューション違っても可能</a:t>
                       </a:r>
                       <a:r>
-                        <a:rPr kumimoji="1" lang="en-US" altLang="ja-JP" sz="1200" dirty="0">
+                        <a:rPr kumimoji="1" lang="en-US" altLang="ja-JP" sz="1400" dirty="0">
                           <a:latin typeface="Arial" panose="020B0604020202020204" pitchFamily="34" charset="0"/>
                           <a:cs typeface="Arial" panose="020B0604020202020204" pitchFamily="34" charset="0"/>
                         </a:rPr>
                         <a:t>)</a:t>
                       </a:r>
-                      <a:endParaRPr kumimoji="1" lang="ja-JP" altLang="en-US" sz="1200" dirty="0">
+                      <a:endParaRPr kumimoji="1" lang="ja-JP" altLang="en-US" sz="1400" dirty="0">
                         <a:latin typeface="Arial" panose="020B0604020202020204" pitchFamily="34" charset="0"/>
                         <a:cs typeface="Arial" panose="020B0604020202020204" pitchFamily="34" charset="0"/>
                       </a:endParaRPr>
@@ -18248,7 +19026,7 @@
                     <a:p>
                       <a:pPr algn="ctr"/>
                       <a:r>
-                        <a:rPr kumimoji="1" lang="ja-JP" altLang="en-US" sz="1200" dirty="0">
+                        <a:rPr kumimoji="1" lang="ja-JP" altLang="en-US" sz="1400" dirty="0">
                           <a:latin typeface="Arial" panose="020B0604020202020204" pitchFamily="34" charset="0"/>
                           <a:cs typeface="Arial" panose="020B0604020202020204" pitchFamily="34" charset="0"/>
                         </a:rPr>
@@ -18265,7 +19043,7 @@
                     <a:p>
                       <a:pPr algn="ctr"/>
                       <a:r>
-                        <a:rPr kumimoji="1" lang="ja-JP" altLang="en-US" sz="1200" dirty="0">
+                        <a:rPr kumimoji="1" lang="ja-JP" altLang="en-US" sz="1400" dirty="0">
                           <a:latin typeface="Arial" panose="020B0604020202020204" pitchFamily="34" charset="0"/>
                           <a:cs typeface="Arial" panose="020B0604020202020204" pitchFamily="34" charset="0"/>
                         </a:rPr>
@@ -18313,7 +19091,7 @@
                     <a:p>
                       <a:pPr algn="ctr"/>
                       <a:r>
-                        <a:rPr kumimoji="1" lang="ja-JP" altLang="en-US" sz="1200" dirty="0">
+                        <a:rPr kumimoji="1" lang="ja-JP" altLang="en-US" sz="1400" dirty="0">
                           <a:latin typeface="Arial" panose="020B0604020202020204" pitchFamily="34" charset="0"/>
                           <a:cs typeface="Arial" panose="020B0604020202020204" pitchFamily="34" charset="0"/>
                         </a:rPr>
@@ -18330,7 +19108,7 @@
                     <a:p>
                       <a:pPr algn="ctr"/>
                       <a:r>
-                        <a:rPr kumimoji="1" lang="ja-JP" altLang="en-US" sz="1200" dirty="0">
+                        <a:rPr kumimoji="1" lang="ja-JP" altLang="en-US" sz="1400" dirty="0">
                           <a:latin typeface="Arial" panose="020B0604020202020204" pitchFamily="34" charset="0"/>
                           <a:cs typeface="Arial" panose="020B0604020202020204" pitchFamily="34" charset="0"/>
                         </a:rPr>
@@ -18378,7 +19156,7 @@
                     <a:p>
                       <a:pPr algn="ctr"/>
                       <a:r>
-                        <a:rPr kumimoji="1" lang="ja-JP" altLang="en-US" sz="1200" dirty="0">
+                        <a:rPr kumimoji="1" lang="ja-JP" altLang="en-US" sz="1400" dirty="0">
                           <a:latin typeface="Arial" panose="020B0604020202020204" pitchFamily="34" charset="0"/>
                           <a:cs typeface="Arial" panose="020B0604020202020204" pitchFamily="34" charset="0"/>
                         </a:rPr>
@@ -18395,7 +19173,7 @@
                     <a:p>
                       <a:pPr algn="ctr"/>
                       <a:r>
-                        <a:rPr kumimoji="1" lang="ja-JP" altLang="en-US" sz="1200" dirty="0">
+                        <a:rPr kumimoji="1" lang="ja-JP" altLang="en-US" sz="1400" dirty="0">
                           <a:latin typeface="Arial" panose="020B0604020202020204" pitchFamily="34" charset="0"/>
                           <a:cs typeface="Arial" panose="020B0604020202020204" pitchFamily="34" charset="0"/>
                         </a:rPr>
@@ -18433,7 +19211,7 @@
                     <a:p>
                       <a:pPr algn="ctr"/>
                       <a:r>
-                        <a:rPr kumimoji="1" lang="ja-JP" altLang="en-US" sz="1200" dirty="0">
+                        <a:rPr kumimoji="1" lang="ja-JP" altLang="en-US" sz="1400" dirty="0">
                           <a:latin typeface="Arial" panose="020B0604020202020204" pitchFamily="34" charset="0"/>
                           <a:cs typeface="Arial" panose="020B0604020202020204" pitchFamily="34" charset="0"/>
                         </a:rPr>
@@ -18450,7 +19228,7 @@
                     <a:p>
                       <a:pPr algn="ctr" fontAlgn="ctr"/>
                       <a:r>
-                        <a:rPr lang="ja-JP" altLang="en-US" sz="1200" dirty="0">
+                        <a:rPr lang="ja-JP" altLang="en-US" sz="1400" dirty="0">
                           <a:effectLst/>
                           <a:latin typeface="Arial" panose="020B0604020202020204" pitchFamily="34" charset="0"/>
                           <a:cs typeface="Arial" panose="020B0604020202020204" pitchFamily="34" charset="0"/>
@@ -18489,7 +19267,7 @@
                     <a:p>
                       <a:pPr algn="ctr"/>
                       <a:r>
-                        <a:rPr kumimoji="1" lang="ja-JP" altLang="en-US" sz="1200" dirty="0">
+                        <a:rPr kumimoji="1" lang="ja-JP" altLang="en-US" sz="1400" dirty="0">
                           <a:latin typeface="Arial" panose="020B0604020202020204" pitchFamily="34" charset="0"/>
                           <a:cs typeface="Arial" panose="020B0604020202020204" pitchFamily="34" charset="0"/>
                         </a:rPr>
@@ -18506,7 +19284,7 @@
                     <a:p>
                       <a:pPr algn="ctr"/>
                       <a:r>
-                        <a:rPr kumimoji="1" lang="ja-JP" altLang="en-US" sz="1200" dirty="0">
+                        <a:rPr kumimoji="1" lang="ja-JP" altLang="en-US" sz="1400" dirty="0">
                           <a:latin typeface="Arial" panose="020B0604020202020204" pitchFamily="34" charset="0"/>
                           <a:cs typeface="Arial" panose="020B0604020202020204" pitchFamily="34" charset="0"/>
                         </a:rPr>
@@ -18621,14 +19399,14 @@
           </a:p>
           <a:p>
             <a:r>
-              <a:rPr kumimoji="1" lang="en-US" altLang="ja-JP" dirty="0">
+              <a:rPr kumimoji="1" lang="en-US" altLang="ja-JP" u="sng" dirty="0">
                 <a:latin typeface="メイリオ" panose="020B0604030504040204" pitchFamily="50" charset="-128"/>
                 <a:ea typeface="メイリオ" panose="020B0604030504040204" pitchFamily="50" charset="-128"/>
               </a:rPr>
               <a:t>VM</a:t>
             </a:r>
             <a:r>
-              <a:rPr kumimoji="1" lang="ja-JP" altLang="en-US" dirty="0">
+              <a:rPr kumimoji="1" lang="ja-JP" altLang="en-US" u="sng" dirty="0">
                 <a:latin typeface="メイリオ" panose="020B0604030504040204" pitchFamily="50" charset="-128"/>
                 <a:ea typeface="メイリオ" panose="020B0604030504040204" pitchFamily="50" charset="-128"/>
               </a:rPr>
@@ -19502,234 +20280,422 @@
           </a:p>
           <a:p>
             <a:pPr marL="0" lvl="0" indent="0">
+              <a:lnSpc>
+                <a:spcPct val="100000"/>
+              </a:lnSpc>
+              <a:spcBef>
+                <a:spcPts val="0"/>
+              </a:spcBef>
+              <a:buClr>
+                <a:srgbClr val="000000"/>
+              </a:buClr>
+              <a:buFont typeface="Arial"/>
               <a:buNone/>
             </a:pPr>
             <a:r>
-              <a:rPr lang="en-US" altLang="ja-JP" sz="1800" dirty="0">
-                <a:latin typeface="游ゴシック" panose="020B0400000000000000" pitchFamily="50" charset="-128"/>
-                <a:ea typeface="游ゴシック" panose="020B0400000000000000" pitchFamily="50" charset="-128"/>
+              <a:rPr kumimoji="1" lang="en-US" altLang="ja-JP" sz="1800" dirty="0">
+                <a:solidFill>
+                  <a:srgbClr val="000000"/>
+                </a:solidFill>
+                <a:latin typeface="メイリオ" panose="020B0604030504040204" pitchFamily="50" charset="-128"/>
+                <a:ea typeface="メイリオ" panose="020B0604030504040204" pitchFamily="50" charset="-128"/>
+                <a:cs typeface="Arial"/>
+                <a:sym typeface="Arial"/>
               </a:rPr>
               <a:t>Docker</a:t>
             </a:r>
             <a:r>
-              <a:rPr lang="ja-JP" altLang="en-US" sz="1800" dirty="0">
-                <a:latin typeface="游ゴシック" panose="020B0400000000000000" pitchFamily="50" charset="-128"/>
-                <a:ea typeface="游ゴシック" panose="020B0400000000000000" pitchFamily="50" charset="-128"/>
+              <a:rPr kumimoji="1" lang="ja-JP" altLang="en-US" sz="1800" dirty="0">
+                <a:solidFill>
+                  <a:srgbClr val="000000"/>
+                </a:solidFill>
+                <a:latin typeface="メイリオ" panose="020B0604030504040204" pitchFamily="50" charset="-128"/>
+                <a:ea typeface="メイリオ" panose="020B0604030504040204" pitchFamily="50" charset="-128"/>
+                <a:cs typeface="Arial"/>
+                <a:sym typeface="Arial"/>
               </a:rPr>
               <a:t>はコンテナ型仮想化技術を利用しています。</a:t>
             </a:r>
-            <a:endParaRPr lang="en-US" altLang="ja-JP" sz="1800" dirty="0">
-              <a:latin typeface="游ゴシック" panose="020B0400000000000000" pitchFamily="50" charset="-128"/>
-              <a:ea typeface="游ゴシック" panose="020B0400000000000000" pitchFamily="50" charset="-128"/>
+            <a:endParaRPr kumimoji="1" lang="en-US" altLang="ja-JP" sz="1800" dirty="0">
+              <a:solidFill>
+                <a:srgbClr val="000000"/>
+              </a:solidFill>
+              <a:latin typeface="メイリオ" panose="020B0604030504040204" pitchFamily="50" charset="-128"/>
+              <a:ea typeface="メイリオ" panose="020B0604030504040204" pitchFamily="50" charset="-128"/>
+              <a:cs typeface="Arial"/>
+              <a:sym typeface="Arial"/>
             </a:endParaRPr>
           </a:p>
           <a:p>
             <a:pPr marL="0" lvl="0" indent="0">
-              <a:spcBef>
-                <a:spcPts val="0"/>
-              </a:spcBef>
+              <a:lnSpc>
+                <a:spcPct val="100000"/>
+              </a:lnSpc>
+              <a:spcBef>
+                <a:spcPts val="0"/>
+              </a:spcBef>
+              <a:buClr>
+                <a:srgbClr val="000000"/>
+              </a:buClr>
+              <a:buFont typeface="Arial"/>
               <a:buNone/>
             </a:pPr>
             <a:r>
-              <a:rPr lang="ja-JP" altLang="en-US" sz="1800" dirty="0">
-                <a:latin typeface="游ゴシック" panose="020B0400000000000000" pitchFamily="50" charset="-128"/>
-                <a:ea typeface="游ゴシック" panose="020B0400000000000000" pitchFamily="50" charset="-128"/>
+              <a:rPr kumimoji="1" lang="ja-JP" altLang="en-US" sz="1800" dirty="0">
+                <a:solidFill>
+                  <a:srgbClr val="000000"/>
+                </a:solidFill>
+                <a:latin typeface="メイリオ" panose="020B0604030504040204" pitchFamily="50" charset="-128"/>
+                <a:ea typeface="メイリオ" panose="020B0604030504040204" pitchFamily="50" charset="-128"/>
+                <a:cs typeface="Arial"/>
+                <a:sym typeface="Arial"/>
               </a:rPr>
               <a:t>コンテナ型仮想化技術では仮想化ソフトウェアなしに</a:t>
             </a:r>
             <a:r>
-              <a:rPr lang="en-US" altLang="ja-JP" sz="1800" dirty="0">
-                <a:latin typeface="游ゴシック" panose="020B0400000000000000" pitchFamily="50" charset="-128"/>
-                <a:ea typeface="游ゴシック" panose="020B0400000000000000" pitchFamily="50" charset="-128"/>
+              <a:rPr kumimoji="1" lang="en-US" altLang="ja-JP" sz="1800" dirty="0">
+                <a:solidFill>
+                  <a:srgbClr val="000000"/>
+                </a:solidFill>
+                <a:latin typeface="メイリオ" panose="020B0604030504040204" pitchFamily="50" charset="-128"/>
+                <a:ea typeface="メイリオ" panose="020B0604030504040204" pitchFamily="50" charset="-128"/>
+                <a:cs typeface="Arial"/>
+                <a:sym typeface="Arial"/>
               </a:rPr>
               <a:t>OS</a:t>
             </a:r>
             <a:r>
-              <a:rPr lang="ja-JP" altLang="en-US" sz="1800" dirty="0">
-                <a:latin typeface="游ゴシック" panose="020B0400000000000000" pitchFamily="50" charset="-128"/>
-                <a:ea typeface="游ゴシック" panose="020B0400000000000000" pitchFamily="50" charset="-128"/>
+              <a:rPr kumimoji="1" lang="ja-JP" altLang="en-US" sz="1800" dirty="0">
+                <a:solidFill>
+                  <a:srgbClr val="000000"/>
+                </a:solidFill>
+                <a:latin typeface="メイリオ" panose="020B0604030504040204" pitchFamily="50" charset="-128"/>
+                <a:ea typeface="メイリオ" panose="020B0604030504040204" pitchFamily="50" charset="-128"/>
+                <a:cs typeface="Arial"/>
+                <a:sym typeface="Arial"/>
               </a:rPr>
               <a:t>のリソースを隔離し、仮想</a:t>
             </a:r>
             <a:r>
-              <a:rPr lang="en-US" altLang="ja-JP" sz="1800" dirty="0">
-                <a:latin typeface="游ゴシック" panose="020B0400000000000000" pitchFamily="50" charset="-128"/>
-                <a:ea typeface="游ゴシック" panose="020B0400000000000000" pitchFamily="50" charset="-128"/>
+              <a:rPr kumimoji="1" lang="en-US" altLang="ja-JP" sz="1800" dirty="0">
+                <a:solidFill>
+                  <a:srgbClr val="000000"/>
+                </a:solidFill>
+                <a:latin typeface="メイリオ" panose="020B0604030504040204" pitchFamily="50" charset="-128"/>
+                <a:ea typeface="メイリオ" panose="020B0604030504040204" pitchFamily="50" charset="-128"/>
+                <a:cs typeface="Arial"/>
+                <a:sym typeface="Arial"/>
               </a:rPr>
               <a:t>OS</a:t>
             </a:r>
             <a:r>
-              <a:rPr lang="ja-JP" altLang="en-US" sz="1800" dirty="0">
-                <a:latin typeface="游ゴシック" panose="020B0400000000000000" pitchFamily="50" charset="-128"/>
-                <a:ea typeface="游ゴシック" panose="020B0400000000000000" pitchFamily="50" charset="-128"/>
+              <a:rPr kumimoji="1" lang="ja-JP" altLang="en-US" sz="1800" dirty="0">
+                <a:solidFill>
+                  <a:srgbClr val="000000"/>
+                </a:solidFill>
+                <a:latin typeface="メイリオ" panose="020B0604030504040204" pitchFamily="50" charset="-128"/>
+                <a:ea typeface="メイリオ" panose="020B0604030504040204" pitchFamily="50" charset="-128"/>
+                <a:cs typeface="Arial"/>
+                <a:sym typeface="Arial"/>
               </a:rPr>
               <a:t>にします。</a:t>
             </a:r>
-            <a:endParaRPr lang="en-US" altLang="ja-JP" sz="1800" dirty="0">
-              <a:latin typeface="游ゴシック" panose="020B0400000000000000" pitchFamily="50" charset="-128"/>
-              <a:ea typeface="游ゴシック" panose="020B0400000000000000" pitchFamily="50" charset="-128"/>
+            <a:endParaRPr kumimoji="1" lang="en-US" altLang="ja-JP" sz="1800" dirty="0">
+              <a:solidFill>
+                <a:srgbClr val="000000"/>
+              </a:solidFill>
+              <a:latin typeface="メイリオ" panose="020B0604030504040204" pitchFamily="50" charset="-128"/>
+              <a:ea typeface="メイリオ" panose="020B0604030504040204" pitchFamily="50" charset="-128"/>
+              <a:cs typeface="Arial"/>
+              <a:sym typeface="Arial"/>
             </a:endParaRPr>
           </a:p>
           <a:p>
             <a:pPr marL="0" lvl="0" indent="0">
-              <a:spcBef>
-                <a:spcPts val="0"/>
-              </a:spcBef>
+              <a:lnSpc>
+                <a:spcPct val="100000"/>
+              </a:lnSpc>
+              <a:spcBef>
+                <a:spcPts val="0"/>
+              </a:spcBef>
+              <a:buClr>
+                <a:srgbClr val="000000"/>
+              </a:buClr>
+              <a:buFont typeface="Arial"/>
               <a:buNone/>
             </a:pPr>
             <a:r>
-              <a:rPr lang="ja-JP" altLang="en-US" sz="1800" dirty="0">
-                <a:latin typeface="游ゴシック" panose="020B0400000000000000" pitchFamily="50" charset="-128"/>
-                <a:ea typeface="游ゴシック" panose="020B0400000000000000" pitchFamily="50" charset="-128"/>
+              <a:rPr kumimoji="1" lang="ja-JP" altLang="en-US" sz="1800" dirty="0">
+                <a:solidFill>
+                  <a:srgbClr val="000000"/>
+                </a:solidFill>
+                <a:latin typeface="メイリオ" panose="020B0604030504040204" pitchFamily="50" charset="-128"/>
+                <a:ea typeface="メイリオ" panose="020B0604030504040204" pitchFamily="50" charset="-128"/>
+                <a:cs typeface="Arial"/>
+                <a:sym typeface="Arial"/>
               </a:rPr>
               <a:t>この仮想</a:t>
             </a:r>
             <a:r>
-              <a:rPr lang="en-US" altLang="ja-JP" sz="1800" dirty="0">
-                <a:latin typeface="游ゴシック" panose="020B0400000000000000" pitchFamily="50" charset="-128"/>
-                <a:ea typeface="游ゴシック" panose="020B0400000000000000" pitchFamily="50" charset="-128"/>
+              <a:rPr kumimoji="1" lang="en-US" altLang="ja-JP" sz="1800" dirty="0">
+                <a:solidFill>
+                  <a:srgbClr val="000000"/>
+                </a:solidFill>
+                <a:latin typeface="メイリオ" panose="020B0604030504040204" pitchFamily="50" charset="-128"/>
+                <a:ea typeface="メイリオ" panose="020B0604030504040204" pitchFamily="50" charset="-128"/>
+                <a:cs typeface="Arial"/>
+                <a:sym typeface="Arial"/>
               </a:rPr>
               <a:t>OS</a:t>
             </a:r>
             <a:r>
-              <a:rPr lang="ja-JP" altLang="en-US" sz="1800" dirty="0">
-                <a:latin typeface="游ゴシック" panose="020B0400000000000000" pitchFamily="50" charset="-128"/>
-                <a:ea typeface="游ゴシック" panose="020B0400000000000000" pitchFamily="50" charset="-128"/>
+              <a:rPr kumimoji="1" lang="ja-JP" altLang="en-US" sz="1800" dirty="0">
+                <a:solidFill>
+                  <a:srgbClr val="000000"/>
+                </a:solidFill>
+                <a:latin typeface="メイリオ" panose="020B0604030504040204" pitchFamily="50" charset="-128"/>
+                <a:ea typeface="メイリオ" panose="020B0604030504040204" pitchFamily="50" charset="-128"/>
+                <a:cs typeface="Arial"/>
+                <a:sym typeface="Arial"/>
               </a:rPr>
               <a:t>をコンテナと呼びます。</a:t>
             </a:r>
-            <a:endParaRPr lang="en-US" altLang="ja-JP" sz="1800" dirty="0">
-              <a:latin typeface="游ゴシック" panose="020B0400000000000000" pitchFamily="50" charset="-128"/>
-              <a:ea typeface="游ゴシック" panose="020B0400000000000000" pitchFamily="50" charset="-128"/>
+            <a:endParaRPr kumimoji="1" lang="en-US" altLang="ja-JP" sz="1800" dirty="0">
+              <a:solidFill>
+                <a:srgbClr val="000000"/>
+              </a:solidFill>
+              <a:latin typeface="メイリオ" panose="020B0604030504040204" pitchFamily="50" charset="-128"/>
+              <a:ea typeface="メイリオ" panose="020B0604030504040204" pitchFamily="50" charset="-128"/>
+              <a:cs typeface="Arial"/>
+              <a:sym typeface="Arial"/>
             </a:endParaRPr>
           </a:p>
           <a:p>
             <a:pPr marL="0" indent="0">
-              <a:spcBef>
-                <a:spcPts val="0"/>
-              </a:spcBef>
+              <a:lnSpc>
+                <a:spcPct val="100000"/>
+              </a:lnSpc>
+              <a:spcBef>
+                <a:spcPts val="0"/>
+              </a:spcBef>
+              <a:buClr>
+                <a:srgbClr val="000000"/>
+              </a:buClr>
+              <a:buFont typeface="Arial"/>
               <a:buNone/>
             </a:pPr>
-            <a:endParaRPr lang="en-US" altLang="ja-JP" sz="1800" dirty="0">
-              <a:latin typeface="游ゴシック" panose="020B0400000000000000" pitchFamily="50" charset="-128"/>
-              <a:ea typeface="游ゴシック" panose="020B0400000000000000" pitchFamily="50" charset="-128"/>
+            <a:endParaRPr kumimoji="1" lang="en-US" altLang="ja-JP" sz="1800" dirty="0">
+              <a:solidFill>
+                <a:srgbClr val="000000"/>
+              </a:solidFill>
+              <a:latin typeface="メイリオ" panose="020B0604030504040204" pitchFamily="50" charset="-128"/>
+              <a:ea typeface="メイリオ" panose="020B0604030504040204" pitchFamily="50" charset="-128"/>
+              <a:cs typeface="Arial"/>
+              <a:sym typeface="Arial"/>
             </a:endParaRPr>
           </a:p>
           <a:p>
             <a:pPr marL="0" indent="0">
-              <a:spcBef>
-                <a:spcPts val="0"/>
-              </a:spcBef>
+              <a:lnSpc>
+                <a:spcPct val="100000"/>
+              </a:lnSpc>
+              <a:spcBef>
+                <a:spcPts val="0"/>
+              </a:spcBef>
+              <a:buClr>
+                <a:srgbClr val="000000"/>
+              </a:buClr>
+              <a:buFont typeface="Arial"/>
               <a:buNone/>
             </a:pPr>
             <a:r>
-              <a:rPr lang="ja-JP" altLang="en-US" sz="1800" dirty="0">
-                <a:latin typeface="游ゴシック" panose="020B0400000000000000" pitchFamily="50" charset="-128"/>
-                <a:ea typeface="游ゴシック" panose="020B0400000000000000" pitchFamily="50" charset="-128"/>
+              <a:rPr kumimoji="1" lang="ja-JP" altLang="en-US" sz="1800" dirty="0">
+                <a:solidFill>
+                  <a:srgbClr val="000000"/>
+                </a:solidFill>
+                <a:latin typeface="メイリオ" panose="020B0604030504040204" pitchFamily="50" charset="-128"/>
+                <a:ea typeface="メイリオ" panose="020B0604030504040204" pitchFamily="50" charset="-128"/>
+                <a:cs typeface="Arial"/>
+                <a:sym typeface="Arial"/>
               </a:rPr>
               <a:t>コンテナは</a:t>
             </a:r>
             <a:r>
-              <a:rPr lang="en-US" altLang="ja-JP" sz="1800" dirty="0">
-                <a:latin typeface="游ゴシック" panose="020B0400000000000000" pitchFamily="50" charset="-128"/>
-                <a:ea typeface="游ゴシック" panose="020B0400000000000000" pitchFamily="50" charset="-128"/>
+              <a:rPr kumimoji="1" lang="en-US" altLang="ja-JP" sz="1800" dirty="0">
+                <a:solidFill>
+                  <a:srgbClr val="000000"/>
+                </a:solidFill>
+                <a:latin typeface="メイリオ" panose="020B0604030504040204" pitchFamily="50" charset="-128"/>
+                <a:ea typeface="メイリオ" panose="020B0604030504040204" pitchFamily="50" charset="-128"/>
+                <a:cs typeface="Arial"/>
+                <a:sym typeface="Arial"/>
               </a:rPr>
               <a:t>Linux</a:t>
             </a:r>
             <a:r>
-              <a:rPr lang="ja-JP" altLang="en-US" sz="1800" dirty="0">
-                <a:latin typeface="游ゴシック" panose="020B0400000000000000" pitchFamily="50" charset="-128"/>
-                <a:ea typeface="游ゴシック" panose="020B0400000000000000" pitchFamily="50" charset="-128"/>
+              <a:rPr kumimoji="1" lang="ja-JP" altLang="en-US" sz="1800" dirty="0">
+                <a:solidFill>
+                  <a:srgbClr val="000000"/>
+                </a:solidFill>
+                <a:latin typeface="メイリオ" panose="020B0604030504040204" pitchFamily="50" charset="-128"/>
+                <a:ea typeface="メイリオ" panose="020B0604030504040204" pitchFamily="50" charset="-128"/>
+                <a:cs typeface="Arial"/>
+                <a:sym typeface="Arial"/>
               </a:rPr>
               <a:t>カーネルの機能を用いた技術で、</a:t>
             </a:r>
             <a:r>
-              <a:rPr lang="en-US" altLang="ja-JP" sz="1800" dirty="0" err="1">
-                <a:latin typeface="游ゴシック" panose="020B0400000000000000" pitchFamily="50" charset="-128"/>
-                <a:ea typeface="游ゴシック" panose="020B0400000000000000" pitchFamily="50" charset="-128"/>
+              <a:rPr kumimoji="1" lang="en-US" altLang="ja-JP" sz="1800" dirty="0" err="1">
+                <a:solidFill>
+                  <a:srgbClr val="000000"/>
+                </a:solidFill>
+                <a:latin typeface="メイリオ" panose="020B0604030504040204" pitchFamily="50" charset="-128"/>
+                <a:ea typeface="メイリオ" panose="020B0604030504040204" pitchFamily="50" charset="-128"/>
+                <a:cs typeface="Arial"/>
+                <a:sym typeface="Arial"/>
               </a:rPr>
               <a:t>cgroup</a:t>
             </a:r>
             <a:r>
-              <a:rPr lang="ja-JP" altLang="en-US" sz="1800" dirty="0">
-                <a:latin typeface="游ゴシック" panose="020B0400000000000000" pitchFamily="50" charset="-128"/>
-                <a:ea typeface="游ゴシック" panose="020B0400000000000000" pitchFamily="50" charset="-128"/>
+              <a:rPr kumimoji="1" lang="ja-JP" altLang="en-US" sz="1800" dirty="0">
+                <a:solidFill>
+                  <a:srgbClr val="000000"/>
+                </a:solidFill>
+                <a:latin typeface="メイリオ" panose="020B0604030504040204" pitchFamily="50" charset="-128"/>
+                <a:ea typeface="メイリオ" panose="020B0604030504040204" pitchFamily="50" charset="-128"/>
+                <a:cs typeface="Arial"/>
+                <a:sym typeface="Arial"/>
               </a:rPr>
               <a:t>・</a:t>
             </a:r>
             <a:r>
-              <a:rPr lang="en-US" altLang="ja-JP" sz="1800" dirty="0">
-                <a:latin typeface="游ゴシック" panose="020B0400000000000000" pitchFamily="50" charset="-128"/>
-                <a:ea typeface="游ゴシック" panose="020B0400000000000000" pitchFamily="50" charset="-128"/>
+              <a:rPr kumimoji="1" lang="en-US" altLang="ja-JP" sz="1800" dirty="0">
+                <a:solidFill>
+                  <a:srgbClr val="000000"/>
+                </a:solidFill>
+                <a:latin typeface="メイリオ" panose="020B0604030504040204" pitchFamily="50" charset="-128"/>
+                <a:ea typeface="メイリオ" panose="020B0604030504040204" pitchFamily="50" charset="-128"/>
+                <a:cs typeface="Arial"/>
+                <a:sym typeface="Arial"/>
               </a:rPr>
               <a:t>namespace</a:t>
             </a:r>
             <a:r>
-              <a:rPr lang="ja-JP" altLang="en-US" sz="1800" dirty="0">
-                <a:latin typeface="游ゴシック" panose="020B0400000000000000" pitchFamily="50" charset="-128"/>
-                <a:ea typeface="游ゴシック" panose="020B0400000000000000" pitchFamily="50" charset="-128"/>
+              <a:rPr kumimoji="1" lang="ja-JP" altLang="en-US" sz="1800" dirty="0">
+                <a:solidFill>
+                  <a:srgbClr val="000000"/>
+                </a:solidFill>
+                <a:latin typeface="メイリオ" panose="020B0604030504040204" pitchFamily="50" charset="-128"/>
+                <a:ea typeface="メイリオ" panose="020B0604030504040204" pitchFamily="50" charset="-128"/>
+                <a:cs typeface="Arial"/>
+                <a:sym typeface="Arial"/>
               </a:rPr>
               <a:t>・</a:t>
             </a:r>
             <a:r>
-              <a:rPr lang="en-US" altLang="ja-JP" sz="1800" dirty="0">
-                <a:latin typeface="游ゴシック" panose="020B0400000000000000" pitchFamily="50" charset="-128"/>
-                <a:ea typeface="游ゴシック" panose="020B0400000000000000" pitchFamily="50" charset="-128"/>
+              <a:rPr kumimoji="1" lang="en-US" altLang="ja-JP" sz="1800" dirty="0">
+                <a:solidFill>
+                  <a:srgbClr val="000000"/>
+                </a:solidFill>
+                <a:latin typeface="メイリオ" panose="020B0604030504040204" pitchFamily="50" charset="-128"/>
+                <a:ea typeface="メイリオ" panose="020B0604030504040204" pitchFamily="50" charset="-128"/>
+                <a:cs typeface="Arial"/>
+                <a:sym typeface="Arial"/>
               </a:rPr>
               <a:t>Capability</a:t>
             </a:r>
             <a:r>
-              <a:rPr lang="ja-JP" altLang="en-US" sz="1800" dirty="0">
-                <a:latin typeface="游ゴシック" panose="020B0400000000000000" pitchFamily="50" charset="-128"/>
-                <a:ea typeface="游ゴシック" panose="020B0400000000000000" pitchFamily="50" charset="-128"/>
+              <a:rPr kumimoji="1" lang="ja-JP" altLang="en-US" sz="1800" dirty="0">
+                <a:solidFill>
+                  <a:srgbClr val="000000"/>
+                </a:solidFill>
+                <a:latin typeface="メイリオ" panose="020B0604030504040204" pitchFamily="50" charset="-128"/>
+                <a:ea typeface="メイリオ" panose="020B0604030504040204" pitchFamily="50" charset="-128"/>
+                <a:cs typeface="Arial"/>
+                <a:sym typeface="Arial"/>
               </a:rPr>
               <a:t>のような機能を組み合わせて実現しています。 そのため</a:t>
             </a:r>
             <a:r>
-              <a:rPr lang="en-US" altLang="ja-JP" sz="1800" dirty="0">
-                <a:latin typeface="游ゴシック" panose="020B0400000000000000" pitchFamily="50" charset="-128"/>
-                <a:ea typeface="游ゴシック" panose="020B0400000000000000" pitchFamily="50" charset="-128"/>
+              <a:rPr kumimoji="1" lang="en-US" altLang="ja-JP" sz="1800" dirty="0">
+                <a:solidFill>
+                  <a:srgbClr val="000000"/>
+                </a:solidFill>
+                <a:latin typeface="メイリオ" panose="020B0604030504040204" pitchFamily="50" charset="-128"/>
+                <a:ea typeface="メイリオ" panose="020B0604030504040204" pitchFamily="50" charset="-128"/>
+                <a:cs typeface="Arial"/>
+                <a:sym typeface="Arial"/>
               </a:rPr>
               <a:t>VM</a:t>
             </a:r>
             <a:r>
-              <a:rPr lang="ja-JP" altLang="en-US" sz="1800" dirty="0">
-                <a:latin typeface="游ゴシック" panose="020B0400000000000000" pitchFamily="50" charset="-128"/>
-                <a:ea typeface="游ゴシック" panose="020B0400000000000000" pitchFamily="50" charset="-128"/>
+              <a:rPr kumimoji="1" lang="ja-JP" altLang="en-US" sz="1800" dirty="0">
+                <a:solidFill>
+                  <a:srgbClr val="000000"/>
+                </a:solidFill>
+                <a:latin typeface="メイリオ" panose="020B0604030504040204" pitchFamily="50" charset="-128"/>
+                <a:ea typeface="メイリオ" panose="020B0604030504040204" pitchFamily="50" charset="-128"/>
+                <a:cs typeface="Arial"/>
+                <a:sym typeface="Arial"/>
               </a:rPr>
               <a:t>とは異なりホスト</a:t>
             </a:r>
             <a:r>
-              <a:rPr lang="en-US" altLang="ja-JP" sz="1800" dirty="0">
-                <a:latin typeface="游ゴシック" panose="020B0400000000000000" pitchFamily="50" charset="-128"/>
-                <a:ea typeface="游ゴシック" panose="020B0400000000000000" pitchFamily="50" charset="-128"/>
+              <a:rPr kumimoji="1" lang="en-US" altLang="ja-JP" sz="1800" dirty="0">
+                <a:solidFill>
+                  <a:srgbClr val="000000"/>
+                </a:solidFill>
+                <a:latin typeface="メイリオ" panose="020B0604030504040204" pitchFamily="50" charset="-128"/>
+                <a:ea typeface="メイリオ" panose="020B0604030504040204" pitchFamily="50" charset="-128"/>
+                <a:cs typeface="Arial"/>
+                <a:sym typeface="Arial"/>
               </a:rPr>
               <a:t>OS</a:t>
             </a:r>
             <a:r>
-              <a:rPr lang="ja-JP" altLang="en-US" sz="1800" dirty="0">
-                <a:latin typeface="游ゴシック" panose="020B0400000000000000" pitchFamily="50" charset="-128"/>
-                <a:ea typeface="游ゴシック" panose="020B0400000000000000" pitchFamily="50" charset="-128"/>
+              <a:rPr kumimoji="1" lang="ja-JP" altLang="en-US" sz="1800" dirty="0">
+                <a:solidFill>
+                  <a:srgbClr val="000000"/>
+                </a:solidFill>
+                <a:latin typeface="メイリオ" panose="020B0604030504040204" pitchFamily="50" charset="-128"/>
+                <a:ea typeface="メイリオ" panose="020B0604030504040204" pitchFamily="50" charset="-128"/>
+                <a:cs typeface="Arial"/>
+                <a:sym typeface="Arial"/>
               </a:rPr>
               <a:t>とリソースを共有し、効率的にホスト</a:t>
             </a:r>
             <a:r>
-              <a:rPr lang="en-US" altLang="ja-JP" sz="1800" dirty="0">
-                <a:latin typeface="游ゴシック" panose="020B0400000000000000" pitchFamily="50" charset="-128"/>
-                <a:ea typeface="游ゴシック" panose="020B0400000000000000" pitchFamily="50" charset="-128"/>
+              <a:rPr kumimoji="1" lang="en-US" altLang="ja-JP" sz="1800" dirty="0">
+                <a:solidFill>
+                  <a:srgbClr val="000000"/>
+                </a:solidFill>
+                <a:latin typeface="メイリオ" panose="020B0604030504040204" pitchFamily="50" charset="-128"/>
+                <a:ea typeface="メイリオ" panose="020B0604030504040204" pitchFamily="50" charset="-128"/>
+                <a:cs typeface="Arial"/>
+                <a:sym typeface="Arial"/>
               </a:rPr>
               <a:t>OS</a:t>
             </a:r>
             <a:r>
-              <a:rPr lang="ja-JP" altLang="en-US" sz="1800" dirty="0">
-                <a:latin typeface="游ゴシック" panose="020B0400000000000000" pitchFamily="50" charset="-128"/>
-                <a:ea typeface="游ゴシック" panose="020B0400000000000000" pitchFamily="50" charset="-128"/>
+              <a:rPr kumimoji="1" lang="ja-JP" altLang="en-US" sz="1800" dirty="0">
+                <a:solidFill>
+                  <a:srgbClr val="000000"/>
+                </a:solidFill>
+                <a:latin typeface="メイリオ" panose="020B0604030504040204" pitchFamily="50" charset="-128"/>
+                <a:ea typeface="メイリオ" panose="020B0604030504040204" pitchFamily="50" charset="-128"/>
+                <a:cs typeface="Arial"/>
+                <a:sym typeface="Arial"/>
               </a:rPr>
               <a:t>のリソースを使用することができ、高速かつ軽量な仮想化を実現しています。</a:t>
             </a:r>
-            <a:endParaRPr lang="en-US" altLang="ja-JP" sz="1800" dirty="0">
-              <a:latin typeface="游ゴシック" panose="020B0400000000000000" pitchFamily="50" charset="-128"/>
-              <a:ea typeface="游ゴシック" panose="020B0400000000000000" pitchFamily="50" charset="-128"/>
+            <a:endParaRPr kumimoji="1" lang="en-US" altLang="ja-JP" sz="1800" dirty="0">
+              <a:solidFill>
+                <a:srgbClr val="000000"/>
+              </a:solidFill>
+              <a:latin typeface="メイリオ" panose="020B0604030504040204" pitchFamily="50" charset="-128"/>
+              <a:ea typeface="メイリオ" panose="020B0604030504040204" pitchFamily="50" charset="-128"/>
+              <a:cs typeface="Arial"/>
+              <a:sym typeface="Arial"/>
             </a:endParaRPr>
           </a:p>
           <a:p>
@@ -19766,7 +20732,15 @@
               </a:spcAft>
               <a:buNone/>
             </a:pPr>
-            <a:endParaRPr dirty="0"/>
+            <a:endParaRPr kumimoji="1" sz="1400" dirty="0">
+              <a:solidFill>
+                <a:srgbClr val="000000"/>
+              </a:solidFill>
+              <a:latin typeface="メイリオ" panose="020B0604030504040204" pitchFamily="50" charset="-128"/>
+              <a:ea typeface="メイリオ" panose="020B0604030504040204" pitchFamily="50" charset="-128"/>
+              <a:cs typeface="Arial"/>
+              <a:sym typeface="Arial"/>
+            </a:endParaRPr>
           </a:p>
         </p:txBody>
       </p:sp>
@@ -19923,7 +20897,14 @@
                 <a:latin typeface="HG丸ｺﾞｼｯｸM-PRO" panose="020F0600000000000000" pitchFamily="50" charset="-128"/>
                 <a:ea typeface="HG丸ｺﾞｼｯｸM-PRO" panose="020F0600000000000000" pitchFamily="50" charset="-128"/>
               </a:rPr>
-              <a:t>をインストール</a:t>
+              <a:t>をインストール </a:t>
+            </a:r>
+            <a:r>
+              <a:rPr lang="en-US" altLang="ja-JP" dirty="0">
+                <a:latin typeface="HG丸ｺﾞｼｯｸM-PRO" panose="020F0600000000000000" pitchFamily="50" charset="-128"/>
+                <a:ea typeface="HG丸ｺﾞｼｯｸM-PRO" panose="020F0600000000000000" pitchFamily="50" charset="-128"/>
+              </a:rPr>
+              <a:t>1/5</a:t>
             </a:r>
             <a:endParaRPr dirty="0">
               <a:latin typeface="HG丸ｺﾞｼｯｸM-PRO" panose="020F0600000000000000" pitchFamily="50" charset="-128"/>
@@ -20025,11 +21006,69 @@
                 <a:latin typeface="メイリオ" panose="020B0604030504040204" pitchFamily="50" charset="-128"/>
                 <a:ea typeface="メイリオ" panose="020B0604030504040204" pitchFamily="50" charset="-128"/>
               </a:rPr>
-              <a:t>のインストール</a:t>
-            </a:r>
-            <a:endParaRPr lang="en-US" altLang="ja-JP" sz="1800" dirty="0">
-              <a:latin typeface="游ゴシック" panose="020B0400000000000000" pitchFamily="50" charset="-128"/>
-              <a:ea typeface="游ゴシック" panose="020B0400000000000000" pitchFamily="50" charset="-128"/>
+              <a:t> </a:t>
+            </a:r>
+            <a:r>
+              <a:rPr lang="en-US" altLang="ja-JP" sz="2000" b="1" dirty="0">
+                <a:latin typeface="メイリオ" panose="020B0604030504040204" pitchFamily="50" charset="-128"/>
+                <a:ea typeface="メイリオ" panose="020B0604030504040204" pitchFamily="50" charset="-128"/>
+              </a:rPr>
+              <a:t>for</a:t>
+            </a:r>
+            <a:r>
+              <a:rPr lang="ja-JP" altLang="en-US" sz="2000" b="1" dirty="0">
+                <a:latin typeface="メイリオ" panose="020B0604030504040204" pitchFamily="50" charset="-128"/>
+                <a:ea typeface="メイリオ" panose="020B0604030504040204" pitchFamily="50" charset="-128"/>
+              </a:rPr>
+              <a:t> </a:t>
+            </a:r>
+            <a:r>
+              <a:rPr lang="en-US" altLang="ja-JP" sz="2000" b="1" dirty="0">
+                <a:latin typeface="メイリオ" panose="020B0604030504040204" pitchFamily="50" charset="-128"/>
+                <a:ea typeface="メイリオ" panose="020B0604030504040204" pitchFamily="50" charset="-128"/>
+              </a:rPr>
+              <a:t>Windows</a:t>
+            </a:r>
+            <a:r>
+              <a:rPr lang="ja-JP" altLang="en-US" sz="2000" b="1" dirty="0">
+                <a:latin typeface="メイリオ" panose="020B0604030504040204" pitchFamily="50" charset="-128"/>
+                <a:ea typeface="メイリオ" panose="020B0604030504040204" pitchFamily="50" charset="-128"/>
+              </a:rPr>
+              <a:t>のインストール方法</a:t>
+            </a:r>
+            <a:endParaRPr lang="en-US" altLang="ja-JP" sz="2000" b="1" dirty="0">
+              <a:latin typeface="メイリオ" panose="020B0604030504040204" pitchFamily="50" charset="-128"/>
+              <a:ea typeface="メイリオ" panose="020B0604030504040204" pitchFamily="50" charset="-128"/>
+            </a:endParaRPr>
+          </a:p>
+          <a:p>
+            <a:pPr marL="0" indent="0">
+              <a:buNone/>
+            </a:pPr>
+            <a:r>
+              <a:rPr lang="ja-JP" altLang="en-US" sz="2000" b="1" dirty="0">
+                <a:latin typeface="メイリオ" panose="020B0604030504040204" pitchFamily="50" charset="-128"/>
+                <a:ea typeface="メイリオ" panose="020B0604030504040204" pitchFamily="50" charset="-128"/>
+              </a:rPr>
+              <a:t>１．</a:t>
+            </a:r>
+            <a:r>
+              <a:rPr lang="en-US" altLang="ja-JP" sz="2000" b="1" dirty="0">
+                <a:latin typeface="メイリオ" panose="020B0604030504040204" pitchFamily="50" charset="-128"/>
+                <a:ea typeface="メイリオ" panose="020B0604030504040204" pitchFamily="50" charset="-128"/>
+              </a:rPr>
+              <a:t>Hyper-V</a:t>
+            </a:r>
+            <a:r>
+              <a:rPr lang="ja-JP" altLang="en-US" sz="2000" b="1" dirty="0">
+                <a:latin typeface="メイリオ" panose="020B0604030504040204" pitchFamily="50" charset="-128"/>
+                <a:ea typeface="メイリオ" panose="020B0604030504040204" pitchFamily="50" charset="-128"/>
+              </a:rPr>
+              <a:t>の有効化</a:t>
+            </a:r>
+            <a:endParaRPr lang="en-US" altLang="ja-JP" sz="2000" b="1" dirty="0">
+              <a:latin typeface="メイリオ" panose="020B0604030504040204" pitchFamily="50" charset="-128"/>
+              <a:ea typeface="メイリオ" panose="020B0604030504040204" pitchFamily="50" charset="-128"/>
             </a:endParaRPr>
           </a:p>
           <a:p>
@@ -20046,6 +21085,449 @@
           </a:p>
         </p:txBody>
       </p:sp>
+      <p:sp>
+        <p:nvSpPr>
+          <p:cNvPr id="2" name="テキスト ボックス 1">
+            <a:extLst>
+              <a:ext uri="{FF2B5EF4-FFF2-40B4-BE49-F238E27FC236}">
+                <a16:creationId xmlns:a16="http://schemas.microsoft.com/office/drawing/2014/main" id="{1B2F346D-F92B-41F3-9003-16FC80E52A47}"/>
+              </a:ext>
+            </a:extLst>
+          </p:cNvPr>
+          <p:cNvSpPr txBox="1"/>
+          <p:nvPr/>
+        </p:nvSpPr>
+        <p:spPr>
+          <a:xfrm>
+            <a:off x="296525" y="1680981"/>
+            <a:ext cx="11608430" cy="1169551"/>
+          </a:xfrm>
+          <a:prstGeom prst="rect">
+            <a:avLst/>
+          </a:prstGeom>
+          <a:noFill/>
+        </p:spPr>
+        <p:txBody>
+          <a:bodyPr wrap="square" rtlCol="0">
+            <a:spAutoFit/>
+          </a:bodyPr>
+          <a:lstStyle/>
+          <a:p>
+            <a:r>
+              <a:rPr kumimoji="1" lang="en-US" altLang="ja-JP" dirty="0">
+                <a:latin typeface="メイリオ" panose="020B0604030504040204" pitchFamily="50" charset="-128"/>
+                <a:ea typeface="メイリオ" panose="020B0604030504040204" pitchFamily="50" charset="-128"/>
+              </a:rPr>
+              <a:t>Docker for Windows</a:t>
+            </a:r>
+            <a:r>
+              <a:rPr kumimoji="1" lang="ja-JP" altLang="en-US" dirty="0">
+                <a:latin typeface="メイリオ" panose="020B0604030504040204" pitchFamily="50" charset="-128"/>
+                <a:ea typeface="メイリオ" panose="020B0604030504040204" pitchFamily="50" charset="-128"/>
+              </a:rPr>
+              <a:t>は</a:t>
+            </a:r>
+            <a:r>
+              <a:rPr kumimoji="1" lang="en-US" altLang="ja-JP" dirty="0">
+                <a:latin typeface="メイリオ" panose="020B0604030504040204" pitchFamily="50" charset="-128"/>
+                <a:ea typeface="メイリオ" panose="020B0604030504040204" pitchFamily="50" charset="-128"/>
+              </a:rPr>
+              <a:t>Hyper-V</a:t>
+            </a:r>
+            <a:r>
+              <a:rPr kumimoji="1" lang="ja-JP" altLang="en-US" dirty="0">
+                <a:latin typeface="メイリオ" panose="020B0604030504040204" pitchFamily="50" charset="-128"/>
+                <a:ea typeface="メイリオ" panose="020B0604030504040204" pitchFamily="50" charset="-128"/>
+              </a:rPr>
+              <a:t>を利用します。無効となっている場合は有効にします。</a:t>
+            </a:r>
+            <a:br>
+              <a:rPr kumimoji="1" lang="ja-JP" altLang="en-US" dirty="0">
+                <a:latin typeface="メイリオ" panose="020B0604030504040204" pitchFamily="50" charset="-128"/>
+                <a:ea typeface="メイリオ" panose="020B0604030504040204" pitchFamily="50" charset="-128"/>
+              </a:rPr>
+            </a:br>
+            <a:r>
+              <a:rPr kumimoji="1" lang="ja-JP" altLang="en-US" dirty="0">
+                <a:latin typeface="メイリオ" panose="020B0604030504040204" pitchFamily="50" charset="-128"/>
+                <a:ea typeface="メイリオ" panose="020B0604030504040204" pitchFamily="50" charset="-128"/>
+              </a:rPr>
+              <a:t>コントロールパネルの</a:t>
+            </a:r>
+            <a:r>
+              <a:rPr kumimoji="1" lang="en-US" altLang="ja-JP" dirty="0">
+                <a:latin typeface="メイリオ" panose="020B0604030504040204" pitchFamily="50" charset="-128"/>
+                <a:ea typeface="メイリオ" panose="020B0604030504040204" pitchFamily="50" charset="-128"/>
+              </a:rPr>
+              <a:t>[</a:t>
+            </a:r>
+            <a:r>
+              <a:rPr kumimoji="1" lang="ja-JP" altLang="en-US" dirty="0">
+                <a:latin typeface="メイリオ" panose="020B0604030504040204" pitchFamily="50" charset="-128"/>
+                <a:ea typeface="メイリオ" panose="020B0604030504040204" pitchFamily="50" charset="-128"/>
+              </a:rPr>
+              <a:t>プログラム</a:t>
+            </a:r>
+            <a:r>
+              <a:rPr kumimoji="1" lang="en-US" altLang="ja-JP" dirty="0">
+                <a:latin typeface="メイリオ" panose="020B0604030504040204" pitchFamily="50" charset="-128"/>
+                <a:ea typeface="メイリオ" panose="020B0604030504040204" pitchFamily="50" charset="-128"/>
+              </a:rPr>
+              <a:t>]-[Windows</a:t>
+            </a:r>
+            <a:r>
+              <a:rPr kumimoji="1" lang="ja-JP" altLang="en-US" dirty="0">
+                <a:latin typeface="メイリオ" panose="020B0604030504040204" pitchFamily="50" charset="-128"/>
+                <a:ea typeface="メイリオ" panose="020B0604030504040204" pitchFamily="50" charset="-128"/>
+              </a:rPr>
+              <a:t>の機能の有効化または無効化</a:t>
+            </a:r>
+            <a:r>
+              <a:rPr kumimoji="1" lang="en-US" altLang="ja-JP" dirty="0">
+                <a:latin typeface="メイリオ" panose="020B0604030504040204" pitchFamily="50" charset="-128"/>
+                <a:ea typeface="メイリオ" panose="020B0604030504040204" pitchFamily="50" charset="-128"/>
+              </a:rPr>
+              <a:t>]</a:t>
+            </a:r>
+            <a:r>
+              <a:rPr kumimoji="1" lang="ja-JP" altLang="en-US" dirty="0">
+                <a:latin typeface="メイリオ" panose="020B0604030504040204" pitchFamily="50" charset="-128"/>
+                <a:ea typeface="メイリオ" panose="020B0604030504040204" pitchFamily="50" charset="-128"/>
+              </a:rPr>
+              <a:t>から「</a:t>
+            </a:r>
+            <a:r>
+              <a:rPr kumimoji="1" lang="en-US" altLang="ja-JP" dirty="0">
+                <a:latin typeface="メイリオ" panose="020B0604030504040204" pitchFamily="50" charset="-128"/>
+                <a:ea typeface="メイリオ" panose="020B0604030504040204" pitchFamily="50" charset="-128"/>
+              </a:rPr>
+              <a:t>Hyper-V</a:t>
+            </a:r>
+            <a:r>
+              <a:rPr kumimoji="1" lang="ja-JP" altLang="en-US" dirty="0">
+                <a:latin typeface="メイリオ" panose="020B0604030504040204" pitchFamily="50" charset="-128"/>
+                <a:ea typeface="メイリオ" panose="020B0604030504040204" pitchFamily="50" charset="-128"/>
+              </a:rPr>
+              <a:t>」にチェックを付けます。</a:t>
+            </a:r>
+            <a:br>
+              <a:rPr kumimoji="1" lang="ja-JP" altLang="en-US" dirty="0">
+                <a:latin typeface="メイリオ" panose="020B0604030504040204" pitchFamily="50" charset="-128"/>
+                <a:ea typeface="メイリオ" panose="020B0604030504040204" pitchFamily="50" charset="-128"/>
+              </a:rPr>
+            </a:br>
+            <a:r>
+              <a:rPr kumimoji="1" lang="en-US" altLang="ja-JP" dirty="0">
+                <a:latin typeface="メイリオ" panose="020B0604030504040204" pitchFamily="50" charset="-128"/>
+                <a:ea typeface="メイリオ" panose="020B0604030504040204" pitchFamily="50" charset="-128"/>
+              </a:rPr>
+              <a:t>※</a:t>
+            </a:r>
+            <a:r>
+              <a:rPr kumimoji="1" lang="ja-JP" altLang="en-US" dirty="0">
+                <a:latin typeface="メイリオ" panose="020B0604030504040204" pitchFamily="50" charset="-128"/>
+                <a:ea typeface="メイリオ" panose="020B0604030504040204" pitchFamily="50" charset="-128"/>
+              </a:rPr>
+              <a:t>有効化するには</a:t>
+            </a:r>
+            <a:r>
+              <a:rPr kumimoji="1" lang="en-US" altLang="ja-JP" dirty="0">
+                <a:latin typeface="メイリオ" panose="020B0604030504040204" pitchFamily="50" charset="-128"/>
+                <a:ea typeface="メイリオ" panose="020B0604030504040204" pitchFamily="50" charset="-128"/>
+              </a:rPr>
+              <a:t>OS</a:t>
+            </a:r>
+            <a:r>
+              <a:rPr kumimoji="1" lang="ja-JP" altLang="en-US" dirty="0">
+                <a:latin typeface="メイリオ" panose="020B0604030504040204" pitchFamily="50" charset="-128"/>
+                <a:ea typeface="メイリオ" panose="020B0604030504040204" pitchFamily="50" charset="-128"/>
+              </a:rPr>
+              <a:t>の再起動が必要です。仮想化が有効になっているかは</a:t>
+            </a:r>
+            <a:r>
+              <a:rPr kumimoji="1" lang="en-US" altLang="ja-JP" dirty="0">
+                <a:latin typeface="メイリオ" panose="020B0604030504040204" pitchFamily="50" charset="-128"/>
+                <a:ea typeface="メイリオ" panose="020B0604030504040204" pitchFamily="50" charset="-128"/>
+              </a:rPr>
+              <a:t>Windows</a:t>
+            </a:r>
+            <a:r>
+              <a:rPr kumimoji="1" lang="ja-JP" altLang="en-US" dirty="0">
+                <a:latin typeface="メイリオ" panose="020B0604030504040204" pitchFamily="50" charset="-128"/>
+                <a:ea typeface="メイリオ" panose="020B0604030504040204" pitchFamily="50" charset="-128"/>
+              </a:rPr>
+              <a:t>の「タスクマネージャ」で「パフォーマンス」</a:t>
+            </a:r>
+            <a:endParaRPr kumimoji="1" lang="en-US" altLang="ja-JP" dirty="0">
+              <a:latin typeface="メイリオ" panose="020B0604030504040204" pitchFamily="50" charset="-128"/>
+              <a:ea typeface="メイリオ" panose="020B0604030504040204" pitchFamily="50" charset="-128"/>
+            </a:endParaRPr>
+          </a:p>
+          <a:p>
+            <a:r>
+              <a:rPr kumimoji="1" lang="ja-JP" altLang="en-US" dirty="0">
+                <a:latin typeface="メイリオ" panose="020B0604030504040204" pitchFamily="50" charset="-128"/>
+                <a:ea typeface="メイリオ" panose="020B0604030504040204" pitchFamily="50" charset="-128"/>
+              </a:rPr>
+              <a:t>のタブを開き、仮想化が有効になっているかを確認します。無効の場合は、マシンの</a:t>
+            </a:r>
+            <a:r>
+              <a:rPr kumimoji="1" lang="en-US" altLang="ja-JP" dirty="0">
+                <a:latin typeface="メイリオ" panose="020B0604030504040204" pitchFamily="50" charset="-128"/>
+                <a:ea typeface="メイリオ" panose="020B0604030504040204" pitchFamily="50" charset="-128"/>
+              </a:rPr>
+              <a:t>BIOS(UEFI)</a:t>
+            </a:r>
+            <a:r>
+              <a:rPr kumimoji="1" lang="ja-JP" altLang="en-US" dirty="0">
+                <a:latin typeface="メイリオ" panose="020B0604030504040204" pitchFamily="50" charset="-128"/>
+                <a:ea typeface="メイリオ" panose="020B0604030504040204" pitchFamily="50" charset="-128"/>
+              </a:rPr>
+              <a:t>の設定で仮想化を有効にします。</a:t>
+            </a:r>
+          </a:p>
+          <a:p>
+            <a:endParaRPr kumimoji="1" lang="ja-JP" altLang="en-US" dirty="0"/>
+          </a:p>
+        </p:txBody>
+      </p:sp>
+      <p:pic>
+        <p:nvPicPr>
+          <p:cNvPr id="3" name="図 2">
+            <a:extLst>
+              <a:ext uri="{FF2B5EF4-FFF2-40B4-BE49-F238E27FC236}">
+                <a16:creationId xmlns:a16="http://schemas.microsoft.com/office/drawing/2014/main" id="{F2FA0AF1-E4D0-46A4-89BB-161AB6954C2D}"/>
+              </a:ext>
+            </a:extLst>
+          </p:cNvPr>
+          <p:cNvPicPr>
+            <a:picLocks noChangeAspect="1"/>
+          </p:cNvPicPr>
+          <p:nvPr/>
+        </p:nvPicPr>
+        <p:blipFill>
+          <a:blip r:embed="rId3"/>
+          <a:stretch>
+            <a:fillRect/>
+          </a:stretch>
+        </p:blipFill>
+        <p:spPr>
+          <a:xfrm>
+            <a:off x="370510" y="2741839"/>
+            <a:ext cx="3955604" cy="3450430"/>
+          </a:xfrm>
+          <a:prstGeom prst="rect">
+            <a:avLst/>
+          </a:prstGeom>
+        </p:spPr>
+      </p:pic>
+      <p:grpSp>
+        <p:nvGrpSpPr>
+          <p:cNvPr id="9" name="グループ化 8">
+            <a:extLst>
+              <a:ext uri="{FF2B5EF4-FFF2-40B4-BE49-F238E27FC236}">
+                <a16:creationId xmlns:a16="http://schemas.microsoft.com/office/drawing/2014/main" id="{C239DED4-4B04-4430-B884-77D068AB45C6}"/>
+              </a:ext>
+            </a:extLst>
+          </p:cNvPr>
+          <p:cNvGrpSpPr/>
+          <p:nvPr/>
+        </p:nvGrpSpPr>
+        <p:grpSpPr>
+          <a:xfrm>
+            <a:off x="4467873" y="2850532"/>
+            <a:ext cx="5133132" cy="3374393"/>
+            <a:chOff x="5400933" y="2592280"/>
+            <a:chExt cx="5509347" cy="3530721"/>
+          </a:xfrm>
+        </p:grpSpPr>
+        <p:pic>
+          <p:nvPicPr>
+            <p:cNvPr id="4" name="図 3">
+              <a:extLst>
+                <a:ext uri="{FF2B5EF4-FFF2-40B4-BE49-F238E27FC236}">
+                  <a16:creationId xmlns:a16="http://schemas.microsoft.com/office/drawing/2014/main" id="{BE754BFF-56C3-4E38-B073-E66DCB69E309}"/>
+                </a:ext>
+              </a:extLst>
+            </p:cNvPr>
+            <p:cNvPicPr>
+              <a:picLocks noChangeAspect="1"/>
+            </p:cNvPicPr>
+            <p:nvPr/>
+          </p:nvPicPr>
+          <p:blipFill>
+            <a:blip r:embed="rId4"/>
+            <a:stretch>
+              <a:fillRect/>
+            </a:stretch>
+          </p:blipFill>
+          <p:spPr>
+            <a:xfrm>
+              <a:off x="5400933" y="2592280"/>
+              <a:ext cx="5509347" cy="3530721"/>
+            </a:xfrm>
+            <a:prstGeom prst="rect">
+              <a:avLst/>
+            </a:prstGeom>
+          </p:spPr>
+        </p:pic>
+        <p:pic>
+          <p:nvPicPr>
+            <p:cNvPr id="7" name="図 6">
+              <a:extLst>
+                <a:ext uri="{FF2B5EF4-FFF2-40B4-BE49-F238E27FC236}">
+                  <a16:creationId xmlns:a16="http://schemas.microsoft.com/office/drawing/2014/main" id="{E939C2B5-1924-41E8-8D3A-95CA01B7A142}"/>
+                </a:ext>
+              </a:extLst>
+            </p:cNvPr>
+            <p:cNvPicPr>
+              <a:picLocks noChangeAspect="1"/>
+            </p:cNvPicPr>
+            <p:nvPr/>
+          </p:nvPicPr>
+          <p:blipFill>
+            <a:blip r:embed="rId5"/>
+            <a:stretch>
+              <a:fillRect/>
+            </a:stretch>
+          </p:blipFill>
+          <p:spPr>
+            <a:xfrm>
+              <a:off x="8884347" y="4300765"/>
+              <a:ext cx="1638529" cy="285790"/>
+            </a:xfrm>
+            <a:prstGeom prst="rect">
+              <a:avLst/>
+            </a:prstGeom>
+            <a:solidFill>
+              <a:srgbClr val="FFFFFF">
+                <a:shade val="85000"/>
+              </a:srgbClr>
+            </a:solidFill>
+            <a:ln w="12700" cap="sq">
+              <a:solidFill>
+                <a:srgbClr val="FF0000"/>
+              </a:solidFill>
+              <a:miter lim="800000"/>
+            </a:ln>
+            <a:effectLst>
+              <a:outerShdw blurRad="55000" dist="18000" dir="5400000" algn="tl" rotWithShape="0">
+                <a:srgbClr val="000000">
+                  <a:alpha val="40000"/>
+                </a:srgbClr>
+              </a:outerShdw>
+            </a:effectLst>
+            <a:scene3d>
+              <a:camera prst="orthographicFront"/>
+              <a:lightRig rig="twoPt" dir="t">
+                <a:rot lat="0" lon="0" rev="7200000"/>
+              </a:lightRig>
+            </a:scene3d>
+            <a:sp3d>
+              <a:bevelT w="25400" h="19050"/>
+              <a:contourClr>
+                <a:srgbClr val="FFFFFF"/>
+              </a:contourClr>
+            </a:sp3d>
+          </p:spPr>
+        </p:pic>
+        <p:sp>
+          <p:nvSpPr>
+            <p:cNvPr id="10" name="正方形/長方形 9">
+              <a:extLst>
+                <a:ext uri="{FF2B5EF4-FFF2-40B4-BE49-F238E27FC236}">
+                  <a16:creationId xmlns:a16="http://schemas.microsoft.com/office/drawing/2014/main" id="{56A7697B-6D9F-48D5-B3D4-C2C72D22A86C}"/>
+                </a:ext>
+              </a:extLst>
+            </p:cNvPr>
+            <p:cNvSpPr/>
+            <p:nvPr/>
+          </p:nvSpPr>
+          <p:spPr>
+            <a:xfrm>
+              <a:off x="8029336" y="5225142"/>
+              <a:ext cx="855011" cy="166547"/>
+            </a:xfrm>
+            <a:prstGeom prst="rect">
+              <a:avLst/>
+            </a:prstGeom>
+            <a:noFill/>
+            <a:ln>
+              <a:solidFill>
+                <a:srgbClr val="FF0000"/>
+              </a:solidFill>
+            </a:ln>
+          </p:spPr>
+          <p:style>
+            <a:lnRef idx="2">
+              <a:schemeClr val="accent1">
+                <a:shade val="50000"/>
+              </a:schemeClr>
+            </a:lnRef>
+            <a:fillRef idx="1">
+              <a:schemeClr val="accent1"/>
+            </a:fillRef>
+            <a:effectRef idx="0">
+              <a:schemeClr val="accent1"/>
+            </a:effectRef>
+            <a:fontRef idx="minor">
+              <a:schemeClr val="lt1"/>
+            </a:fontRef>
+          </p:style>
+          <p:txBody>
+            <a:bodyPr rtlCol="0" anchor="ctr"/>
+            <a:lstStyle/>
+            <a:p>
+              <a:pPr algn="ctr"/>
+              <a:endParaRPr kumimoji="1" lang="ja-JP" altLang="en-US"/>
+            </a:p>
+          </p:txBody>
+        </p:sp>
+        <p:sp>
+          <p:nvSpPr>
+            <p:cNvPr id="8" name="矢印: 右 7">
+              <a:extLst>
+                <a:ext uri="{FF2B5EF4-FFF2-40B4-BE49-F238E27FC236}">
+                  <a16:creationId xmlns:a16="http://schemas.microsoft.com/office/drawing/2014/main" id="{FE26DEC6-EADC-4000-92A5-31BF01312D8B}"/>
+                </a:ext>
+              </a:extLst>
+            </p:cNvPr>
+            <p:cNvSpPr/>
+            <p:nvPr/>
+          </p:nvSpPr>
+          <p:spPr>
+            <a:xfrm rot="19098697">
+              <a:off x="8879419" y="4795628"/>
+              <a:ext cx="608800" cy="216980"/>
+            </a:xfrm>
+            <a:prstGeom prst="rightArrow">
+              <a:avLst/>
+            </a:prstGeom>
+          </p:spPr>
+          <p:style>
+            <a:lnRef idx="1">
+              <a:schemeClr val="accent4"/>
+            </a:lnRef>
+            <a:fillRef idx="3">
+              <a:schemeClr val="accent4"/>
+            </a:fillRef>
+            <a:effectRef idx="2">
+              <a:schemeClr val="accent4"/>
+            </a:effectRef>
+            <a:fontRef idx="minor">
+              <a:schemeClr val="lt1"/>
+            </a:fontRef>
+          </p:style>
+          <p:txBody>
+            <a:bodyPr rtlCol="0" anchor="ctr"/>
+            <a:lstStyle/>
+            <a:p>
+              <a:pPr algn="ctr"/>
+              <a:endParaRPr kumimoji="1" lang="ja-JP" altLang="en-US"/>
+            </a:p>
+          </p:txBody>
+        </p:sp>
+      </p:grpSp>
     </p:spTree>
     <p:extLst>
       <p:ext uri="{BB962C8B-B14F-4D97-AF65-F5344CB8AC3E}">
@@ -20094,6 +21576,10 @@
           <a:prstGeom prst="rect">
             <a:avLst/>
           </a:prstGeom>
+          <a:noFill/>
+          <a:ln>
+            <a:noFill/>
+          </a:ln>
         </p:spPr>
         <p:txBody>
           <a:bodyPr spcFirstLastPara="1" wrap="square" lIns="91425" tIns="45700" rIns="91425" bIns="45700" anchor="ctr" anchorCtr="0">
@@ -20101,28 +21587,26 @@
           </a:bodyPr>
           <a:lstStyle/>
           <a:p>
-            <a:pPr marL="0" lvl="0" indent="0" algn="l" rtl="0">
-              <a:spcBef>
-                <a:spcPts val="0"/>
-              </a:spcBef>
-              <a:spcAft>
-                <a:spcPts val="0"/>
-              </a:spcAft>
-              <a:buNone/>
-            </a:pPr>
-            <a:r>
-              <a:rPr lang="en-US" dirty="0" err="1">
+            <a:r>
+              <a:rPr lang="en-US" dirty="0">
                 <a:latin typeface="HG丸ｺﾞｼｯｸM-PRO" panose="020F0600000000000000" pitchFamily="50" charset="-128"/>
                 <a:ea typeface="HG丸ｺﾞｼｯｸM-PRO" panose="020F0600000000000000" pitchFamily="50" charset="-128"/>
               </a:rPr>
-              <a:t>Dockerfile</a:t>
+              <a:t>Docker</a:t>
             </a:r>
             <a:r>
               <a:rPr lang="ja-JP" altLang="en-US" dirty="0">
                 <a:latin typeface="HG丸ｺﾞｼｯｸM-PRO" panose="020F0600000000000000" pitchFamily="50" charset="-128"/>
                 <a:ea typeface="HG丸ｺﾞｼｯｸM-PRO" panose="020F0600000000000000" pitchFamily="50" charset="-128"/>
               </a:rPr>
-              <a:t>の作成</a:t>
+              <a:t>をインストール </a:t>
+            </a:r>
+            <a:r>
+              <a:rPr lang="en-US" altLang="ja-JP" dirty="0">
+                <a:latin typeface="HG丸ｺﾞｼｯｸM-PRO" panose="020F0600000000000000" pitchFamily="50" charset="-128"/>
+                <a:ea typeface="HG丸ｺﾞｼｯｸM-PRO" panose="020F0600000000000000" pitchFamily="50" charset="-128"/>
+              </a:rPr>
+              <a:t>2/5</a:t>
             </a:r>
             <a:endParaRPr dirty="0">
               <a:latin typeface="HG丸ｺﾞｼｯｸM-PRO" panose="020F0600000000000000" pitchFamily="50" charset="-128"/>
@@ -20183,7 +21667,7 @@
           <p:cNvPr id="5" name="Google Shape;97;p16">
             <a:extLst>
               <a:ext uri="{FF2B5EF4-FFF2-40B4-BE49-F238E27FC236}">
-                <a16:creationId xmlns:a16="http://schemas.microsoft.com/office/drawing/2014/main" id="{25630093-D6DA-477C-88D1-7BF69A1446BF}"/>
+                <a16:creationId xmlns:a16="http://schemas.microsoft.com/office/drawing/2014/main" id="{D3E965BD-DA8F-4E47-96B5-CFF9B4CF815A}"/>
               </a:ext>
             </a:extLst>
           </p:cNvPr>
@@ -20209,279 +21693,36 @@
           </a:bodyPr>
           <a:lstStyle/>
           <a:p>
-            <a:pPr marL="0" lvl="0" indent="0">
+            <a:pPr marL="0" indent="0">
               <a:buNone/>
             </a:pPr>
-            <a:r>
-              <a:rPr lang="en-US" altLang="ja-JP" sz="2000" b="1" dirty="0" err="1">
-                <a:latin typeface="メイリオ" panose="020B0604030504040204" pitchFamily="50" charset="-128"/>
-                <a:ea typeface="メイリオ" panose="020B0604030504040204" pitchFamily="50" charset="-128"/>
-              </a:rPr>
-              <a:t>Dockerfile</a:t>
-            </a:r>
             <a:r>
               <a:rPr lang="ja-JP" altLang="en-US" sz="2000" b="1" dirty="0">
                 <a:latin typeface="メイリオ" panose="020B0604030504040204" pitchFamily="50" charset="-128"/>
                 <a:ea typeface="メイリオ" panose="020B0604030504040204" pitchFamily="50" charset="-128"/>
               </a:rPr>
-              <a:t>でコンテナの定義</a:t>
+              <a:t>２．</a:t>
             </a:r>
             <a:r>
               <a:rPr lang="en-US" altLang="ja-JP" sz="2000" b="1" dirty="0">
                 <a:latin typeface="メイリオ" panose="020B0604030504040204" pitchFamily="50" charset="-128"/>
                 <a:ea typeface="メイリオ" panose="020B0604030504040204" pitchFamily="50" charset="-128"/>
               </a:rPr>
-              <a:t> </a:t>
-            </a:r>
-          </a:p>
-          <a:p>
-            <a:pPr marL="0" lvl="0" indent="0">
-              <a:buNone/>
-            </a:pPr>
-            <a:r>
-              <a:rPr lang="en-US" altLang="ja-JP" sz="1800" dirty="0" err="1">
-                <a:latin typeface="游ゴシック" panose="020B0400000000000000" pitchFamily="50" charset="-128"/>
-                <a:ea typeface="游ゴシック" panose="020B0400000000000000" pitchFamily="50" charset="-128"/>
-              </a:rPr>
-              <a:t>Dockerfile</a:t>
-            </a:r>
-            <a:r>
-              <a:rPr lang="en-US" altLang="ja-JP" sz="1800" dirty="0">
-                <a:latin typeface="游ゴシック" panose="020B0400000000000000" pitchFamily="50" charset="-128"/>
-                <a:ea typeface="游ゴシック" panose="020B0400000000000000" pitchFamily="50" charset="-128"/>
-              </a:rPr>
-              <a:t> </a:t>
-            </a:r>
-            <a:r>
-              <a:rPr lang="ja-JP" altLang="en-US" sz="1800" dirty="0">
-                <a:latin typeface="游ゴシック" panose="020B0400000000000000" pitchFamily="50" charset="-128"/>
-                <a:ea typeface="游ゴシック" panose="020B0400000000000000" pitchFamily="50" charset="-128"/>
-              </a:rPr>
-              <a:t>では、コンテナ内の環境で何をするかを定義します。</a:t>
-            </a:r>
-            <a:endParaRPr lang="en-US" altLang="ja-JP" dirty="0"/>
-          </a:p>
-          <a:p>
-            <a:pPr marL="0" indent="0">
-              <a:buNone/>
-            </a:pPr>
-            <a:endParaRPr lang="en-US" sz="2000" b="1" dirty="0">
+              <a:t>Docker for Windows</a:t>
+            </a:r>
+            <a:r>
+              <a:rPr lang="ja-JP" altLang="en-US" sz="2000" b="1" dirty="0">
+                <a:latin typeface="メイリオ" panose="020B0604030504040204" pitchFamily="50" charset="-128"/>
+                <a:ea typeface="メイリオ" panose="020B0604030504040204" pitchFamily="50" charset="-128"/>
+              </a:rPr>
+              <a:t>のインストール</a:t>
+            </a:r>
+            <a:endParaRPr lang="en-US" altLang="ja-JP" sz="2000" b="1" dirty="0">
               <a:latin typeface="メイリオ" panose="020B0604030504040204" pitchFamily="50" charset="-128"/>
               <a:ea typeface="メイリオ" panose="020B0604030504040204" pitchFamily="50" charset="-128"/>
             </a:endParaRPr>
           </a:p>
           <a:p>
-            <a:pPr marL="0" indent="0">
-              <a:buNone/>
-            </a:pPr>
-            <a:r>
-              <a:rPr lang="ja-JP" altLang="en-US" sz="2000" b="1" dirty="0">
-                <a:latin typeface="メイリオ" panose="020B0604030504040204" pitchFamily="50" charset="-128"/>
-                <a:ea typeface="メイリオ" panose="020B0604030504040204" pitchFamily="50" charset="-128"/>
-              </a:rPr>
-              <a:t>アプリの構築</a:t>
-            </a:r>
-            <a:endParaRPr lang="en-US" sz="2000" b="1" dirty="0">
-              <a:latin typeface="メイリオ" panose="020B0604030504040204" pitchFamily="50" charset="-128"/>
-              <a:ea typeface="メイリオ" panose="020B0604030504040204" pitchFamily="50" charset="-128"/>
-            </a:endParaRPr>
-          </a:p>
-          <a:p>
-            <a:pPr marL="0" indent="0">
-              <a:buNone/>
-            </a:pPr>
-            <a:r>
-              <a:rPr lang="en-US" altLang="ja-JP" sz="1800" dirty="0" err="1">
-                <a:latin typeface="游ゴシック" panose="020B0400000000000000" pitchFamily="50" charset="-128"/>
-                <a:ea typeface="游ゴシック" panose="020B0400000000000000" pitchFamily="50" charset="-128"/>
-              </a:rPr>
-              <a:t>Dockerfile</a:t>
-            </a:r>
-            <a:r>
-              <a:rPr lang="ja-JP" altLang="en-US" sz="1800" dirty="0">
-                <a:latin typeface="游ゴシック" panose="020B0400000000000000" pitchFamily="50" charset="-128"/>
-                <a:ea typeface="游ゴシック" panose="020B0400000000000000" pitchFamily="50" charset="-128"/>
-              </a:rPr>
-              <a:t>に加え、さらに</a:t>
-            </a:r>
-            <a:r>
-              <a:rPr lang="en-US" altLang="ja-JP" sz="1800" dirty="0">
-                <a:latin typeface="游ゴシック" panose="020B0400000000000000" pitchFamily="50" charset="-128"/>
-                <a:ea typeface="游ゴシック" panose="020B0400000000000000" pitchFamily="50" charset="-128"/>
-              </a:rPr>
-              <a:t>2</a:t>
-            </a:r>
-            <a:r>
-              <a:rPr lang="ja-JP" altLang="en-US" sz="1800" dirty="0">
-                <a:latin typeface="游ゴシック" panose="020B0400000000000000" pitchFamily="50" charset="-128"/>
-                <a:ea typeface="游ゴシック" panose="020B0400000000000000" pitchFamily="50" charset="-128"/>
-              </a:rPr>
-              <a:t>つのファイルを作成します。</a:t>
-            </a:r>
-            <a:endParaRPr lang="en-US" altLang="ja-JP" sz="1800" dirty="0">
-              <a:latin typeface="游ゴシック" panose="020B0400000000000000" pitchFamily="50" charset="-128"/>
-              <a:ea typeface="游ゴシック" panose="020B0400000000000000" pitchFamily="50" charset="-128"/>
-            </a:endParaRPr>
-          </a:p>
-          <a:p>
-            <a:pPr marL="0" indent="0">
-              <a:buNone/>
-            </a:pPr>
-            <a:r>
-              <a:rPr lang="en-US" altLang="ja-JP" sz="1800" dirty="0">
-                <a:latin typeface="游ゴシック" panose="020B0400000000000000" pitchFamily="50" charset="-128"/>
-                <a:ea typeface="游ゴシック" panose="020B0400000000000000" pitchFamily="50" charset="-128"/>
-              </a:rPr>
-              <a:t>requirements.txt </a:t>
-            </a:r>
-            <a:r>
-              <a:rPr lang="ja-JP" altLang="en-US" sz="1800" dirty="0">
-                <a:latin typeface="游ゴシック" panose="020B0400000000000000" pitchFamily="50" charset="-128"/>
-                <a:ea typeface="游ゴシック" panose="020B0400000000000000" pitchFamily="50" charset="-128"/>
-              </a:rPr>
-              <a:t>と </a:t>
-            </a:r>
-            <a:r>
-              <a:rPr lang="en-US" altLang="ja-JP" sz="1800" dirty="0">
-                <a:latin typeface="游ゴシック" panose="020B0400000000000000" pitchFamily="50" charset="-128"/>
-                <a:ea typeface="游ゴシック" panose="020B0400000000000000" pitchFamily="50" charset="-128"/>
-              </a:rPr>
-              <a:t>app.py </a:t>
-            </a:r>
-            <a:r>
-              <a:rPr lang="ja-JP" altLang="en-US" sz="1800" dirty="0">
-                <a:latin typeface="游ゴシック" panose="020B0400000000000000" pitchFamily="50" charset="-128"/>
-                <a:ea typeface="游ゴシック" panose="020B0400000000000000" pitchFamily="50" charset="-128"/>
-              </a:rPr>
-              <a:t>です。これらを </a:t>
-            </a:r>
-            <a:r>
-              <a:rPr lang="en-US" altLang="ja-JP" sz="1800" dirty="0" err="1">
-                <a:latin typeface="游ゴシック" panose="020B0400000000000000" pitchFamily="50" charset="-128"/>
-                <a:ea typeface="游ゴシック" panose="020B0400000000000000" pitchFamily="50" charset="-128"/>
-              </a:rPr>
-              <a:t>Dockerfile</a:t>
-            </a:r>
-            <a:r>
-              <a:rPr lang="en-US" altLang="ja-JP" sz="1800" dirty="0">
-                <a:latin typeface="游ゴシック" panose="020B0400000000000000" pitchFamily="50" charset="-128"/>
-                <a:ea typeface="游ゴシック" panose="020B0400000000000000" pitchFamily="50" charset="-128"/>
-              </a:rPr>
-              <a:t> </a:t>
-            </a:r>
-            <a:r>
-              <a:rPr lang="ja-JP" altLang="en-US" sz="1800" dirty="0">
-                <a:latin typeface="游ゴシック" panose="020B0400000000000000" pitchFamily="50" charset="-128"/>
-                <a:ea typeface="游ゴシック" panose="020B0400000000000000" pitchFamily="50" charset="-128"/>
-              </a:rPr>
-              <a:t>と同じフォルダに入れます。</a:t>
-            </a:r>
-            <a:endParaRPr lang="en-US" altLang="ja-JP" sz="1800" dirty="0">
-              <a:latin typeface="游ゴシック" panose="020B0400000000000000" pitchFamily="50" charset="-128"/>
-              <a:ea typeface="游ゴシック" panose="020B0400000000000000" pitchFamily="50" charset="-128"/>
-            </a:endParaRPr>
-          </a:p>
-          <a:p>
-            <a:pPr marL="0" indent="0">
-              <a:buNone/>
-            </a:pPr>
-            <a:r>
-              <a:rPr lang="ja-JP" altLang="en-US" sz="1800" dirty="0">
-                <a:latin typeface="游ゴシック" panose="020B0400000000000000" pitchFamily="50" charset="-128"/>
-                <a:ea typeface="游ゴシック" panose="020B0400000000000000" pitchFamily="50" charset="-128"/>
-              </a:rPr>
-              <a:t>アプリは見ての通り、極めて単純になります。 </a:t>
-            </a:r>
-            <a:r>
-              <a:rPr lang="en-US" altLang="ja-JP" sz="1800" dirty="0" err="1">
-                <a:latin typeface="游ゴシック" panose="020B0400000000000000" pitchFamily="50" charset="-128"/>
-                <a:ea typeface="游ゴシック" panose="020B0400000000000000" pitchFamily="50" charset="-128"/>
-              </a:rPr>
-              <a:t>Dockerfile</a:t>
-            </a:r>
-            <a:r>
-              <a:rPr lang="en-US" altLang="ja-JP" sz="1800" dirty="0">
-                <a:latin typeface="游ゴシック" panose="020B0400000000000000" pitchFamily="50" charset="-128"/>
-                <a:ea typeface="游ゴシック" panose="020B0400000000000000" pitchFamily="50" charset="-128"/>
-              </a:rPr>
-              <a:t> </a:t>
-            </a:r>
-            <a:r>
-              <a:rPr lang="ja-JP" altLang="en-US" sz="1800" dirty="0">
-                <a:latin typeface="游ゴシック" panose="020B0400000000000000" pitchFamily="50" charset="-128"/>
-                <a:ea typeface="游ゴシック" panose="020B0400000000000000" pitchFamily="50" charset="-128"/>
-              </a:rPr>
-              <a:t>でイメージの構築時、 </a:t>
-            </a:r>
-            <a:r>
-              <a:rPr lang="en-US" altLang="ja-JP" sz="1800" dirty="0" err="1">
-                <a:latin typeface="游ゴシック" panose="020B0400000000000000" pitchFamily="50" charset="-128"/>
-                <a:ea typeface="游ゴシック" panose="020B0400000000000000" pitchFamily="50" charset="-128"/>
-              </a:rPr>
-              <a:t>Dockerfile</a:t>
-            </a:r>
-            <a:r>
-              <a:rPr lang="en-US" altLang="ja-JP" sz="1800" dirty="0">
-                <a:latin typeface="游ゴシック" panose="020B0400000000000000" pitchFamily="50" charset="-128"/>
-                <a:ea typeface="游ゴシック" panose="020B0400000000000000" pitchFamily="50" charset="-128"/>
-              </a:rPr>
-              <a:t> </a:t>
-            </a:r>
-            <a:r>
-              <a:rPr lang="ja-JP" altLang="en-US" sz="1800" dirty="0">
-                <a:latin typeface="游ゴシック" panose="020B0400000000000000" pitchFamily="50" charset="-128"/>
-                <a:ea typeface="游ゴシック" panose="020B0400000000000000" pitchFamily="50" charset="-128"/>
-              </a:rPr>
-              <a:t>の </a:t>
-            </a:r>
-            <a:r>
-              <a:rPr lang="en-US" altLang="ja-JP" sz="1800" dirty="0">
-                <a:latin typeface="游ゴシック" panose="020B0400000000000000" pitchFamily="50" charset="-128"/>
-                <a:ea typeface="游ゴシック" panose="020B0400000000000000" pitchFamily="50" charset="-128"/>
-              </a:rPr>
-              <a:t>ADD </a:t>
-            </a:r>
-            <a:r>
-              <a:rPr lang="ja-JP" altLang="en-US" sz="1800" dirty="0">
-                <a:latin typeface="游ゴシック" panose="020B0400000000000000" pitchFamily="50" charset="-128"/>
-                <a:ea typeface="游ゴシック" panose="020B0400000000000000" pitchFamily="50" charset="-128"/>
-              </a:rPr>
-              <a:t>命令で </a:t>
-            </a:r>
-            <a:r>
-              <a:rPr lang="en-US" altLang="ja-JP" sz="1800" dirty="0">
-                <a:latin typeface="游ゴシック" panose="020B0400000000000000" pitchFamily="50" charset="-128"/>
-                <a:ea typeface="游ゴシック" panose="020B0400000000000000" pitchFamily="50" charset="-128"/>
-              </a:rPr>
-              <a:t>app.py </a:t>
-            </a:r>
-            <a:r>
-              <a:rPr lang="ja-JP" altLang="en-US" sz="1800" dirty="0">
-                <a:latin typeface="游ゴシック" panose="020B0400000000000000" pitchFamily="50" charset="-128"/>
-                <a:ea typeface="游ゴシック" panose="020B0400000000000000" pitchFamily="50" charset="-128"/>
-              </a:rPr>
-              <a:t>と </a:t>
-            </a:r>
-            <a:r>
-              <a:rPr lang="en-US" altLang="ja-JP" sz="1800" dirty="0">
-                <a:latin typeface="游ゴシック" panose="020B0400000000000000" pitchFamily="50" charset="-128"/>
-                <a:ea typeface="游ゴシック" panose="020B0400000000000000" pitchFamily="50" charset="-128"/>
-              </a:rPr>
-              <a:t>requirements.txt </a:t>
-            </a:r>
-            <a:r>
-              <a:rPr lang="ja-JP" altLang="en-US" sz="1800" dirty="0">
-                <a:latin typeface="游ゴシック" panose="020B0400000000000000" pitchFamily="50" charset="-128"/>
-                <a:ea typeface="游ゴシック" panose="020B0400000000000000" pitchFamily="50" charset="-128"/>
-              </a:rPr>
-              <a:t>をイメージの中に組み込みます。</a:t>
-            </a:r>
-            <a:endParaRPr lang="en-US" sz="1800" dirty="0">
-              <a:latin typeface="游ゴシック" panose="020B0400000000000000" pitchFamily="50" charset="-128"/>
-              <a:ea typeface="游ゴシック" panose="020B0400000000000000" pitchFamily="50" charset="-128"/>
-            </a:endParaRPr>
-          </a:p>
-          <a:p>
             <a:pPr marL="0" lvl="0" indent="0" algn="l" rtl="0">
               <a:spcBef>
                 <a:spcPts val="1000"/>
@@ -20495,10 +21736,393 @@
           </a:p>
         </p:txBody>
       </p:sp>
+      <p:sp>
+        <p:nvSpPr>
+          <p:cNvPr id="2" name="テキスト ボックス 1">
+            <a:extLst>
+              <a:ext uri="{FF2B5EF4-FFF2-40B4-BE49-F238E27FC236}">
+                <a16:creationId xmlns:a16="http://schemas.microsoft.com/office/drawing/2014/main" id="{1B2F346D-F92B-41F3-9003-16FC80E52A47}"/>
+              </a:ext>
+            </a:extLst>
+          </p:cNvPr>
+          <p:cNvSpPr txBox="1"/>
+          <p:nvPr/>
+        </p:nvSpPr>
+        <p:spPr>
+          <a:xfrm>
+            <a:off x="296524" y="1339696"/>
+            <a:ext cx="10898217" cy="1200329"/>
+          </a:xfrm>
+          <a:prstGeom prst="rect">
+            <a:avLst/>
+          </a:prstGeom>
+          <a:noFill/>
+        </p:spPr>
+        <p:txBody>
+          <a:bodyPr wrap="square" rtlCol="0">
+            <a:spAutoFit/>
+          </a:bodyPr>
+          <a:lstStyle/>
+          <a:p>
+            <a:r>
+              <a:rPr kumimoji="1" lang="ja-JP" altLang="en-US" sz="1800" dirty="0">
+                <a:latin typeface="メイリオ" panose="020B0604030504040204" pitchFamily="50" charset="-128"/>
+                <a:ea typeface="メイリオ" panose="020B0604030504040204" pitchFamily="50" charset="-128"/>
+                <a:sym typeface="Century Gothic"/>
+              </a:rPr>
+              <a:t>インストールは以下のサイトから</a:t>
+            </a:r>
+            <a:r>
+              <a:rPr kumimoji="1" lang="en-US" altLang="ja-JP" sz="1800" dirty="0">
+                <a:latin typeface="メイリオ" panose="020B0604030504040204" pitchFamily="50" charset="-128"/>
+                <a:ea typeface="メイリオ" panose="020B0604030504040204" pitchFamily="50" charset="-128"/>
+                <a:sym typeface="Century Gothic"/>
+              </a:rPr>
+              <a:t>.exe</a:t>
+            </a:r>
+            <a:r>
+              <a:rPr kumimoji="1" lang="ja-JP" altLang="en-US" sz="1800" dirty="0">
+                <a:latin typeface="メイリオ" panose="020B0604030504040204" pitchFamily="50" charset="-128"/>
+                <a:ea typeface="メイリオ" panose="020B0604030504040204" pitchFamily="50" charset="-128"/>
+                <a:sym typeface="Century Gothic"/>
+              </a:rPr>
+              <a:t>をダウンロードして実行します</a:t>
+            </a:r>
+            <a:r>
+              <a:rPr kumimoji="1" lang="ja-JP" altLang="en-US" dirty="0"/>
+              <a:t>。</a:t>
+            </a:r>
+            <a:endParaRPr kumimoji="1" lang="en-US" altLang="ja-JP" dirty="0"/>
+          </a:p>
+          <a:p>
+            <a:r>
+              <a:rPr lang="en-US" altLang="ja-JP" sz="1800" dirty="0">
+                <a:hlinkClick r:id="rId3"/>
+              </a:rPr>
+              <a:t>https://docs.docker.com/docker-for-windows/install/</a:t>
+            </a:r>
+            <a:endParaRPr lang="en-US" altLang="ja-JP" sz="1800" dirty="0"/>
+          </a:p>
+          <a:p>
+            <a:r>
+              <a:rPr kumimoji="1" lang="en-US" altLang="ja-JP" sz="1800" dirty="0">
+                <a:latin typeface="メイリオ" panose="020B0604030504040204" pitchFamily="50" charset="-128"/>
+                <a:ea typeface="メイリオ" panose="020B0604030504040204" pitchFamily="50" charset="-128"/>
+                <a:sym typeface="Century Gothic"/>
+              </a:rPr>
+              <a:t>Docker for Windows</a:t>
+            </a:r>
+            <a:r>
+              <a:rPr kumimoji="1" lang="ja-JP" altLang="en-US" sz="1800" dirty="0">
+                <a:latin typeface="メイリオ" panose="020B0604030504040204" pitchFamily="50" charset="-128"/>
+                <a:ea typeface="メイリオ" panose="020B0604030504040204" pitchFamily="50" charset="-128"/>
+                <a:sym typeface="Century Gothic"/>
+              </a:rPr>
+              <a:t>は安定版である</a:t>
+            </a:r>
+            <a:r>
+              <a:rPr kumimoji="1" lang="en-US" altLang="ja-JP" sz="1800" dirty="0">
+                <a:latin typeface="メイリオ" panose="020B0604030504040204" pitchFamily="50" charset="-128"/>
+                <a:ea typeface="メイリオ" panose="020B0604030504040204" pitchFamily="50" charset="-128"/>
+                <a:sym typeface="Century Gothic"/>
+              </a:rPr>
+              <a:t>Stable</a:t>
+            </a:r>
+            <a:r>
+              <a:rPr kumimoji="1" lang="ja-JP" altLang="en-US" sz="1800" dirty="0">
+                <a:latin typeface="メイリオ" panose="020B0604030504040204" pitchFamily="50" charset="-128"/>
+                <a:ea typeface="メイリオ" panose="020B0604030504040204" pitchFamily="50" charset="-128"/>
+                <a:sym typeface="Century Gothic"/>
+              </a:rPr>
+              <a:t>と開発版である</a:t>
+            </a:r>
+            <a:r>
+              <a:rPr kumimoji="1" lang="en-US" altLang="ja-JP" sz="1800" dirty="0">
+                <a:latin typeface="メイリオ" panose="020B0604030504040204" pitchFamily="50" charset="-128"/>
+                <a:ea typeface="メイリオ" panose="020B0604030504040204" pitchFamily="50" charset="-128"/>
+                <a:sym typeface="Century Gothic"/>
+              </a:rPr>
+              <a:t>Edge</a:t>
+            </a:r>
+            <a:r>
+              <a:rPr kumimoji="1" lang="ja-JP" altLang="en-US" sz="1800" dirty="0">
+                <a:latin typeface="メイリオ" panose="020B0604030504040204" pitchFamily="50" charset="-128"/>
+                <a:ea typeface="メイリオ" panose="020B0604030504040204" pitchFamily="50" charset="-128"/>
+                <a:sym typeface="Century Gothic"/>
+              </a:rPr>
+              <a:t>がありますが、安定性を考慮してここでは</a:t>
+            </a:r>
+            <a:r>
+              <a:rPr kumimoji="1" lang="en-US" altLang="ja-JP" sz="1800" dirty="0">
+                <a:latin typeface="メイリオ" panose="020B0604030504040204" pitchFamily="50" charset="-128"/>
+                <a:ea typeface="メイリオ" panose="020B0604030504040204" pitchFamily="50" charset="-128"/>
+                <a:sym typeface="Century Gothic"/>
+              </a:rPr>
+              <a:t>Stable</a:t>
+            </a:r>
+            <a:r>
+              <a:rPr kumimoji="1" lang="ja-JP" altLang="en-US" sz="1800" dirty="0">
+                <a:latin typeface="メイリオ" panose="020B0604030504040204" pitchFamily="50" charset="-128"/>
+                <a:ea typeface="メイリオ" panose="020B0604030504040204" pitchFamily="50" charset="-128"/>
+                <a:sym typeface="Century Gothic"/>
+              </a:rPr>
+              <a:t>版を選択します。</a:t>
+            </a:r>
+          </a:p>
+        </p:txBody>
+      </p:sp>
+      <p:grpSp>
+        <p:nvGrpSpPr>
+          <p:cNvPr id="10" name="グループ化 9">
+            <a:extLst>
+              <a:ext uri="{FF2B5EF4-FFF2-40B4-BE49-F238E27FC236}">
+                <a16:creationId xmlns:a16="http://schemas.microsoft.com/office/drawing/2014/main" id="{3B5A19DC-31F1-4181-83B2-2BAA84BDB00E}"/>
+              </a:ext>
+            </a:extLst>
+          </p:cNvPr>
+          <p:cNvGrpSpPr/>
+          <p:nvPr/>
+        </p:nvGrpSpPr>
+        <p:grpSpPr>
+          <a:xfrm>
+            <a:off x="325991" y="2398082"/>
+            <a:ext cx="11212567" cy="3581862"/>
+            <a:chOff x="334869" y="1936442"/>
+            <a:chExt cx="11212567" cy="3581862"/>
+          </a:xfrm>
+        </p:grpSpPr>
+        <p:grpSp>
+          <p:nvGrpSpPr>
+            <p:cNvPr id="9" name="グループ化 8">
+              <a:extLst>
+                <a:ext uri="{FF2B5EF4-FFF2-40B4-BE49-F238E27FC236}">
+                  <a16:creationId xmlns:a16="http://schemas.microsoft.com/office/drawing/2014/main" id="{ECD8242E-9714-457C-81A9-9BBB17697D0D}"/>
+                </a:ext>
+              </a:extLst>
+            </p:cNvPr>
+            <p:cNvGrpSpPr/>
+            <p:nvPr/>
+          </p:nvGrpSpPr>
+          <p:grpSpPr>
+            <a:xfrm>
+              <a:off x="334869" y="1936442"/>
+              <a:ext cx="11212567" cy="3581862"/>
+              <a:chOff x="370381" y="1936442"/>
+              <a:chExt cx="11212567" cy="3581862"/>
+            </a:xfrm>
+          </p:grpSpPr>
+          <p:pic>
+            <p:nvPicPr>
+              <p:cNvPr id="4" name="図 3">
+                <a:extLst>
+                  <a:ext uri="{FF2B5EF4-FFF2-40B4-BE49-F238E27FC236}">
+                    <a16:creationId xmlns:a16="http://schemas.microsoft.com/office/drawing/2014/main" id="{88B6BF1E-55EB-4CE7-B168-3DAE264FE0D1}"/>
+                  </a:ext>
+                </a:extLst>
+              </p:cNvPr>
+              <p:cNvPicPr>
+                <a:picLocks noChangeAspect="1"/>
+              </p:cNvPicPr>
+              <p:nvPr/>
+            </p:nvPicPr>
+            <p:blipFill rotWithShape="1">
+              <a:blip r:embed="rId4"/>
+              <a:srcRect r="20951" b="18879"/>
+              <a:stretch/>
+            </p:blipFill>
+            <p:spPr>
+              <a:xfrm>
+                <a:off x="370381" y="2192846"/>
+                <a:ext cx="5480254" cy="3251932"/>
+              </a:xfrm>
+              <a:prstGeom prst="rect">
+                <a:avLst/>
+              </a:prstGeom>
+            </p:spPr>
+          </p:pic>
+          <p:sp>
+            <p:nvSpPr>
+              <p:cNvPr id="6" name="正方形/長方形 5">
+                <a:extLst>
+                  <a:ext uri="{FF2B5EF4-FFF2-40B4-BE49-F238E27FC236}">
+                    <a16:creationId xmlns:a16="http://schemas.microsoft.com/office/drawing/2014/main" id="{87AF4E94-8B32-4634-AD2A-AAE3D52F400A}"/>
+                  </a:ext>
+                </a:extLst>
+              </p:cNvPr>
+              <p:cNvSpPr/>
+              <p:nvPr/>
+            </p:nvSpPr>
+            <p:spPr>
+              <a:xfrm>
+                <a:off x="1765425" y="3213980"/>
+                <a:ext cx="1149790" cy="271605"/>
+              </a:xfrm>
+              <a:prstGeom prst="rect">
+                <a:avLst/>
+              </a:prstGeom>
+              <a:noFill/>
+              <a:ln>
+                <a:solidFill>
+                  <a:srgbClr val="FF0000"/>
+                </a:solidFill>
+              </a:ln>
+            </p:spPr>
+            <p:style>
+              <a:lnRef idx="2">
+                <a:schemeClr val="accent1">
+                  <a:shade val="50000"/>
+                </a:schemeClr>
+              </a:lnRef>
+              <a:fillRef idx="1">
+                <a:schemeClr val="accent1"/>
+              </a:fillRef>
+              <a:effectRef idx="0">
+                <a:schemeClr val="accent1"/>
+              </a:effectRef>
+              <a:fontRef idx="minor">
+                <a:schemeClr val="lt1"/>
+              </a:fontRef>
+            </p:style>
+            <p:txBody>
+              <a:bodyPr rtlCol="0" anchor="ctr"/>
+              <a:lstStyle/>
+              <a:p>
+                <a:pPr algn="ctr"/>
+                <a:endParaRPr kumimoji="1" lang="ja-JP" altLang="en-US"/>
+              </a:p>
+            </p:txBody>
+          </p:sp>
+          <p:pic>
+            <p:nvPicPr>
+              <p:cNvPr id="8" name="図 7">
+                <a:extLst>
+                  <a:ext uri="{FF2B5EF4-FFF2-40B4-BE49-F238E27FC236}">
+                    <a16:creationId xmlns:a16="http://schemas.microsoft.com/office/drawing/2014/main" id="{B17F26C9-288B-4A25-A006-71590E9B4FA4}"/>
+                  </a:ext>
+                </a:extLst>
+              </p:cNvPr>
+              <p:cNvPicPr>
+                <a:picLocks noChangeAspect="1"/>
+              </p:cNvPicPr>
+              <p:nvPr/>
+            </p:nvPicPr>
+            <p:blipFill rotWithShape="1">
+              <a:blip r:embed="rId5"/>
+              <a:srcRect r="11061"/>
+              <a:stretch/>
+            </p:blipFill>
+            <p:spPr>
+              <a:xfrm>
+                <a:off x="5959078" y="1936442"/>
+                <a:ext cx="5623870" cy="3581862"/>
+              </a:xfrm>
+              <a:prstGeom prst="rect">
+                <a:avLst/>
+              </a:prstGeom>
+            </p:spPr>
+          </p:pic>
+          <p:sp>
+            <p:nvSpPr>
+              <p:cNvPr id="7" name="矢印: 右 6">
+                <a:extLst>
+                  <a:ext uri="{FF2B5EF4-FFF2-40B4-BE49-F238E27FC236}">
+                    <a16:creationId xmlns:a16="http://schemas.microsoft.com/office/drawing/2014/main" id="{3D334B6A-937B-4591-A8D4-AAAB1236E520}"/>
+                  </a:ext>
+                </a:extLst>
+              </p:cNvPr>
+              <p:cNvSpPr/>
+              <p:nvPr/>
+            </p:nvSpPr>
+            <p:spPr>
+              <a:xfrm>
+                <a:off x="4953990" y="3335515"/>
+                <a:ext cx="816496" cy="483297"/>
+              </a:xfrm>
+              <a:prstGeom prst="rightArrow">
+                <a:avLst/>
+              </a:prstGeom>
+            </p:spPr>
+            <p:style>
+              <a:lnRef idx="1">
+                <a:schemeClr val="accent4"/>
+              </a:lnRef>
+              <a:fillRef idx="2">
+                <a:schemeClr val="accent4"/>
+              </a:fillRef>
+              <a:effectRef idx="1">
+                <a:schemeClr val="accent4"/>
+              </a:effectRef>
+              <a:fontRef idx="minor">
+                <a:schemeClr val="dk1"/>
+              </a:fontRef>
+            </p:style>
+            <p:txBody>
+              <a:bodyPr rtlCol="0" anchor="ctr"/>
+              <a:lstStyle/>
+              <a:p>
+                <a:pPr algn="ctr"/>
+                <a:endParaRPr kumimoji="1" lang="ja-JP" altLang="en-US"/>
+              </a:p>
+            </p:txBody>
+          </p:sp>
+        </p:grpSp>
+        <p:sp>
+          <p:nvSpPr>
+            <p:cNvPr id="12" name="正方形/長方形 11">
+              <a:extLst>
+                <a:ext uri="{FF2B5EF4-FFF2-40B4-BE49-F238E27FC236}">
+                  <a16:creationId xmlns:a16="http://schemas.microsoft.com/office/drawing/2014/main" id="{1C9A7273-96E0-43C8-B372-5CFCE06DA186}"/>
+                </a:ext>
+              </a:extLst>
+            </p:cNvPr>
+            <p:cNvSpPr/>
+            <p:nvPr/>
+          </p:nvSpPr>
+          <p:spPr>
+            <a:xfrm>
+              <a:off x="6141244" y="4431700"/>
+              <a:ext cx="1830904" cy="271605"/>
+            </a:xfrm>
+            <a:prstGeom prst="rect">
+              <a:avLst/>
+            </a:prstGeom>
+            <a:noFill/>
+            <a:ln>
+              <a:solidFill>
+                <a:srgbClr val="FF0000"/>
+              </a:solidFill>
+            </a:ln>
+          </p:spPr>
+          <p:style>
+            <a:lnRef idx="2">
+              <a:schemeClr val="accent1">
+                <a:shade val="50000"/>
+              </a:schemeClr>
+            </a:lnRef>
+            <a:fillRef idx="1">
+              <a:schemeClr val="accent1"/>
+            </a:fillRef>
+            <a:effectRef idx="0">
+              <a:schemeClr val="accent1"/>
+            </a:effectRef>
+            <a:fontRef idx="minor">
+              <a:schemeClr val="lt1"/>
+            </a:fontRef>
+          </p:style>
+          <p:txBody>
+            <a:bodyPr rtlCol="0" anchor="ctr"/>
+            <a:lstStyle/>
+            <a:p>
+              <a:pPr algn="ctr"/>
+              <a:endParaRPr kumimoji="1" lang="ja-JP" altLang="en-US"/>
+            </a:p>
+          </p:txBody>
+        </p:sp>
+      </p:grpSp>
     </p:spTree>
     <p:extLst>
       <p:ext uri="{BB962C8B-B14F-4D97-AF65-F5344CB8AC3E}">
-        <p14:creationId xmlns:p14="http://schemas.microsoft.com/office/powerpoint/2010/main" val="4232473659"/>
+        <p14:creationId xmlns:p14="http://schemas.microsoft.com/office/powerpoint/2010/main" val="419697335"/>
       </p:ext>
     </p:extLst>
   </p:cSld>
@@ -20566,7 +22190,14 @@
                 <a:latin typeface="HG丸ｺﾞｼｯｸM-PRO" panose="020F0600000000000000" pitchFamily="50" charset="-128"/>
                 <a:ea typeface="HG丸ｺﾞｼｯｸM-PRO" panose="020F0600000000000000" pitchFamily="50" charset="-128"/>
               </a:rPr>
-              <a:t>イメージの作成</a:t>
+              <a:t>をインストール </a:t>
+            </a:r>
+            <a:r>
+              <a:rPr lang="en-US" altLang="ja-JP" dirty="0">
+                <a:latin typeface="HG丸ｺﾞｼｯｸM-PRO" panose="020F0600000000000000" pitchFamily="50" charset="-128"/>
+                <a:ea typeface="HG丸ｺﾞｼｯｸM-PRO" panose="020F0600000000000000" pitchFamily="50" charset="-128"/>
+              </a:rPr>
+              <a:t>3/5</a:t>
             </a:r>
             <a:endParaRPr dirty="0">
               <a:latin typeface="HG丸ｺﾞｼｯｸM-PRO" panose="020F0600000000000000" pitchFamily="50" charset="-128"/>
@@ -20622,103 +22253,261 @@
           </a:p>
         </p:txBody>
       </p:sp>
-      <p:sp>
-        <p:nvSpPr>
-          <p:cNvPr id="5" name="Google Shape;97;p16">
+      <p:pic>
+        <p:nvPicPr>
+          <p:cNvPr id="3" name="図 2">
             <a:extLst>
               <a:ext uri="{FF2B5EF4-FFF2-40B4-BE49-F238E27FC236}">
-                <a16:creationId xmlns:a16="http://schemas.microsoft.com/office/drawing/2014/main" id="{D3E965BD-DA8F-4E47-96B5-CFF9B4CF815A}"/>
+                <a16:creationId xmlns:a16="http://schemas.microsoft.com/office/drawing/2014/main" id="{9A262803-D90F-4141-B0CA-DB7FDD1AC9F1}"/>
               </a:ext>
             </a:extLst>
           </p:cNvPr>
-          <p:cNvSpPr txBox="1">
-            <a:spLocks noGrp="1"/>
-          </p:cNvSpPr>
-          <p:nvPr>
-            <p:ph type="body" idx="1"/>
-          </p:nvPr>
-        </p:nvSpPr>
+          <p:cNvPicPr>
+            <a:picLocks noChangeAspect="1"/>
+          </p:cNvPicPr>
+          <p:nvPr/>
+        </p:nvPicPr>
+        <p:blipFill>
+          <a:blip r:embed="rId3"/>
+          <a:stretch>
+            <a:fillRect/>
+          </a:stretch>
+        </p:blipFill>
         <p:spPr>
           <a:xfrm>
-            <a:off x="261938" y="814388"/>
-            <a:ext cx="11758612" cy="5422900"/>
+            <a:off x="435315" y="1296773"/>
+            <a:ext cx="1124107" cy="990738"/>
           </a:xfrm>
           <a:prstGeom prst="rect">
             <a:avLst/>
           </a:prstGeom>
         </p:spPr>
+      </p:pic>
+      <p:sp>
+        <p:nvSpPr>
+          <p:cNvPr id="13" name="テキスト ボックス 12">
+            <a:extLst>
+              <a:ext uri="{FF2B5EF4-FFF2-40B4-BE49-F238E27FC236}">
+                <a16:creationId xmlns:a16="http://schemas.microsoft.com/office/drawing/2014/main" id="{2188D54F-6D58-4377-815E-3847BA265987}"/>
+              </a:ext>
+            </a:extLst>
+          </p:cNvPr>
+          <p:cNvSpPr txBox="1"/>
+          <p:nvPr/>
+        </p:nvSpPr>
+        <p:spPr>
+          <a:xfrm>
+            <a:off x="296525" y="865297"/>
+            <a:ext cx="8522762" cy="369332"/>
+          </a:xfrm>
+          <a:prstGeom prst="rect">
+            <a:avLst/>
+          </a:prstGeom>
+          <a:noFill/>
+        </p:spPr>
         <p:txBody>
-          <a:bodyPr spcFirstLastPara="1" wrap="square" lIns="91425" tIns="45700" rIns="91425" bIns="45700" anchor="t" anchorCtr="0">
-            <a:noAutofit/>
+          <a:bodyPr wrap="square" rtlCol="0">
+            <a:spAutoFit/>
           </a:bodyPr>
           <a:lstStyle/>
           <a:p>
-            <a:pPr marL="0" indent="0">
-              <a:buNone/>
+            <a:pPr>
+              <a:buSzPts val="2800"/>
             </a:pPr>
             <a:r>
-              <a:rPr lang="en-US" altLang="ja-JP" sz="2000" b="1" dirty="0" err="1">
+              <a:rPr kumimoji="1" lang="ja-JP" altLang="en-US" sz="1800" dirty="0">
                 <a:latin typeface="メイリオ" panose="020B0604030504040204" pitchFamily="50" charset="-128"/>
                 <a:ea typeface="メイリオ" panose="020B0604030504040204" pitchFamily="50" charset="-128"/>
-              </a:rPr>
-              <a:t>Dockerfile</a:t>
-            </a:r>
-            <a:r>
-              <a:rPr lang="ja-JP" altLang="en-US" sz="2000" b="1" dirty="0">
-                <a:latin typeface="メイリオ" panose="020B0604030504040204" pitchFamily="50" charset="-128"/>
-                <a:ea typeface="メイリオ" panose="020B0604030504040204" pitchFamily="50" charset="-128"/>
-              </a:rPr>
-              <a:t>を使用して、</a:t>
-            </a:r>
-            <a:r>
-              <a:rPr lang="en-US" altLang="ja-JP" sz="2000" b="1" dirty="0">
-                <a:latin typeface="メイリオ" panose="020B0604030504040204" pitchFamily="50" charset="-128"/>
-                <a:ea typeface="メイリオ" panose="020B0604030504040204" pitchFamily="50" charset="-128"/>
-              </a:rPr>
-              <a:t>Docker</a:t>
-            </a:r>
-            <a:r>
-              <a:rPr lang="ja-JP" altLang="en-US" sz="2000" b="1" dirty="0">
-                <a:latin typeface="メイリオ" panose="020B0604030504040204" pitchFamily="50" charset="-128"/>
-                <a:ea typeface="メイリオ" panose="020B0604030504040204" pitchFamily="50" charset="-128"/>
-              </a:rPr>
-              <a:t>イメージを作成</a:t>
-            </a:r>
-            <a:endParaRPr lang="en-US" altLang="ja-JP" sz="2000" b="1" dirty="0">
+                <a:sym typeface="Century Gothic"/>
+              </a:rPr>
+              <a:t>インストーラーがダウンロードされたらダブルクリックして実行します。</a:t>
+            </a:r>
+            <a:endParaRPr kumimoji="1" lang="en-US" altLang="ja-JP" sz="1800" dirty="0">
               <a:latin typeface="メイリオ" panose="020B0604030504040204" pitchFamily="50" charset="-128"/>
               <a:ea typeface="メイリオ" panose="020B0604030504040204" pitchFamily="50" charset="-128"/>
+              <a:sym typeface="Century Gothic"/>
             </a:endParaRPr>
-          </a:p>
-          <a:p>
-            <a:pPr marL="0" lvl="0" indent="0">
-              <a:spcBef>
-                <a:spcPts val="0"/>
-              </a:spcBef>
-              <a:buNone/>
-            </a:pPr>
-            <a:endParaRPr lang="en-US" altLang="ja-JP" sz="1800" dirty="0">
-              <a:latin typeface="游ゴシック" panose="020B0400000000000000" pitchFamily="50" charset="-128"/>
-              <a:ea typeface="游ゴシック" panose="020B0400000000000000" pitchFamily="50" charset="-128"/>
-            </a:endParaRPr>
-          </a:p>
-          <a:p>
-            <a:pPr marL="0" lvl="0" indent="0" algn="l" rtl="0">
-              <a:spcBef>
-                <a:spcPts val="1000"/>
-              </a:spcBef>
-              <a:spcAft>
-                <a:spcPts val="0"/>
-              </a:spcAft>
-              <a:buNone/>
-            </a:pPr>
-            <a:endParaRPr dirty="0"/>
           </a:p>
         </p:txBody>
       </p:sp>
+      <p:sp>
+        <p:nvSpPr>
+          <p:cNvPr id="16" name="テキスト ボックス 15">
+            <a:extLst>
+              <a:ext uri="{FF2B5EF4-FFF2-40B4-BE49-F238E27FC236}">
+                <a16:creationId xmlns:a16="http://schemas.microsoft.com/office/drawing/2014/main" id="{9B3133A2-0687-4258-9D13-7B6C89E0B39C}"/>
+              </a:ext>
+            </a:extLst>
+          </p:cNvPr>
+          <p:cNvSpPr txBox="1"/>
+          <p:nvPr/>
+        </p:nvSpPr>
+        <p:spPr>
+          <a:xfrm>
+            <a:off x="296525" y="2436645"/>
+            <a:ext cx="8522762" cy="369332"/>
+          </a:xfrm>
+          <a:prstGeom prst="rect">
+            <a:avLst/>
+          </a:prstGeom>
+          <a:noFill/>
+        </p:spPr>
+        <p:txBody>
+          <a:bodyPr wrap="square" rtlCol="0">
+            <a:spAutoFit/>
+          </a:bodyPr>
+          <a:lstStyle/>
+          <a:p>
+            <a:pPr>
+              <a:buSzPts val="2800"/>
+            </a:pPr>
+            <a:r>
+              <a:rPr kumimoji="1" lang="en-US" altLang="ja-JP" sz="1800" dirty="0">
+                <a:latin typeface="メイリオ" panose="020B0604030504040204" pitchFamily="50" charset="-128"/>
+                <a:ea typeface="メイリオ" panose="020B0604030504040204" pitchFamily="50" charset="-128"/>
+                <a:sym typeface="Century Gothic"/>
+              </a:rPr>
+              <a:t>Configuration</a:t>
+            </a:r>
+            <a:r>
+              <a:rPr kumimoji="1" lang="ja-JP" altLang="en-US" sz="1800" dirty="0">
+                <a:latin typeface="メイリオ" panose="020B0604030504040204" pitchFamily="50" charset="-128"/>
+                <a:ea typeface="メイリオ" panose="020B0604030504040204" pitchFamily="50" charset="-128"/>
+                <a:sym typeface="Century Gothic"/>
+              </a:rPr>
+              <a:t>を設定し、「</a:t>
+            </a:r>
+            <a:r>
+              <a:rPr kumimoji="1" lang="en-US" altLang="ja-JP" sz="1800" dirty="0">
+                <a:latin typeface="メイリオ" panose="020B0604030504040204" pitchFamily="50" charset="-128"/>
+                <a:ea typeface="メイリオ" panose="020B0604030504040204" pitchFamily="50" charset="-128"/>
+                <a:sym typeface="Century Gothic"/>
+              </a:rPr>
+              <a:t>OK</a:t>
+            </a:r>
+            <a:r>
+              <a:rPr kumimoji="1" lang="ja-JP" altLang="en-US" sz="1800" dirty="0">
+                <a:latin typeface="メイリオ" panose="020B0604030504040204" pitchFamily="50" charset="-128"/>
+                <a:ea typeface="メイリオ" panose="020B0604030504040204" pitchFamily="50" charset="-128"/>
+                <a:sym typeface="Century Gothic"/>
+              </a:rPr>
+              <a:t>」ボタンをクリックしてインストールします。</a:t>
+            </a:r>
+            <a:endParaRPr kumimoji="1" lang="en-US" altLang="ja-JP" sz="1800" dirty="0">
+              <a:latin typeface="メイリオ" panose="020B0604030504040204" pitchFamily="50" charset="-128"/>
+              <a:ea typeface="メイリオ" panose="020B0604030504040204" pitchFamily="50" charset="-128"/>
+              <a:sym typeface="Century Gothic"/>
+            </a:endParaRPr>
+          </a:p>
+        </p:txBody>
+      </p:sp>
+      <p:grpSp>
+        <p:nvGrpSpPr>
+          <p:cNvPr id="17" name="グループ化 16">
+            <a:extLst>
+              <a:ext uri="{FF2B5EF4-FFF2-40B4-BE49-F238E27FC236}">
+                <a16:creationId xmlns:a16="http://schemas.microsoft.com/office/drawing/2014/main" id="{9988CF8F-C93B-42BF-91A1-BF7CFFB30B03}"/>
+              </a:ext>
+            </a:extLst>
+          </p:cNvPr>
+          <p:cNvGrpSpPr/>
+          <p:nvPr/>
+        </p:nvGrpSpPr>
+        <p:grpSpPr>
+          <a:xfrm>
+            <a:off x="417559" y="2805977"/>
+            <a:ext cx="5012478" cy="3449448"/>
+            <a:chOff x="435315" y="2805977"/>
+            <a:chExt cx="5012478" cy="3449448"/>
+          </a:xfrm>
+        </p:grpSpPr>
+        <p:pic>
+          <p:nvPicPr>
+            <p:cNvPr id="15" name="図 14">
+              <a:extLst>
+                <a:ext uri="{FF2B5EF4-FFF2-40B4-BE49-F238E27FC236}">
+                  <a16:creationId xmlns:a16="http://schemas.microsoft.com/office/drawing/2014/main" id="{744BC873-0B26-4051-BE3F-93D85690CDAC}"/>
+                </a:ext>
+              </a:extLst>
+            </p:cNvPr>
+            <p:cNvPicPr>
+              <a:picLocks noChangeAspect="1"/>
+            </p:cNvPicPr>
+            <p:nvPr/>
+          </p:nvPicPr>
+          <p:blipFill>
+            <a:blip r:embed="rId4"/>
+            <a:stretch>
+              <a:fillRect/>
+            </a:stretch>
+          </p:blipFill>
+          <p:spPr>
+            <a:xfrm>
+              <a:off x="435315" y="2805977"/>
+              <a:ext cx="5012478" cy="3449448"/>
+            </a:xfrm>
+            <a:prstGeom prst="rect">
+              <a:avLst/>
+            </a:prstGeom>
+          </p:spPr>
+        </p:pic>
+        <p:sp>
+          <p:nvSpPr>
+            <p:cNvPr id="18" name="正方形/長方形 17">
+              <a:extLst>
+                <a:ext uri="{FF2B5EF4-FFF2-40B4-BE49-F238E27FC236}">
+                  <a16:creationId xmlns:a16="http://schemas.microsoft.com/office/drawing/2014/main" id="{212ADAB2-E9BC-418A-A39C-7477EDDF346C}"/>
+                </a:ext>
+              </a:extLst>
+            </p:cNvPr>
+            <p:cNvSpPr/>
+            <p:nvPr/>
+          </p:nvSpPr>
+          <p:spPr>
+            <a:xfrm>
+              <a:off x="4592782" y="5992703"/>
+              <a:ext cx="855011" cy="262722"/>
+            </a:xfrm>
+            <a:prstGeom prst="rect">
+              <a:avLst/>
+            </a:prstGeom>
+            <a:noFill/>
+            <a:ln>
+              <a:solidFill>
+                <a:srgbClr val="FF0000"/>
+              </a:solidFill>
+            </a:ln>
+          </p:spPr>
+          <p:style>
+            <a:lnRef idx="2">
+              <a:schemeClr val="accent1">
+                <a:shade val="50000"/>
+              </a:schemeClr>
+            </a:lnRef>
+            <a:fillRef idx="1">
+              <a:schemeClr val="accent1"/>
+            </a:fillRef>
+            <a:effectRef idx="0">
+              <a:schemeClr val="accent1"/>
+            </a:effectRef>
+            <a:fontRef idx="minor">
+              <a:schemeClr val="lt1"/>
+            </a:fontRef>
+          </p:style>
+          <p:txBody>
+            <a:bodyPr rtlCol="0" anchor="ctr"/>
+            <a:lstStyle/>
+            <a:p>
+              <a:pPr algn="ctr"/>
+              <a:endParaRPr kumimoji="1" lang="ja-JP" altLang="en-US" dirty="0"/>
+            </a:p>
+          </p:txBody>
+        </p:sp>
+      </p:grpSp>
     </p:spTree>
     <p:extLst>
       <p:ext uri="{BB962C8B-B14F-4D97-AF65-F5344CB8AC3E}">
-        <p14:creationId xmlns:p14="http://schemas.microsoft.com/office/powerpoint/2010/main" val="1229284455"/>
+        <p14:creationId xmlns:p14="http://schemas.microsoft.com/office/powerpoint/2010/main" val="3382496226"/>
       </p:ext>
     </p:extLst>
   </p:cSld>
@@ -20786,7 +22575,14 @@
                 <a:latin typeface="HG丸ｺﾞｼｯｸM-PRO" panose="020F0600000000000000" pitchFamily="50" charset="-128"/>
                 <a:ea typeface="HG丸ｺﾞｼｯｸM-PRO" panose="020F0600000000000000" pitchFamily="50" charset="-128"/>
               </a:rPr>
-              <a:t>コンテナの起動</a:t>
+              <a:t>をインストール </a:t>
+            </a:r>
+            <a:r>
+              <a:rPr lang="en-US" altLang="ja-JP" dirty="0">
+                <a:latin typeface="HG丸ｺﾞｼｯｸM-PRO" panose="020F0600000000000000" pitchFamily="50" charset="-128"/>
+                <a:ea typeface="HG丸ｺﾞｼｯｸM-PRO" panose="020F0600000000000000" pitchFamily="50" charset="-128"/>
+              </a:rPr>
+              <a:t>4/5</a:t>
             </a:r>
             <a:endParaRPr dirty="0">
               <a:latin typeface="HG丸ｺﾞｼｯｸM-PRO" panose="020F0600000000000000" pitchFamily="50" charset="-128"/>
@@ -20844,64 +22640,133 @@
       </p:sp>
       <p:sp>
         <p:nvSpPr>
-          <p:cNvPr id="5" name="Google Shape;97;p16">
+          <p:cNvPr id="13" name="テキスト ボックス 12">
             <a:extLst>
               <a:ext uri="{FF2B5EF4-FFF2-40B4-BE49-F238E27FC236}">
-                <a16:creationId xmlns:a16="http://schemas.microsoft.com/office/drawing/2014/main" id="{D3E965BD-DA8F-4E47-96B5-CFF9B4CF815A}"/>
+                <a16:creationId xmlns:a16="http://schemas.microsoft.com/office/drawing/2014/main" id="{2188D54F-6D58-4377-815E-3847BA265987}"/>
               </a:ext>
             </a:extLst>
           </p:cNvPr>
-          <p:cNvSpPr txBox="1">
-            <a:spLocks noGrp="1"/>
-          </p:cNvSpPr>
-          <p:nvPr>
-            <p:ph type="body" idx="1"/>
-          </p:nvPr>
+          <p:cNvSpPr txBox="1"/>
+          <p:nvPr/>
         </p:nvSpPr>
         <p:spPr>
           <a:xfrm>
-            <a:off x="261938" y="814388"/>
-            <a:ext cx="11758612" cy="5422900"/>
+            <a:off x="296525" y="865297"/>
+            <a:ext cx="8522762" cy="646331"/>
+          </a:xfrm>
+          <a:prstGeom prst="rect">
+            <a:avLst/>
+          </a:prstGeom>
+          <a:noFill/>
+        </p:spPr>
+        <p:txBody>
+          <a:bodyPr wrap="square" rtlCol="0">
+            <a:spAutoFit/>
+          </a:bodyPr>
+          <a:lstStyle/>
+          <a:p>
+            <a:pPr>
+              <a:buSzPts val="2800"/>
+            </a:pPr>
+            <a:r>
+              <a:rPr kumimoji="1" lang="ja-JP" altLang="en-US" sz="1800" dirty="0">
+                <a:latin typeface="メイリオ" panose="020B0604030504040204" pitchFamily="50" charset="-128"/>
+                <a:ea typeface="メイリオ" panose="020B0604030504040204" pitchFamily="50" charset="-128"/>
+                <a:sym typeface="Century Gothic"/>
+              </a:rPr>
+              <a:t>最後にこの画面が表示されて、</a:t>
+            </a:r>
+            <a:r>
+              <a:rPr kumimoji="1" lang="en-US" altLang="ja-JP" sz="1800" dirty="0">
+                <a:latin typeface="メイリオ" panose="020B0604030504040204" pitchFamily="50" charset="-128"/>
+                <a:ea typeface="メイリオ" panose="020B0604030504040204" pitchFamily="50" charset="-128"/>
+                <a:sym typeface="Century Gothic"/>
+              </a:rPr>
+              <a:t>Windows</a:t>
+            </a:r>
+            <a:r>
+              <a:rPr kumimoji="1" lang="ja-JP" altLang="en-US" sz="1800" dirty="0">
+                <a:latin typeface="メイリオ" panose="020B0604030504040204" pitchFamily="50" charset="-128"/>
+                <a:ea typeface="メイリオ" panose="020B0604030504040204" pitchFamily="50" charset="-128"/>
+                <a:sym typeface="Century Gothic"/>
+              </a:rPr>
+              <a:t>のログアウトを促されますので、「</a:t>
+            </a:r>
+            <a:r>
+              <a:rPr kumimoji="1" lang="en-US" altLang="ja-JP" sz="1800" dirty="0">
+                <a:latin typeface="メイリオ" panose="020B0604030504040204" pitchFamily="50" charset="-128"/>
+                <a:ea typeface="メイリオ" panose="020B0604030504040204" pitchFamily="50" charset="-128"/>
+                <a:sym typeface="Century Gothic"/>
+              </a:rPr>
+              <a:t>Close and log out</a:t>
+            </a:r>
+            <a:r>
+              <a:rPr kumimoji="1" lang="ja-JP" altLang="en-US" sz="1800" dirty="0">
+                <a:latin typeface="メイリオ" panose="020B0604030504040204" pitchFamily="50" charset="-128"/>
+                <a:ea typeface="メイリオ" panose="020B0604030504040204" pitchFamily="50" charset="-128"/>
+                <a:sym typeface="Century Gothic"/>
+              </a:rPr>
+              <a:t>」をクリックして、再度</a:t>
+            </a:r>
+            <a:r>
+              <a:rPr kumimoji="1" lang="en-US" altLang="ja-JP" sz="1800" dirty="0">
+                <a:latin typeface="メイリオ" panose="020B0604030504040204" pitchFamily="50" charset="-128"/>
+                <a:ea typeface="メイリオ" panose="020B0604030504040204" pitchFamily="50" charset="-128"/>
+                <a:sym typeface="Century Gothic"/>
+              </a:rPr>
+              <a:t>Windows</a:t>
+            </a:r>
+            <a:r>
+              <a:rPr kumimoji="1" lang="ja-JP" altLang="en-US" sz="1800" dirty="0">
+                <a:latin typeface="メイリオ" panose="020B0604030504040204" pitchFamily="50" charset="-128"/>
+                <a:ea typeface="メイリオ" panose="020B0604030504040204" pitchFamily="50" charset="-128"/>
+                <a:sym typeface="Century Gothic"/>
+              </a:rPr>
+              <a:t>にログインします。</a:t>
+            </a:r>
+            <a:endParaRPr kumimoji="1" lang="en-US" altLang="ja-JP" sz="1800" dirty="0">
+              <a:latin typeface="メイリオ" panose="020B0604030504040204" pitchFamily="50" charset="-128"/>
+              <a:ea typeface="メイリオ" panose="020B0604030504040204" pitchFamily="50" charset="-128"/>
+              <a:sym typeface="Century Gothic"/>
+            </a:endParaRPr>
+          </a:p>
+        </p:txBody>
+      </p:sp>
+      <p:pic>
+        <p:nvPicPr>
+          <p:cNvPr id="19" name="図 18">
+            <a:extLst>
+              <a:ext uri="{FF2B5EF4-FFF2-40B4-BE49-F238E27FC236}">
+                <a16:creationId xmlns:a16="http://schemas.microsoft.com/office/drawing/2014/main" id="{D2F82092-980A-41CD-80B5-EA2DBB6112DF}"/>
+              </a:ext>
+            </a:extLst>
+          </p:cNvPr>
+          <p:cNvPicPr>
+            <a:picLocks noChangeAspect="1"/>
+          </p:cNvPicPr>
+          <p:nvPr/>
+        </p:nvPicPr>
+        <p:blipFill>
+          <a:blip r:embed="rId3"/>
+          <a:stretch>
+            <a:fillRect/>
+          </a:stretch>
+        </p:blipFill>
+        <p:spPr>
+          <a:xfrm>
+            <a:off x="296525" y="1618813"/>
+            <a:ext cx="6201640" cy="4277322"/>
           </a:xfrm>
           <a:prstGeom prst="rect">
             <a:avLst/>
           </a:prstGeom>
         </p:spPr>
-        <p:txBody>
-          <a:bodyPr spcFirstLastPara="1" wrap="square" lIns="91425" tIns="45700" rIns="91425" bIns="45700" anchor="t" anchorCtr="0">
-            <a:noAutofit/>
-          </a:bodyPr>
-          <a:lstStyle/>
-          <a:p>
-            <a:pPr marL="0" lvl="0" indent="0">
-              <a:spcBef>
-                <a:spcPts val="0"/>
-              </a:spcBef>
-              <a:buNone/>
-            </a:pPr>
-            <a:endParaRPr lang="en-US" altLang="ja-JP" sz="1800" dirty="0">
-              <a:latin typeface="游ゴシック" panose="020B0400000000000000" pitchFamily="50" charset="-128"/>
-              <a:ea typeface="游ゴシック" panose="020B0400000000000000" pitchFamily="50" charset="-128"/>
-            </a:endParaRPr>
-          </a:p>
-          <a:p>
-            <a:pPr marL="0" lvl="0" indent="0" algn="l" rtl="0">
-              <a:spcBef>
-                <a:spcPts val="1000"/>
-              </a:spcBef>
-              <a:spcAft>
-                <a:spcPts val="0"/>
-              </a:spcAft>
-              <a:buNone/>
-            </a:pPr>
-            <a:endParaRPr dirty="0"/>
-          </a:p>
-        </p:txBody>
-      </p:sp>
+      </p:pic>
     </p:spTree>
     <p:extLst>
       <p:ext uri="{BB962C8B-B14F-4D97-AF65-F5344CB8AC3E}">
-        <p14:creationId xmlns:p14="http://schemas.microsoft.com/office/powerpoint/2010/main" val="1567188035"/>
+        <p14:creationId xmlns:p14="http://schemas.microsoft.com/office/powerpoint/2010/main" val="1726231453"/>
       </p:ext>
     </p:extLst>
   </p:cSld>
@@ -20958,18 +22823,25 @@
           <a:lstStyle/>
           <a:p>
             <a:r>
+              <a:rPr lang="en-US" dirty="0">
+                <a:latin typeface="HG丸ｺﾞｼｯｸM-PRO" panose="020F0600000000000000" pitchFamily="50" charset="-128"/>
+                <a:ea typeface="HG丸ｺﾞｼｯｸM-PRO" panose="020F0600000000000000" pitchFamily="50" charset="-128"/>
+              </a:rPr>
+              <a:t>Docker</a:t>
+            </a:r>
+            <a:r>
+              <a:rPr lang="ja-JP" altLang="en-US" dirty="0">
+                <a:latin typeface="HG丸ｺﾞｼｯｸM-PRO" panose="020F0600000000000000" pitchFamily="50" charset="-128"/>
+                <a:ea typeface="HG丸ｺﾞｼｯｸM-PRO" panose="020F0600000000000000" pitchFamily="50" charset="-128"/>
+              </a:rPr>
+              <a:t>をインストール </a:t>
+            </a:r>
+            <a:r>
               <a:rPr lang="en-US" altLang="ja-JP" dirty="0">
                 <a:latin typeface="HG丸ｺﾞｼｯｸM-PRO" panose="020F0600000000000000" pitchFamily="50" charset="-128"/>
                 <a:ea typeface="HG丸ｺﾞｼｯｸM-PRO" panose="020F0600000000000000" pitchFamily="50" charset="-128"/>
               </a:rPr>
-              <a:t>Docker</a:t>
-            </a:r>
-            <a:r>
-              <a:rPr lang="ja-JP" altLang="en-US" dirty="0">
-                <a:latin typeface="HG丸ｺﾞｼｯｸM-PRO" panose="020F0600000000000000" pitchFamily="50" charset="-128"/>
-                <a:ea typeface="HG丸ｺﾞｼｯｸM-PRO" panose="020F0600000000000000" pitchFamily="50" charset="-128"/>
-              </a:rPr>
-              <a:t>コンテナのライフサイクル</a:t>
+              <a:t>5/5</a:t>
             </a:r>
             <a:endParaRPr dirty="0">
               <a:latin typeface="HG丸ｺﾞｼｯｸM-PRO" panose="020F0600000000000000" pitchFamily="50" charset="-128"/>
@@ -21027,64 +22899,290 @@
       </p:sp>
       <p:sp>
         <p:nvSpPr>
-          <p:cNvPr id="5" name="Google Shape;97;p16">
+          <p:cNvPr id="13" name="テキスト ボックス 12">
             <a:extLst>
               <a:ext uri="{FF2B5EF4-FFF2-40B4-BE49-F238E27FC236}">
-                <a16:creationId xmlns:a16="http://schemas.microsoft.com/office/drawing/2014/main" id="{D3E965BD-DA8F-4E47-96B5-CFF9B4CF815A}"/>
+                <a16:creationId xmlns:a16="http://schemas.microsoft.com/office/drawing/2014/main" id="{2188D54F-6D58-4377-815E-3847BA265987}"/>
               </a:ext>
             </a:extLst>
           </p:cNvPr>
-          <p:cNvSpPr txBox="1">
-            <a:spLocks noGrp="1"/>
-          </p:cNvSpPr>
-          <p:nvPr>
-            <p:ph type="body" idx="1"/>
-          </p:nvPr>
+          <p:cNvSpPr txBox="1"/>
+          <p:nvPr/>
         </p:nvSpPr>
         <p:spPr>
           <a:xfrm>
-            <a:off x="261938" y="814388"/>
-            <a:ext cx="11758612" cy="5422900"/>
+            <a:off x="296525" y="837305"/>
+            <a:ext cx="8522762" cy="646331"/>
+          </a:xfrm>
+          <a:prstGeom prst="rect">
+            <a:avLst/>
+          </a:prstGeom>
+          <a:noFill/>
+        </p:spPr>
+        <p:txBody>
+          <a:bodyPr wrap="square" rtlCol="0">
+            <a:spAutoFit/>
+          </a:bodyPr>
+          <a:lstStyle/>
+          <a:p>
+            <a:pPr>
+              <a:buSzPts val="2800"/>
+            </a:pPr>
+            <a:r>
+              <a:rPr kumimoji="1" lang="ja-JP" altLang="en-US" sz="1800" dirty="0">
+                <a:latin typeface="メイリオ" panose="020B0604030504040204" pitchFamily="50" charset="-128"/>
+                <a:ea typeface="メイリオ" panose="020B0604030504040204" pitchFamily="50" charset="-128"/>
+                <a:sym typeface="Century Gothic"/>
+              </a:rPr>
+              <a:t>無事インストールできたら</a:t>
+            </a:r>
+            <a:r>
+              <a:rPr kumimoji="1" lang="en-US" altLang="ja-JP" sz="1800" dirty="0">
+                <a:latin typeface="メイリオ" panose="020B0604030504040204" pitchFamily="50" charset="-128"/>
+                <a:ea typeface="メイリオ" panose="020B0604030504040204" pitchFamily="50" charset="-128"/>
+                <a:sym typeface="Century Gothic"/>
+              </a:rPr>
+              <a:t>Docker</a:t>
+            </a:r>
+            <a:r>
+              <a:rPr kumimoji="1" lang="ja-JP" altLang="en-US" sz="1800" dirty="0">
+                <a:latin typeface="メイリオ" panose="020B0604030504040204" pitchFamily="50" charset="-128"/>
+                <a:ea typeface="メイリオ" panose="020B0604030504040204" pitchFamily="50" charset="-128"/>
+                <a:sym typeface="Century Gothic"/>
+              </a:rPr>
+              <a:t>を起動して、クイックメニューからサインインで一通りインストールが完了です。</a:t>
+            </a:r>
+            <a:endParaRPr kumimoji="1" lang="en-US" altLang="ja-JP" sz="1800" dirty="0">
+              <a:latin typeface="メイリオ" panose="020B0604030504040204" pitchFamily="50" charset="-128"/>
+              <a:ea typeface="メイリオ" panose="020B0604030504040204" pitchFamily="50" charset="-128"/>
+              <a:sym typeface="Century Gothic"/>
+            </a:endParaRPr>
+          </a:p>
+        </p:txBody>
+      </p:sp>
+      <p:pic>
+        <p:nvPicPr>
+          <p:cNvPr id="2" name="図 1">
+            <a:extLst>
+              <a:ext uri="{FF2B5EF4-FFF2-40B4-BE49-F238E27FC236}">
+                <a16:creationId xmlns:a16="http://schemas.microsoft.com/office/drawing/2014/main" id="{928D5AAA-BF98-4DB3-9428-779F3A950C69}"/>
+              </a:ext>
+            </a:extLst>
+          </p:cNvPr>
+          <p:cNvPicPr>
+            <a:picLocks noChangeAspect="1"/>
+          </p:cNvPicPr>
+          <p:nvPr/>
+        </p:nvPicPr>
+        <p:blipFill>
+          <a:blip r:embed="rId3"/>
+          <a:stretch>
+            <a:fillRect/>
+          </a:stretch>
+        </p:blipFill>
+        <p:spPr>
+          <a:xfrm>
+            <a:off x="394181" y="2043404"/>
+            <a:ext cx="5227953" cy="3470583"/>
           </a:xfrm>
           <a:prstGeom prst="rect">
             <a:avLst/>
           </a:prstGeom>
         </p:spPr>
+      </p:pic>
+      <p:sp>
+        <p:nvSpPr>
+          <p:cNvPr id="7" name="テキスト ボックス 6">
+            <a:extLst>
+              <a:ext uri="{FF2B5EF4-FFF2-40B4-BE49-F238E27FC236}">
+                <a16:creationId xmlns:a16="http://schemas.microsoft.com/office/drawing/2014/main" id="{C0BCDF45-1CB7-4BF6-B7CA-14E15899C33E}"/>
+              </a:ext>
+            </a:extLst>
+          </p:cNvPr>
+          <p:cNvSpPr txBox="1"/>
+          <p:nvPr/>
+        </p:nvSpPr>
+        <p:spPr>
+          <a:xfrm>
+            <a:off x="5999584" y="1309538"/>
+            <a:ext cx="5337109" cy="3108543"/>
+          </a:xfrm>
+          <a:prstGeom prst="rect">
+            <a:avLst/>
+          </a:prstGeom>
+          <a:noFill/>
+        </p:spPr>
         <p:txBody>
-          <a:bodyPr spcFirstLastPara="1" wrap="square" lIns="91425" tIns="45700" rIns="91425" bIns="45700" anchor="t" anchorCtr="0">
-            <a:noAutofit/>
+          <a:bodyPr wrap="square" rtlCol="0">
+            <a:spAutoFit/>
           </a:bodyPr>
           <a:lstStyle/>
           <a:p>
-            <a:pPr marL="0" lvl="0" indent="0">
-              <a:spcBef>
-                <a:spcPts val="0"/>
-              </a:spcBef>
-              <a:buNone/>
-            </a:pPr>
-            <a:endParaRPr lang="en-US" altLang="ja-JP" sz="1800" dirty="0">
-              <a:latin typeface="游ゴシック" panose="020B0400000000000000" pitchFamily="50" charset="-128"/>
-              <a:ea typeface="游ゴシック" panose="020B0400000000000000" pitchFamily="50" charset="-128"/>
+            <a:r>
+              <a:rPr kumimoji="1" lang="ja-JP" altLang="en-US" b="1" dirty="0">
+                <a:latin typeface="メイリオ" panose="020B0604030504040204" pitchFamily="50" charset="-128"/>
+                <a:ea typeface="メイリオ" panose="020B0604030504040204" pitchFamily="50" charset="-128"/>
+              </a:rPr>
+              <a:t>補足：</a:t>
+            </a:r>
+            <a:r>
+              <a:rPr kumimoji="1" lang="en-US" altLang="ja-JP" b="1" dirty="0">
+                <a:latin typeface="メイリオ" panose="020B0604030504040204" pitchFamily="50" charset="-128"/>
+                <a:ea typeface="メイリオ" panose="020B0604030504040204" pitchFamily="50" charset="-128"/>
+              </a:rPr>
+              <a:t>Docker Toolbox</a:t>
+            </a:r>
+          </a:p>
+          <a:p>
+            <a:endParaRPr kumimoji="1" lang="en-US" altLang="ja-JP" dirty="0">
+              <a:latin typeface="メイリオ" panose="020B0604030504040204" pitchFamily="50" charset="-128"/>
+              <a:ea typeface="メイリオ" panose="020B0604030504040204" pitchFamily="50" charset="-128"/>
             </a:endParaRPr>
           </a:p>
           <a:p>
-            <a:pPr marL="0" lvl="0" indent="0" algn="l" rtl="0">
-              <a:spcBef>
-                <a:spcPts val="1000"/>
-              </a:spcBef>
-              <a:spcAft>
-                <a:spcPts val="0"/>
-              </a:spcAft>
-              <a:buNone/>
-            </a:pPr>
-            <a:endParaRPr dirty="0"/>
+            <a:r>
+              <a:rPr kumimoji="1" lang="en-US" altLang="ja-JP" dirty="0">
+                <a:latin typeface="メイリオ" panose="020B0604030504040204" pitchFamily="50" charset="-128"/>
+                <a:ea typeface="メイリオ" panose="020B0604030504040204" pitchFamily="50" charset="-128"/>
+              </a:rPr>
+              <a:t>Docker</a:t>
+            </a:r>
+            <a:r>
+              <a:rPr kumimoji="1" lang="ja-JP" altLang="en-US" dirty="0">
+                <a:latin typeface="メイリオ" panose="020B0604030504040204" pitchFamily="50" charset="-128"/>
+                <a:ea typeface="メイリオ" panose="020B0604030504040204" pitchFamily="50" charset="-128"/>
+              </a:rPr>
+              <a:t>仮想マシン（以下</a:t>
+            </a:r>
+            <a:r>
+              <a:rPr kumimoji="1" lang="en-US" altLang="ja-JP" dirty="0">
+                <a:latin typeface="メイリオ" panose="020B0604030504040204" pitchFamily="50" charset="-128"/>
+                <a:ea typeface="メイリオ" panose="020B0604030504040204" pitchFamily="50" charset="-128"/>
+              </a:rPr>
+              <a:t>VM</a:t>
+            </a:r>
+            <a:r>
+              <a:rPr kumimoji="1" lang="ja-JP" altLang="en-US" dirty="0">
+                <a:latin typeface="メイリオ" panose="020B0604030504040204" pitchFamily="50" charset="-128"/>
+                <a:ea typeface="メイリオ" panose="020B0604030504040204" pitchFamily="50" charset="-128"/>
+              </a:rPr>
+              <a:t>）とコンテナの大きな違いは仮想化の粒度にある。</a:t>
+            </a:r>
+            <a:endParaRPr kumimoji="1" lang="en-US" altLang="ja-JP" dirty="0">
+              <a:latin typeface="メイリオ" panose="020B0604030504040204" pitchFamily="50" charset="-128"/>
+              <a:ea typeface="メイリオ" panose="020B0604030504040204" pitchFamily="50" charset="-128"/>
+            </a:endParaRPr>
+          </a:p>
+          <a:p>
+            <a:endParaRPr kumimoji="1" lang="en-US" altLang="ja-JP" dirty="0">
+              <a:latin typeface="メイリオ" panose="020B0604030504040204" pitchFamily="50" charset="-128"/>
+              <a:ea typeface="メイリオ" panose="020B0604030504040204" pitchFamily="50" charset="-128"/>
+            </a:endParaRPr>
+          </a:p>
+          <a:p>
+            <a:r>
+              <a:rPr kumimoji="1" lang="en-US" altLang="ja-JP" u="sng" dirty="0">
+                <a:latin typeface="メイリオ" panose="020B0604030504040204" pitchFamily="50" charset="-128"/>
+                <a:ea typeface="メイリオ" panose="020B0604030504040204" pitchFamily="50" charset="-128"/>
+              </a:rPr>
+              <a:t>VM</a:t>
+            </a:r>
+            <a:r>
+              <a:rPr kumimoji="1" lang="ja-JP" altLang="en-US" u="sng" dirty="0">
+                <a:latin typeface="メイリオ" panose="020B0604030504040204" pitchFamily="50" charset="-128"/>
+                <a:ea typeface="メイリオ" panose="020B0604030504040204" pitchFamily="50" charset="-128"/>
+              </a:rPr>
+              <a:t>はマシン単位での仮想化であるのに対して、コンテナはプロセス単位での仮想化となっている。</a:t>
+            </a:r>
+          </a:p>
+          <a:p>
+            <a:r>
+              <a:rPr kumimoji="1" lang="ja-JP" altLang="en-US" dirty="0">
+                <a:latin typeface="メイリオ" panose="020B0604030504040204" pitchFamily="50" charset="-128"/>
+                <a:ea typeface="メイリオ" panose="020B0604030504040204" pitchFamily="50" charset="-128"/>
+              </a:rPr>
+              <a:t>コンテナの仕組みにより、仮想マシンやゲスト</a:t>
+            </a:r>
+            <a:r>
+              <a:rPr kumimoji="1" lang="en-US" altLang="ja-JP" dirty="0">
+                <a:latin typeface="メイリオ" panose="020B0604030504040204" pitchFamily="50" charset="-128"/>
+                <a:ea typeface="メイリオ" panose="020B0604030504040204" pitchFamily="50" charset="-128"/>
+              </a:rPr>
+              <a:t>OS</a:t>
+            </a:r>
+            <a:r>
+              <a:rPr kumimoji="1" lang="ja-JP" altLang="en-US" dirty="0">
+                <a:latin typeface="メイリオ" panose="020B0604030504040204" pitchFamily="50" charset="-128"/>
+                <a:ea typeface="メイリオ" panose="020B0604030504040204" pitchFamily="50" charset="-128"/>
+              </a:rPr>
+              <a:t>は存在せず、コンテナに作成された</a:t>
+            </a:r>
+            <a:r>
+              <a:rPr kumimoji="1" lang="en-US" altLang="ja-JP" dirty="0">
+                <a:latin typeface="メイリオ" panose="020B0604030504040204" pitchFamily="50" charset="-128"/>
+                <a:ea typeface="メイリオ" panose="020B0604030504040204" pitchFamily="50" charset="-128"/>
+              </a:rPr>
+              <a:t>OS</a:t>
+            </a:r>
+            <a:r>
+              <a:rPr kumimoji="1" lang="ja-JP" altLang="en-US" dirty="0">
+                <a:latin typeface="メイリオ" panose="020B0604030504040204" pitchFamily="50" charset="-128"/>
+                <a:ea typeface="メイリオ" panose="020B0604030504040204" pitchFamily="50" charset="-128"/>
+              </a:rPr>
+              <a:t>環境の起動、停止は非常に高速で、オーバーヘッドが小さい。</a:t>
+            </a:r>
+          </a:p>
+          <a:p>
+            <a:endParaRPr kumimoji="1" lang="ja-JP" altLang="en-US" dirty="0">
+              <a:latin typeface="メイリオ" panose="020B0604030504040204" pitchFamily="50" charset="-128"/>
+              <a:ea typeface="メイリオ" panose="020B0604030504040204" pitchFamily="50" charset="-128"/>
+            </a:endParaRPr>
+          </a:p>
+          <a:p>
+            <a:r>
+              <a:rPr kumimoji="1" lang="en-US" altLang="ja-JP" dirty="0">
+                <a:latin typeface="メイリオ" panose="020B0604030504040204" pitchFamily="50" charset="-128"/>
+                <a:ea typeface="メイリオ" panose="020B0604030504040204" pitchFamily="50" charset="-128"/>
+              </a:rPr>
+              <a:t>VM</a:t>
+            </a:r>
+            <a:r>
+              <a:rPr kumimoji="1" lang="ja-JP" altLang="en-US" dirty="0">
+                <a:latin typeface="メイリオ" panose="020B0604030504040204" pitchFamily="50" charset="-128"/>
+                <a:ea typeface="メイリオ" panose="020B0604030504040204" pitchFamily="50" charset="-128"/>
+              </a:rPr>
+              <a:t>はリソースの消費は大きいが、自由度が高い。</a:t>
+            </a:r>
+          </a:p>
+          <a:p>
+            <a:r>
+              <a:rPr kumimoji="1" lang="ja-JP" altLang="en-US" dirty="0">
+                <a:latin typeface="メイリオ" panose="020B0604030504040204" pitchFamily="50" charset="-128"/>
+                <a:ea typeface="メイリオ" panose="020B0604030504040204" pitchFamily="50" charset="-128"/>
+              </a:rPr>
+              <a:t>対してコンテナは、</a:t>
+            </a:r>
+            <a:r>
+              <a:rPr kumimoji="1" lang="en-US" altLang="ja-JP" dirty="0">
+                <a:latin typeface="メイリオ" panose="020B0604030504040204" pitchFamily="50" charset="-128"/>
+                <a:ea typeface="メイリオ" panose="020B0604030504040204" pitchFamily="50" charset="-128"/>
+              </a:rPr>
+              <a:t>OS</a:t>
+            </a:r>
+            <a:r>
+              <a:rPr kumimoji="1" lang="ja-JP" altLang="en-US" dirty="0">
+                <a:latin typeface="メイリオ" panose="020B0604030504040204" pitchFamily="50" charset="-128"/>
+                <a:ea typeface="メイリオ" panose="020B0604030504040204" pitchFamily="50" charset="-128"/>
+              </a:rPr>
+              <a:t>をホストと共有してしまう点では自由度は低いが、軽量で可搬性が高い。</a:t>
+            </a:r>
           </a:p>
         </p:txBody>
       </p:sp>
     </p:spTree>
     <p:extLst>
       <p:ext uri="{BB962C8B-B14F-4D97-AF65-F5344CB8AC3E}">
-        <p14:creationId xmlns:p14="http://schemas.microsoft.com/office/powerpoint/2010/main" val="1603011705"/>
+        <p14:creationId xmlns:p14="http://schemas.microsoft.com/office/powerpoint/2010/main" val="1423357064"/>
       </p:ext>
     </p:extLst>
   </p:cSld>
@@ -21145,7 +23243,14 @@
                 <a:latin typeface="HG丸ｺﾞｼｯｸM-PRO" panose="020F0600000000000000" pitchFamily="50" charset="-128"/>
                 <a:ea typeface="HG丸ｺﾞｼｯｸM-PRO" panose="020F0600000000000000" pitchFamily="50" charset="-128"/>
               </a:rPr>
-              <a:t>Docker Hub</a:t>
+              <a:t>Docker</a:t>
+            </a:r>
+            <a:r>
+              <a:rPr lang="ja-JP" altLang="en-US" dirty="0">
+                <a:latin typeface="HG丸ｺﾞｼｯｸM-PRO" panose="020F0600000000000000" pitchFamily="50" charset="-128"/>
+                <a:ea typeface="HG丸ｺﾞｼｯｸM-PRO" panose="020F0600000000000000" pitchFamily="50" charset="-128"/>
+              </a:rPr>
+              <a:t>をインストール 補足①</a:t>
             </a:r>
             <a:endParaRPr dirty="0">
               <a:latin typeface="HG丸ｺﾞｼｯｸM-PRO" panose="020F0600000000000000" pitchFamily="50" charset="-128"/>
@@ -21203,64 +23308,482 @@
       </p:sp>
       <p:sp>
         <p:nvSpPr>
-          <p:cNvPr id="5" name="Google Shape;97;p16">
+          <p:cNvPr id="13" name="テキスト ボックス 12">
             <a:extLst>
               <a:ext uri="{FF2B5EF4-FFF2-40B4-BE49-F238E27FC236}">
-                <a16:creationId xmlns:a16="http://schemas.microsoft.com/office/drawing/2014/main" id="{D3E965BD-DA8F-4E47-96B5-CFF9B4CF815A}"/>
+                <a16:creationId xmlns:a16="http://schemas.microsoft.com/office/drawing/2014/main" id="{2188D54F-6D58-4377-815E-3847BA265987}"/>
               </a:ext>
             </a:extLst>
           </p:cNvPr>
-          <p:cNvSpPr txBox="1">
-            <a:spLocks noGrp="1"/>
-          </p:cNvSpPr>
-          <p:nvPr>
-            <p:ph type="body" idx="1"/>
-          </p:nvPr>
+          <p:cNvSpPr txBox="1"/>
+          <p:nvPr/>
         </p:nvSpPr>
         <p:spPr>
           <a:xfrm>
-            <a:off x="261938" y="814388"/>
-            <a:ext cx="11758612" cy="5422900"/>
+            <a:off x="296525" y="865297"/>
+            <a:ext cx="11394732" cy="3139321"/>
           </a:xfrm>
           <a:prstGeom prst="rect">
             <a:avLst/>
           </a:prstGeom>
+          <a:noFill/>
         </p:spPr>
         <p:txBody>
-          <a:bodyPr spcFirstLastPara="1" wrap="square" lIns="91425" tIns="45700" rIns="91425" bIns="45700" anchor="t" anchorCtr="0">
-            <a:noAutofit/>
+          <a:bodyPr wrap="square" rtlCol="0">
+            <a:spAutoFit/>
           </a:bodyPr>
           <a:lstStyle/>
           <a:p>
-            <a:pPr marL="0" lvl="0" indent="0">
-              <a:spcBef>
-                <a:spcPts val="0"/>
-              </a:spcBef>
-              <a:buNone/>
-            </a:pPr>
-            <a:endParaRPr lang="en-US" altLang="ja-JP" sz="1800" dirty="0">
-              <a:latin typeface="游ゴシック" panose="020B0400000000000000" pitchFamily="50" charset="-128"/>
-              <a:ea typeface="游ゴシック" panose="020B0400000000000000" pitchFamily="50" charset="-128"/>
-            </a:endParaRPr>
+            <a:r>
+              <a:rPr kumimoji="1" lang="ja-JP" altLang="en-US" sz="1800" b="1" dirty="0">
+                <a:latin typeface="メイリオ" panose="020B0604030504040204" pitchFamily="50" charset="-128"/>
+                <a:ea typeface="メイリオ" panose="020B0604030504040204" pitchFamily="50" charset="-128"/>
+              </a:rPr>
+              <a:t>補足：</a:t>
+            </a:r>
+            <a:r>
+              <a:rPr kumimoji="1" lang="en-US" altLang="ja-JP" sz="1800" b="1" dirty="0">
+                <a:latin typeface="メイリオ" panose="020B0604030504040204" pitchFamily="50" charset="-128"/>
+                <a:ea typeface="メイリオ" panose="020B0604030504040204" pitchFamily="50" charset="-128"/>
+              </a:rPr>
+              <a:t>Docker Toolbox</a:t>
+            </a:r>
           </a:p>
           <a:p>
-            <a:pPr marL="0" lvl="0" indent="0" algn="l" rtl="0">
-              <a:spcBef>
-                <a:spcPts val="1000"/>
-              </a:spcBef>
-              <a:spcAft>
-                <a:spcPts val="0"/>
-              </a:spcAft>
-              <a:buNone/>
-            </a:pPr>
-            <a:endParaRPr dirty="0"/>
+            <a:r>
+              <a:rPr kumimoji="1" lang="en-US" altLang="ja-JP" sz="1800" dirty="0" err="1">
+                <a:latin typeface="メイリオ" panose="020B0604030504040204" pitchFamily="50" charset="-128"/>
+                <a:ea typeface="メイリオ" panose="020B0604030504040204" pitchFamily="50" charset="-128"/>
+              </a:rPr>
+              <a:t>DockerforWindows</a:t>
+            </a:r>
+            <a:r>
+              <a:rPr kumimoji="1" lang="ja-JP" altLang="en-US" sz="1800" dirty="0">
+                <a:latin typeface="メイリオ" panose="020B0604030504040204" pitchFamily="50" charset="-128"/>
+                <a:ea typeface="メイリオ" panose="020B0604030504040204" pitchFamily="50" charset="-128"/>
+              </a:rPr>
+              <a:t>は環境によってはインストールにかなり苦戦することがあります。</a:t>
+            </a:r>
+          </a:p>
+          <a:p>
+            <a:r>
+              <a:rPr kumimoji="1" lang="ja-JP" altLang="en-US" sz="1800" dirty="0">
+                <a:latin typeface="メイリオ" panose="020B0604030504040204" pitchFamily="50" charset="-128"/>
+                <a:ea typeface="メイリオ" panose="020B0604030504040204" pitchFamily="50" charset="-128"/>
+              </a:rPr>
+              <a:t>その場合は</a:t>
+            </a:r>
+            <a:r>
+              <a:rPr kumimoji="1" lang="en-US" altLang="ja-JP" sz="1800" dirty="0" err="1">
+                <a:latin typeface="メイリオ" panose="020B0604030504040204" pitchFamily="50" charset="-128"/>
+                <a:ea typeface="メイリオ" panose="020B0604030504040204" pitchFamily="50" charset="-128"/>
+              </a:rPr>
+              <a:t>DockerToolbox</a:t>
+            </a:r>
+            <a:r>
+              <a:rPr kumimoji="1" lang="ja-JP" altLang="en-US" sz="1800" dirty="0">
+                <a:latin typeface="メイリオ" panose="020B0604030504040204" pitchFamily="50" charset="-128"/>
+                <a:ea typeface="メイリオ" panose="020B0604030504040204" pitchFamily="50" charset="-128"/>
+              </a:rPr>
+              <a:t>の利用をおすすめします。</a:t>
+            </a:r>
+            <a:r>
+              <a:rPr kumimoji="1" lang="en-US" altLang="ja-JP" sz="1800" dirty="0" err="1">
+                <a:latin typeface="メイリオ" panose="020B0604030504040204" pitchFamily="50" charset="-128"/>
+                <a:ea typeface="メイリオ" panose="020B0604030504040204" pitchFamily="50" charset="-128"/>
+              </a:rPr>
+              <a:t>DockerToolbox</a:t>
+            </a:r>
+            <a:r>
+              <a:rPr kumimoji="1" lang="ja-JP" altLang="en-US" sz="1800" dirty="0">
+                <a:latin typeface="メイリオ" panose="020B0604030504040204" pitchFamily="50" charset="-128"/>
+                <a:ea typeface="メイリオ" panose="020B0604030504040204" pitchFamily="50" charset="-128"/>
+              </a:rPr>
+              <a:t>は</a:t>
+            </a:r>
+            <a:r>
+              <a:rPr kumimoji="1" lang="en-US" altLang="ja-JP" sz="1800" dirty="0">
+                <a:latin typeface="メイリオ" panose="020B0604030504040204" pitchFamily="50" charset="-128"/>
+                <a:ea typeface="メイリオ" panose="020B0604030504040204" pitchFamily="50" charset="-128"/>
+              </a:rPr>
+              <a:t>VirtualBox</a:t>
+            </a:r>
+            <a:r>
+              <a:rPr kumimoji="1" lang="ja-JP" altLang="en-US" sz="1800" dirty="0">
+                <a:latin typeface="メイリオ" panose="020B0604030504040204" pitchFamily="50" charset="-128"/>
+                <a:ea typeface="メイリオ" panose="020B0604030504040204" pitchFamily="50" charset="-128"/>
+              </a:rPr>
+              <a:t>でゲスト</a:t>
+            </a:r>
+            <a:r>
+              <a:rPr kumimoji="1" lang="en-US" altLang="ja-JP" sz="1800" dirty="0">
+                <a:latin typeface="メイリオ" panose="020B0604030504040204" pitchFamily="50" charset="-128"/>
+                <a:ea typeface="メイリオ" panose="020B0604030504040204" pitchFamily="50" charset="-128"/>
+              </a:rPr>
+              <a:t>OS</a:t>
+            </a:r>
+            <a:r>
+              <a:rPr kumimoji="1" lang="ja-JP" altLang="en-US" sz="1800" dirty="0">
+                <a:latin typeface="メイリオ" panose="020B0604030504040204" pitchFamily="50" charset="-128"/>
+                <a:ea typeface="メイリオ" panose="020B0604030504040204" pitchFamily="50" charset="-128"/>
+              </a:rPr>
+              <a:t>を構築し、</a:t>
+            </a:r>
+          </a:p>
+          <a:p>
+            <a:r>
+              <a:rPr kumimoji="1" lang="ja-JP" altLang="en-US" sz="1800" dirty="0">
+                <a:latin typeface="メイリオ" panose="020B0604030504040204" pitchFamily="50" charset="-128"/>
+                <a:ea typeface="メイリオ" panose="020B0604030504040204" pitchFamily="50" charset="-128"/>
+              </a:rPr>
+              <a:t>その上に</a:t>
+            </a:r>
+            <a:r>
+              <a:rPr kumimoji="1" lang="en-US" altLang="ja-JP" sz="1800" dirty="0">
+                <a:latin typeface="メイリオ" panose="020B0604030504040204" pitchFamily="50" charset="-128"/>
+                <a:ea typeface="メイリオ" panose="020B0604030504040204" pitchFamily="50" charset="-128"/>
+              </a:rPr>
+              <a:t>Docker</a:t>
+            </a:r>
+            <a:r>
+              <a:rPr kumimoji="1" lang="ja-JP" altLang="en-US" sz="1800" dirty="0">
+                <a:latin typeface="メイリオ" panose="020B0604030504040204" pitchFamily="50" charset="-128"/>
+                <a:ea typeface="メイリオ" panose="020B0604030504040204" pitchFamily="50" charset="-128"/>
+              </a:rPr>
+              <a:t>を構築するためリソース面では</a:t>
+            </a:r>
+            <a:r>
+              <a:rPr kumimoji="1" lang="en-US" altLang="ja-JP" sz="1800" dirty="0" err="1">
+                <a:latin typeface="メイリオ" panose="020B0604030504040204" pitchFamily="50" charset="-128"/>
+                <a:ea typeface="メイリオ" panose="020B0604030504040204" pitchFamily="50" charset="-128"/>
+              </a:rPr>
+              <a:t>DockerforWindows</a:t>
+            </a:r>
+            <a:r>
+              <a:rPr kumimoji="1" lang="en-US" altLang="ja-JP" sz="1800" dirty="0">
+                <a:latin typeface="メイリオ" panose="020B0604030504040204" pitchFamily="50" charset="-128"/>
+                <a:ea typeface="メイリオ" panose="020B0604030504040204" pitchFamily="50" charset="-128"/>
+              </a:rPr>
+              <a:t>/Mac</a:t>
+            </a:r>
+            <a:r>
+              <a:rPr kumimoji="1" lang="ja-JP" altLang="en-US" sz="1800" dirty="0">
+                <a:latin typeface="メイリオ" panose="020B0604030504040204" pitchFamily="50" charset="-128"/>
+                <a:ea typeface="メイリオ" panose="020B0604030504040204" pitchFamily="50" charset="-128"/>
+              </a:rPr>
+              <a:t>より不利ですが、ホスト</a:t>
+            </a:r>
+            <a:r>
+              <a:rPr kumimoji="1" lang="en-US" altLang="ja-JP" sz="1800" dirty="0">
+                <a:latin typeface="メイリオ" panose="020B0604030504040204" pitchFamily="50" charset="-128"/>
+                <a:ea typeface="メイリオ" panose="020B0604030504040204" pitchFamily="50" charset="-128"/>
+              </a:rPr>
+              <a:t>OS</a:t>
+            </a:r>
+            <a:r>
+              <a:rPr kumimoji="1" lang="ja-JP" altLang="en-US" sz="1800" dirty="0">
+                <a:latin typeface="メイリオ" panose="020B0604030504040204" pitchFamily="50" charset="-128"/>
+                <a:ea typeface="メイリオ" panose="020B0604030504040204" pitchFamily="50" charset="-128"/>
+              </a:rPr>
+              <a:t>とリソースを共有しない分、環境構築のトラブルは起こりにくいのです。</a:t>
+            </a:r>
+          </a:p>
+          <a:p>
+            <a:r>
+              <a:rPr kumimoji="1" lang="en-US" altLang="ja-JP" sz="1800" dirty="0" err="1">
+                <a:latin typeface="メイリオ" panose="020B0604030504040204" pitchFamily="50" charset="-128"/>
+                <a:ea typeface="メイリオ" panose="020B0604030504040204" pitchFamily="50" charset="-128"/>
+              </a:rPr>
+              <a:t>DockerToolbox</a:t>
+            </a:r>
+            <a:r>
+              <a:rPr kumimoji="1" lang="ja-JP" altLang="en-US" sz="1800" dirty="0">
+                <a:latin typeface="メイリオ" panose="020B0604030504040204" pitchFamily="50" charset="-128"/>
+                <a:ea typeface="メイリオ" panose="020B0604030504040204" pitchFamily="50" charset="-128"/>
+              </a:rPr>
+              <a:t>は</a:t>
+            </a:r>
+            <a:r>
+              <a:rPr kumimoji="1" lang="en-US" altLang="ja-JP" sz="1800" dirty="0">
+                <a:latin typeface="メイリオ" panose="020B0604030504040204" pitchFamily="50" charset="-128"/>
+                <a:ea typeface="メイリオ" panose="020B0604030504040204" pitchFamily="50" charset="-128"/>
+              </a:rPr>
+              <a:t>VirtualBox</a:t>
+            </a:r>
+            <a:r>
+              <a:rPr kumimoji="1" lang="ja-JP" altLang="en-US" sz="1800" dirty="0">
+                <a:latin typeface="メイリオ" panose="020B0604030504040204" pitchFamily="50" charset="-128"/>
+                <a:ea typeface="メイリオ" panose="020B0604030504040204" pitchFamily="50" charset="-128"/>
+              </a:rPr>
+              <a:t>を必要とするため、「</a:t>
+            </a:r>
+            <a:r>
+              <a:rPr kumimoji="1" lang="en-US" altLang="ja-JP" sz="1800" dirty="0" err="1">
+                <a:latin typeface="メイリオ" panose="020B0604030504040204" pitchFamily="50" charset="-128"/>
+                <a:ea typeface="メイリオ" panose="020B0604030504040204" pitchFamily="50" charset="-128"/>
+              </a:rPr>
+              <a:t>DockerforWindows</a:t>
+            </a:r>
+            <a:r>
+              <a:rPr kumimoji="1" lang="ja-JP" altLang="en-US" sz="1800" dirty="0">
+                <a:latin typeface="メイリオ" panose="020B0604030504040204" pitchFamily="50" charset="-128"/>
+                <a:ea typeface="メイリオ" panose="020B0604030504040204" pitchFamily="50" charset="-128"/>
+              </a:rPr>
+              <a:t>のインストール」のときと同様にマシンの</a:t>
+            </a:r>
+            <a:r>
+              <a:rPr kumimoji="1" lang="en-US" altLang="ja-JP" sz="1800" dirty="0">
+                <a:latin typeface="メイリオ" panose="020B0604030504040204" pitchFamily="50" charset="-128"/>
+                <a:ea typeface="メイリオ" panose="020B0604030504040204" pitchFamily="50" charset="-128"/>
+              </a:rPr>
+              <a:t>BIOS</a:t>
+            </a:r>
+            <a:r>
+              <a:rPr kumimoji="1" lang="ja-JP" altLang="en-US" sz="1800" dirty="0">
+                <a:latin typeface="メイリオ" panose="020B0604030504040204" pitchFamily="50" charset="-128"/>
+                <a:ea typeface="メイリオ" panose="020B0604030504040204" pitchFamily="50" charset="-128"/>
+              </a:rPr>
+              <a:t>の設定で仮想化が有効になっている必要があります。</a:t>
+            </a:r>
+          </a:p>
+          <a:p>
+            <a:r>
+              <a:rPr kumimoji="1" lang="ja-JP" altLang="en-US" sz="1800" dirty="0">
+                <a:latin typeface="メイリオ" panose="020B0604030504040204" pitchFamily="50" charset="-128"/>
+                <a:ea typeface="メイリオ" panose="020B0604030504040204" pitchFamily="50" charset="-128"/>
+              </a:rPr>
+              <a:t>また、</a:t>
+            </a:r>
+            <a:r>
+              <a:rPr kumimoji="1" lang="en-US" altLang="ja-JP" sz="1800" u="sng" dirty="0">
+                <a:latin typeface="メイリオ" panose="020B0604030504040204" pitchFamily="50" charset="-128"/>
+                <a:ea typeface="メイリオ" panose="020B0604030504040204" pitchFamily="50" charset="-128"/>
+              </a:rPr>
+              <a:t>VirtualBox</a:t>
+            </a:r>
+            <a:r>
+              <a:rPr kumimoji="1" lang="ja-JP" altLang="en-US" sz="1800" u="sng" dirty="0">
+                <a:latin typeface="メイリオ" panose="020B0604030504040204" pitchFamily="50" charset="-128"/>
+                <a:ea typeface="メイリオ" panose="020B0604030504040204" pitchFamily="50" charset="-128"/>
+              </a:rPr>
+              <a:t>と</a:t>
+            </a:r>
+            <a:r>
+              <a:rPr kumimoji="1" lang="en-US" altLang="ja-JP" sz="1800" u="sng" dirty="0">
+                <a:latin typeface="メイリオ" panose="020B0604030504040204" pitchFamily="50" charset="-128"/>
+                <a:ea typeface="メイリオ" panose="020B0604030504040204" pitchFamily="50" charset="-128"/>
+              </a:rPr>
+              <a:t>Hyper-V</a:t>
+            </a:r>
+            <a:r>
+              <a:rPr kumimoji="1" lang="ja-JP" altLang="en-US" sz="1800" u="sng" dirty="0">
+                <a:latin typeface="メイリオ" panose="020B0604030504040204" pitchFamily="50" charset="-128"/>
+                <a:ea typeface="メイリオ" panose="020B0604030504040204" pitchFamily="50" charset="-128"/>
+              </a:rPr>
+              <a:t>を同時に実行することはできない</a:t>
+            </a:r>
+            <a:r>
+              <a:rPr kumimoji="1" lang="ja-JP" altLang="en-US" sz="1800" dirty="0">
+                <a:latin typeface="メイリオ" panose="020B0604030504040204" pitchFamily="50" charset="-128"/>
+                <a:ea typeface="メイリオ" panose="020B0604030504040204" pitchFamily="50" charset="-128"/>
+              </a:rPr>
+              <a:t>ので、</a:t>
+            </a:r>
+            <a:r>
+              <a:rPr kumimoji="1" lang="en-US" altLang="ja-JP" sz="1800" dirty="0">
+                <a:latin typeface="メイリオ" panose="020B0604030504040204" pitchFamily="50" charset="-128"/>
+                <a:ea typeface="メイリオ" panose="020B0604030504040204" pitchFamily="50" charset="-128"/>
+              </a:rPr>
+              <a:t>Hyper-V</a:t>
+            </a:r>
+            <a:r>
+              <a:rPr kumimoji="1" lang="ja-JP" altLang="en-US" sz="1800" dirty="0">
+                <a:latin typeface="メイリオ" panose="020B0604030504040204" pitchFamily="50" charset="-128"/>
+                <a:ea typeface="メイリオ" panose="020B0604030504040204" pitchFamily="50" charset="-128"/>
+              </a:rPr>
+              <a:t>が有効になっている場合、</a:t>
+            </a:r>
+          </a:p>
+          <a:p>
+            <a:r>
+              <a:rPr kumimoji="1" lang="ja-JP" altLang="en-US" sz="1800" dirty="0">
+                <a:latin typeface="メイリオ" panose="020B0604030504040204" pitchFamily="50" charset="-128"/>
+                <a:ea typeface="メイリオ" panose="020B0604030504040204" pitchFamily="50" charset="-128"/>
+              </a:rPr>
+              <a:t>「コントロールパネル」</a:t>
+            </a:r>
+            <a:r>
+              <a:rPr kumimoji="1" lang="en-US" altLang="ja-JP" sz="1800" dirty="0">
+                <a:latin typeface="メイリオ" panose="020B0604030504040204" pitchFamily="50" charset="-128"/>
+                <a:ea typeface="メイリオ" panose="020B0604030504040204" pitchFamily="50" charset="-128"/>
+              </a:rPr>
+              <a:t>-&gt;</a:t>
+            </a:r>
+            <a:r>
+              <a:rPr kumimoji="1" lang="ja-JP" altLang="en-US" sz="1800" dirty="0">
+                <a:latin typeface="メイリオ" panose="020B0604030504040204" pitchFamily="50" charset="-128"/>
+                <a:ea typeface="メイリオ" panose="020B0604030504040204" pitchFamily="50" charset="-128"/>
+              </a:rPr>
+              <a:t>「プログラム」</a:t>
+            </a:r>
+            <a:r>
+              <a:rPr kumimoji="1" lang="en-US" altLang="ja-JP" sz="1800" dirty="0">
+                <a:latin typeface="メイリオ" panose="020B0604030504040204" pitchFamily="50" charset="-128"/>
+                <a:ea typeface="メイリオ" panose="020B0604030504040204" pitchFamily="50" charset="-128"/>
+              </a:rPr>
+              <a:t>-&gt;</a:t>
+            </a:r>
+            <a:r>
+              <a:rPr kumimoji="1" lang="ja-JP" altLang="en-US" sz="1800" dirty="0">
+                <a:latin typeface="メイリオ" panose="020B0604030504040204" pitchFamily="50" charset="-128"/>
+                <a:ea typeface="メイリオ" panose="020B0604030504040204" pitchFamily="50" charset="-128"/>
+              </a:rPr>
+              <a:t>「</a:t>
+            </a:r>
+            <a:r>
+              <a:rPr kumimoji="1" lang="en-US" altLang="ja-JP" sz="1800" dirty="0">
+                <a:latin typeface="メイリオ" panose="020B0604030504040204" pitchFamily="50" charset="-128"/>
+                <a:ea typeface="メイリオ" panose="020B0604030504040204" pitchFamily="50" charset="-128"/>
+              </a:rPr>
+              <a:t>Windows</a:t>
+            </a:r>
+            <a:r>
+              <a:rPr kumimoji="1" lang="ja-JP" altLang="en-US" sz="1800" dirty="0">
+                <a:latin typeface="メイリオ" panose="020B0604030504040204" pitchFamily="50" charset="-128"/>
+                <a:ea typeface="メイリオ" panose="020B0604030504040204" pitchFamily="50" charset="-128"/>
+              </a:rPr>
+              <a:t>の機能の有効化または無効化」での設定で次のように無効にします。無効化の反映のために</a:t>
+            </a:r>
+            <a:r>
+              <a:rPr kumimoji="1" lang="en-US" altLang="ja-JP" sz="1800" dirty="0">
+                <a:latin typeface="メイリオ" panose="020B0604030504040204" pitchFamily="50" charset="-128"/>
+                <a:ea typeface="メイリオ" panose="020B0604030504040204" pitchFamily="50" charset="-128"/>
+              </a:rPr>
+              <a:t>Windows</a:t>
+            </a:r>
+            <a:r>
+              <a:rPr kumimoji="1" lang="ja-JP" altLang="en-US" sz="1800" dirty="0">
+                <a:latin typeface="メイリオ" panose="020B0604030504040204" pitchFamily="50" charset="-128"/>
+                <a:ea typeface="メイリオ" panose="020B0604030504040204" pitchFamily="50" charset="-128"/>
+              </a:rPr>
+              <a:t>の再起動を求められるので再起動を実行します。</a:t>
+            </a:r>
+          </a:p>
+          <a:p>
+            <a:endParaRPr kumimoji="1" lang="ja-JP" altLang="en-US" sz="1800" dirty="0">
+              <a:latin typeface="メイリオ" panose="020B0604030504040204" pitchFamily="50" charset="-128"/>
+              <a:ea typeface="メイリオ" panose="020B0604030504040204" pitchFamily="50" charset="-128"/>
+            </a:endParaRPr>
           </a:p>
         </p:txBody>
       </p:sp>
+      <p:grpSp>
+        <p:nvGrpSpPr>
+          <p:cNvPr id="5" name="グループ化 4">
+            <a:extLst>
+              <a:ext uri="{FF2B5EF4-FFF2-40B4-BE49-F238E27FC236}">
+                <a16:creationId xmlns:a16="http://schemas.microsoft.com/office/drawing/2014/main" id="{F99FD81D-0A29-43F1-B79C-550B5726CFEE}"/>
+              </a:ext>
+            </a:extLst>
+          </p:cNvPr>
+          <p:cNvGrpSpPr/>
+          <p:nvPr/>
+        </p:nvGrpSpPr>
+        <p:grpSpPr>
+          <a:xfrm>
+            <a:off x="417823" y="3741575"/>
+            <a:ext cx="2783633" cy="2439832"/>
+            <a:chOff x="643926" y="3620276"/>
+            <a:chExt cx="2946041" cy="2617115"/>
+          </a:xfrm>
+        </p:grpSpPr>
+        <p:pic>
+          <p:nvPicPr>
+            <p:cNvPr id="3" name="図 2">
+              <a:extLst>
+                <a:ext uri="{FF2B5EF4-FFF2-40B4-BE49-F238E27FC236}">
+                  <a16:creationId xmlns:a16="http://schemas.microsoft.com/office/drawing/2014/main" id="{2BE1D745-A323-4A20-9F64-545823D4B4CA}"/>
+                </a:ext>
+              </a:extLst>
+            </p:cNvPr>
+            <p:cNvPicPr>
+              <a:picLocks noChangeAspect="1"/>
+            </p:cNvPicPr>
+            <p:nvPr/>
+          </p:nvPicPr>
+          <p:blipFill>
+            <a:blip r:embed="rId3"/>
+            <a:stretch>
+              <a:fillRect/>
+            </a:stretch>
+          </p:blipFill>
+          <p:spPr>
+            <a:xfrm>
+              <a:off x="643926" y="3620276"/>
+              <a:ext cx="2946041" cy="2617115"/>
+            </a:xfrm>
+            <a:prstGeom prst="rect">
+              <a:avLst/>
+            </a:prstGeom>
+          </p:spPr>
+        </p:pic>
+        <p:sp>
+          <p:nvSpPr>
+            <p:cNvPr id="9" name="正方形/長方形 8">
+              <a:extLst>
+                <a:ext uri="{FF2B5EF4-FFF2-40B4-BE49-F238E27FC236}">
+                  <a16:creationId xmlns:a16="http://schemas.microsoft.com/office/drawing/2014/main" id="{A4BB8E9A-B502-490C-AF98-21A5B2B1F13E}"/>
+                </a:ext>
+              </a:extLst>
+            </p:cNvPr>
+            <p:cNvSpPr/>
+            <p:nvPr/>
+          </p:nvSpPr>
+          <p:spPr>
+            <a:xfrm>
+              <a:off x="722660" y="5140526"/>
+              <a:ext cx="1859188" cy="439180"/>
+            </a:xfrm>
+            <a:prstGeom prst="rect">
+              <a:avLst/>
+            </a:prstGeom>
+            <a:noFill/>
+            <a:ln>
+              <a:solidFill>
+                <a:srgbClr val="FF0000"/>
+              </a:solidFill>
+            </a:ln>
+          </p:spPr>
+          <p:style>
+            <a:lnRef idx="2">
+              <a:schemeClr val="accent1">
+                <a:shade val="50000"/>
+              </a:schemeClr>
+            </a:lnRef>
+            <a:fillRef idx="1">
+              <a:schemeClr val="accent1"/>
+            </a:fillRef>
+            <a:effectRef idx="0">
+              <a:schemeClr val="accent1"/>
+            </a:effectRef>
+            <a:fontRef idx="minor">
+              <a:schemeClr val="lt1"/>
+            </a:fontRef>
+          </p:style>
+          <p:txBody>
+            <a:bodyPr rtlCol="0" anchor="ctr"/>
+            <a:lstStyle/>
+            <a:p>
+              <a:pPr algn="ctr"/>
+              <a:endParaRPr kumimoji="1" lang="ja-JP" altLang="en-US"/>
+            </a:p>
+          </p:txBody>
+        </p:sp>
+      </p:grpSp>
     </p:spTree>
     <p:extLst>
       <p:ext uri="{BB962C8B-B14F-4D97-AF65-F5344CB8AC3E}">
-        <p14:creationId xmlns:p14="http://schemas.microsoft.com/office/powerpoint/2010/main" val="2508204213"/>
+        <p14:creationId xmlns:p14="http://schemas.microsoft.com/office/powerpoint/2010/main" val="196412385"/>
       </p:ext>
     </p:extLst>
   </p:cSld>
@@ -21636,11 +24159,18 @@
           <a:lstStyle/>
           <a:p>
             <a:r>
+              <a:rPr lang="en-US" dirty="0">
+                <a:latin typeface="HG丸ｺﾞｼｯｸM-PRO" panose="020F0600000000000000" pitchFamily="50" charset="-128"/>
+                <a:ea typeface="HG丸ｺﾞｼｯｸM-PRO" panose="020F0600000000000000" pitchFamily="50" charset="-128"/>
+              </a:rPr>
+              <a:t>Docker</a:t>
+            </a:r>
+            <a:r>
               <a:rPr lang="ja-JP" altLang="en-US" dirty="0">
                 <a:latin typeface="HG丸ｺﾞｼｯｸM-PRO" panose="020F0600000000000000" pitchFamily="50" charset="-128"/>
                 <a:ea typeface="HG丸ｺﾞｼｯｸM-PRO" panose="020F0600000000000000" pitchFamily="50" charset="-128"/>
               </a:rPr>
-              <a:t>よく使われるコマンド・オプション一覧</a:t>
+              <a:t>をインストール 補足②</a:t>
             </a:r>
             <a:endParaRPr dirty="0">
               <a:latin typeface="HG丸ｺﾞｼｯｸM-PRO" panose="020F0600000000000000" pitchFamily="50" charset="-128"/>
@@ -21691,6 +24221,966 @@
             <a:fld id="{00000000-1234-1234-1234-123412341234}" type="slidenum">
               <a:rPr lang="en-US" altLang="ja-JP"/>
               <a:t>20</a:t>
+            </a:fld>
+            <a:endParaRPr/>
+          </a:p>
+        </p:txBody>
+      </p:sp>
+      <p:sp>
+        <p:nvSpPr>
+          <p:cNvPr id="11" name="テキスト ボックス 10">
+            <a:extLst>
+              <a:ext uri="{FF2B5EF4-FFF2-40B4-BE49-F238E27FC236}">
+                <a16:creationId xmlns:a16="http://schemas.microsoft.com/office/drawing/2014/main" id="{46C10A19-DC69-4829-A670-3215902D023E}"/>
+              </a:ext>
+            </a:extLst>
+          </p:cNvPr>
+          <p:cNvSpPr txBox="1"/>
+          <p:nvPr/>
+        </p:nvSpPr>
+        <p:spPr>
+          <a:xfrm>
+            <a:off x="296525" y="897722"/>
+            <a:ext cx="10423321" cy="2862322"/>
+          </a:xfrm>
+          <a:prstGeom prst="rect">
+            <a:avLst/>
+          </a:prstGeom>
+          <a:noFill/>
+        </p:spPr>
+        <p:txBody>
+          <a:bodyPr wrap="square" rtlCol="0">
+            <a:spAutoFit/>
+          </a:bodyPr>
+          <a:lstStyle/>
+          <a:p>
+            <a:r>
+              <a:rPr kumimoji="1" lang="ja-JP" altLang="en-US" sz="1800" dirty="0">
+                <a:latin typeface="メイリオ" panose="020B0604030504040204" pitchFamily="50" charset="-128"/>
+                <a:ea typeface="メイリオ" panose="020B0604030504040204" pitchFamily="50" charset="-128"/>
+              </a:rPr>
+              <a:t>下記の</a:t>
+            </a:r>
+            <a:r>
+              <a:rPr kumimoji="1" lang="en-US" altLang="ja-JP" sz="1800" dirty="0" err="1">
+                <a:latin typeface="メイリオ" panose="020B0604030504040204" pitchFamily="50" charset="-128"/>
+                <a:ea typeface="メイリオ" panose="020B0604030504040204" pitchFamily="50" charset="-128"/>
+              </a:rPr>
+              <a:t>DockerToolbox</a:t>
+            </a:r>
+            <a:r>
+              <a:rPr kumimoji="1" lang="ja-JP" altLang="en-US" sz="1800" dirty="0">
+                <a:latin typeface="メイリオ" panose="020B0604030504040204" pitchFamily="50" charset="-128"/>
+                <a:ea typeface="メイリオ" panose="020B0604030504040204" pitchFamily="50" charset="-128"/>
+              </a:rPr>
+              <a:t>の公式ドキュメントページから</a:t>
+            </a:r>
+            <a:r>
+              <a:rPr kumimoji="1" lang="en-US" altLang="ja-JP" sz="1800" dirty="0" err="1">
+                <a:latin typeface="メイリオ" panose="020B0604030504040204" pitchFamily="50" charset="-128"/>
+                <a:ea typeface="メイリオ" panose="020B0604030504040204" pitchFamily="50" charset="-128"/>
+              </a:rPr>
+              <a:t>DockerToolbox</a:t>
+            </a:r>
+            <a:r>
+              <a:rPr kumimoji="1" lang="ja-JP" altLang="en-US" sz="1800" dirty="0">
+                <a:latin typeface="メイリオ" panose="020B0604030504040204" pitchFamily="50" charset="-128"/>
+                <a:ea typeface="メイリオ" panose="020B0604030504040204" pitchFamily="50" charset="-128"/>
+              </a:rPr>
+              <a:t>をダウンロードしてインストールします。</a:t>
+            </a:r>
+            <a:endParaRPr kumimoji="1" lang="en-US" altLang="ja-JP" sz="1800" dirty="0">
+              <a:latin typeface="メイリオ" panose="020B0604030504040204" pitchFamily="50" charset="-128"/>
+              <a:ea typeface="メイリオ" panose="020B0604030504040204" pitchFamily="50" charset="-128"/>
+            </a:endParaRPr>
+          </a:p>
+          <a:p>
+            <a:r>
+              <a:rPr lang="en-US" altLang="ja-JP" sz="1800" dirty="0">
+                <a:hlinkClick r:id="rId3"/>
+              </a:rPr>
+              <a:t>https://docs.docker.com/toolbox/toolbox_install_windows/</a:t>
+            </a:r>
+            <a:endParaRPr lang="en-US" altLang="ja-JP" sz="1800" dirty="0"/>
+          </a:p>
+          <a:p>
+            <a:endParaRPr kumimoji="1" lang="en-US" altLang="ja-JP" sz="1800" dirty="0">
+              <a:latin typeface="メイリオ" panose="020B0604030504040204" pitchFamily="50" charset="-128"/>
+              <a:ea typeface="メイリオ" panose="020B0604030504040204" pitchFamily="50" charset="-128"/>
+            </a:endParaRPr>
+          </a:p>
+          <a:p>
+            <a:r>
+              <a:rPr kumimoji="1" lang="ja-JP" altLang="en-US" sz="1800" dirty="0">
+                <a:latin typeface="メイリオ" panose="020B0604030504040204" pitchFamily="50" charset="-128"/>
+                <a:ea typeface="メイリオ" panose="020B0604030504040204" pitchFamily="50" charset="-128"/>
+              </a:rPr>
+              <a:t>基本的にウィザードの通りに進めていけば良いですが、「</a:t>
+            </a:r>
+            <a:r>
+              <a:rPr kumimoji="1" lang="en-US" altLang="ja-JP" sz="1800" dirty="0" err="1">
+                <a:latin typeface="メイリオ" panose="020B0604030504040204" pitchFamily="50" charset="-128"/>
+                <a:ea typeface="メイリオ" panose="020B0604030504040204" pitchFamily="50" charset="-128"/>
+              </a:rPr>
+              <a:t>SelectAdditionalTasks</a:t>
+            </a:r>
+            <a:r>
+              <a:rPr kumimoji="1" lang="ja-JP" altLang="en-US" sz="1800" dirty="0">
+                <a:latin typeface="メイリオ" panose="020B0604030504040204" pitchFamily="50" charset="-128"/>
+                <a:ea typeface="メイリオ" panose="020B0604030504040204" pitchFamily="50" charset="-128"/>
+              </a:rPr>
+              <a:t>」においては</a:t>
+            </a:r>
+            <a:r>
+              <a:rPr kumimoji="1" lang="en-US" altLang="ja-JP" sz="1800" dirty="0">
+                <a:latin typeface="メイリオ" panose="020B0604030504040204" pitchFamily="50" charset="-128"/>
+                <a:ea typeface="メイリオ" panose="020B0604030504040204" pitchFamily="50" charset="-128"/>
+              </a:rPr>
+              <a:t>InstallVirtualBoxwithNDIS5driver[defaultNDIS6]</a:t>
+            </a:r>
+            <a:r>
+              <a:rPr kumimoji="1" lang="ja-JP" altLang="en-US" sz="1800" dirty="0">
+                <a:latin typeface="メイリオ" panose="020B0604030504040204" pitchFamily="50" charset="-128"/>
+                <a:ea typeface="メイリオ" panose="020B0604030504040204" pitchFamily="50" charset="-128"/>
+              </a:rPr>
+              <a:t>にチェックを入れる必要があります。インストールが完了したら、</a:t>
+            </a:r>
+            <a:r>
+              <a:rPr kumimoji="1" lang="en-US" altLang="ja-JP" sz="1800" dirty="0" err="1">
+                <a:latin typeface="メイリオ" panose="020B0604030504040204" pitchFamily="50" charset="-128"/>
+                <a:ea typeface="メイリオ" panose="020B0604030504040204" pitchFamily="50" charset="-128"/>
+              </a:rPr>
+              <a:t>DockerQuickstartTerminal</a:t>
+            </a:r>
+            <a:r>
+              <a:rPr kumimoji="1" lang="ja-JP" altLang="en-US" sz="1800" dirty="0">
+                <a:latin typeface="メイリオ" panose="020B0604030504040204" pitchFamily="50" charset="-128"/>
+                <a:ea typeface="メイリオ" panose="020B0604030504040204" pitchFamily="50" charset="-128"/>
+              </a:rPr>
+              <a:t>のアイコンをクリックして</a:t>
+            </a:r>
+            <a:r>
+              <a:rPr kumimoji="1" lang="en-US" altLang="ja-JP" sz="1800" dirty="0">
+                <a:latin typeface="メイリオ" panose="020B0604030504040204" pitchFamily="50" charset="-128"/>
+                <a:ea typeface="メイリオ" panose="020B0604030504040204" pitchFamily="50" charset="-128"/>
+              </a:rPr>
+              <a:t>Docker</a:t>
+            </a:r>
+            <a:r>
+              <a:rPr kumimoji="1" lang="ja-JP" altLang="en-US" sz="1800" dirty="0">
+                <a:latin typeface="メイリオ" panose="020B0604030504040204" pitchFamily="50" charset="-128"/>
+                <a:ea typeface="メイリオ" panose="020B0604030504040204" pitchFamily="50" charset="-128"/>
+              </a:rPr>
+              <a:t>環境を実行します。程なくしてターミナル起動しますが、初回実行時は</a:t>
+            </a:r>
+            <a:r>
+              <a:rPr kumimoji="1" lang="en-US" altLang="ja-JP" sz="1800" dirty="0">
+                <a:latin typeface="メイリオ" panose="020B0604030504040204" pitchFamily="50" charset="-128"/>
+                <a:ea typeface="メイリオ" panose="020B0604030504040204" pitchFamily="50" charset="-128"/>
+              </a:rPr>
+              <a:t>VirtualBox</a:t>
+            </a:r>
+            <a:r>
+              <a:rPr kumimoji="1" lang="ja-JP" altLang="en-US" sz="1800" dirty="0">
+                <a:latin typeface="メイリオ" panose="020B0604030504040204" pitchFamily="50" charset="-128"/>
+                <a:ea typeface="メイリオ" panose="020B0604030504040204" pitchFamily="50" charset="-128"/>
+              </a:rPr>
+              <a:t>上の仮想環境に</a:t>
+            </a:r>
+            <a:r>
+              <a:rPr kumimoji="1" lang="en-US" altLang="ja-JP" sz="1800" dirty="0">
+                <a:latin typeface="メイリオ" panose="020B0604030504040204" pitchFamily="50" charset="-128"/>
+                <a:ea typeface="メイリオ" panose="020B0604030504040204" pitchFamily="50" charset="-128"/>
+              </a:rPr>
+              <a:t>Docker</a:t>
+            </a:r>
+            <a:r>
+              <a:rPr kumimoji="1" lang="ja-JP" altLang="en-US" sz="1800" dirty="0">
+                <a:latin typeface="メイリオ" panose="020B0604030504040204" pitchFamily="50" charset="-128"/>
+                <a:ea typeface="メイリオ" panose="020B0604030504040204" pitchFamily="50" charset="-128"/>
+              </a:rPr>
+              <a:t>を構築するための処理が実行されるので利用できるようになるまで数分かかります。セットアップ完了後は次のように</a:t>
+            </a:r>
+            <a:r>
+              <a:rPr kumimoji="1" lang="en-US" altLang="ja-JP" sz="1800" dirty="0">
+                <a:latin typeface="メイリオ" panose="020B0604030504040204" pitchFamily="50" charset="-128"/>
+                <a:ea typeface="メイリオ" panose="020B0604030504040204" pitchFamily="50" charset="-128"/>
+              </a:rPr>
+              <a:t>docker</a:t>
+            </a:r>
+            <a:r>
+              <a:rPr kumimoji="1" lang="ja-JP" altLang="en-US" sz="1800" dirty="0">
+                <a:latin typeface="メイリオ" panose="020B0604030504040204" pitchFamily="50" charset="-128"/>
+                <a:ea typeface="メイリオ" panose="020B0604030504040204" pitchFamily="50" charset="-128"/>
+              </a:rPr>
+              <a:t>コマンドを実行できるようになります。</a:t>
+            </a:r>
+          </a:p>
+        </p:txBody>
+      </p:sp>
+      <p:pic>
+        <p:nvPicPr>
+          <p:cNvPr id="4" name="図 3">
+            <a:extLst>
+              <a:ext uri="{FF2B5EF4-FFF2-40B4-BE49-F238E27FC236}">
+                <a16:creationId xmlns:a16="http://schemas.microsoft.com/office/drawing/2014/main" id="{6CF0DFE6-9335-4016-A81E-4BD437882099}"/>
+              </a:ext>
+            </a:extLst>
+          </p:cNvPr>
+          <p:cNvPicPr>
+            <a:picLocks noChangeAspect="1"/>
+          </p:cNvPicPr>
+          <p:nvPr/>
+        </p:nvPicPr>
+        <p:blipFill>
+          <a:blip r:embed="rId4"/>
+          <a:stretch>
+            <a:fillRect/>
+          </a:stretch>
+        </p:blipFill>
+        <p:spPr>
+          <a:xfrm>
+            <a:off x="5067031" y="3745954"/>
+            <a:ext cx="4718521" cy="2500559"/>
+          </a:xfrm>
+          <a:prstGeom prst="rect">
+            <a:avLst/>
+          </a:prstGeom>
+        </p:spPr>
+      </p:pic>
+      <p:grpSp>
+        <p:nvGrpSpPr>
+          <p:cNvPr id="6" name="グループ化 5">
+            <a:extLst>
+              <a:ext uri="{FF2B5EF4-FFF2-40B4-BE49-F238E27FC236}">
+                <a16:creationId xmlns:a16="http://schemas.microsoft.com/office/drawing/2014/main" id="{FC03E112-DEC7-4D99-848B-15FC3AEB71C7}"/>
+              </a:ext>
+            </a:extLst>
+          </p:cNvPr>
+          <p:cNvGrpSpPr/>
+          <p:nvPr/>
+        </p:nvGrpSpPr>
+        <p:grpSpPr>
+          <a:xfrm>
+            <a:off x="426650" y="3745954"/>
+            <a:ext cx="3221619" cy="2500559"/>
+            <a:chOff x="426650" y="3745954"/>
+            <a:chExt cx="3221619" cy="2500559"/>
+          </a:xfrm>
+        </p:grpSpPr>
+        <p:pic>
+          <p:nvPicPr>
+            <p:cNvPr id="2" name="図 1">
+              <a:extLst>
+                <a:ext uri="{FF2B5EF4-FFF2-40B4-BE49-F238E27FC236}">
+                  <a16:creationId xmlns:a16="http://schemas.microsoft.com/office/drawing/2014/main" id="{BC879562-2BD5-4A39-B115-CEB9DDA4BEBE}"/>
+                </a:ext>
+              </a:extLst>
+            </p:cNvPr>
+            <p:cNvPicPr>
+              <a:picLocks noChangeAspect="1"/>
+            </p:cNvPicPr>
+            <p:nvPr/>
+          </p:nvPicPr>
+          <p:blipFill>
+            <a:blip r:embed="rId5"/>
+            <a:stretch>
+              <a:fillRect/>
+            </a:stretch>
+          </p:blipFill>
+          <p:spPr>
+            <a:xfrm>
+              <a:off x="426650" y="3745954"/>
+              <a:ext cx="3221619" cy="2500559"/>
+            </a:xfrm>
+            <a:prstGeom prst="rect">
+              <a:avLst/>
+            </a:prstGeom>
+          </p:spPr>
+        </p:pic>
+        <p:sp>
+          <p:nvSpPr>
+            <p:cNvPr id="12" name="正方形/長方形 11">
+              <a:extLst>
+                <a:ext uri="{FF2B5EF4-FFF2-40B4-BE49-F238E27FC236}">
+                  <a16:creationId xmlns:a16="http://schemas.microsoft.com/office/drawing/2014/main" id="{29A96FBC-C19C-46C3-8D23-C50A695EB239}"/>
+                </a:ext>
+              </a:extLst>
+            </p:cNvPr>
+            <p:cNvSpPr/>
+            <p:nvPr/>
+          </p:nvSpPr>
+          <p:spPr>
+            <a:xfrm>
+              <a:off x="656169" y="4996233"/>
+              <a:ext cx="1825774" cy="262722"/>
+            </a:xfrm>
+            <a:prstGeom prst="rect">
+              <a:avLst/>
+            </a:prstGeom>
+            <a:noFill/>
+            <a:ln>
+              <a:solidFill>
+                <a:srgbClr val="FF0000"/>
+              </a:solidFill>
+            </a:ln>
+          </p:spPr>
+          <p:style>
+            <a:lnRef idx="2">
+              <a:schemeClr val="accent1">
+                <a:shade val="50000"/>
+              </a:schemeClr>
+            </a:lnRef>
+            <a:fillRef idx="1">
+              <a:schemeClr val="accent1"/>
+            </a:fillRef>
+            <a:effectRef idx="0">
+              <a:schemeClr val="accent1"/>
+            </a:effectRef>
+            <a:fontRef idx="minor">
+              <a:schemeClr val="lt1"/>
+            </a:fontRef>
+          </p:style>
+          <p:txBody>
+            <a:bodyPr rtlCol="0" anchor="ctr"/>
+            <a:lstStyle/>
+            <a:p>
+              <a:pPr algn="ctr"/>
+              <a:endParaRPr kumimoji="1" lang="ja-JP" altLang="en-US" dirty="0"/>
+            </a:p>
+          </p:txBody>
+        </p:sp>
+      </p:grpSp>
+    </p:spTree>
+    <p:extLst>
+      <p:ext uri="{BB962C8B-B14F-4D97-AF65-F5344CB8AC3E}">
+        <p14:creationId xmlns:p14="http://schemas.microsoft.com/office/powerpoint/2010/main" val="1277040046"/>
+      </p:ext>
+    </p:extLst>
+  </p:cSld>
+  <p:clrMapOvr>
+    <a:masterClrMapping/>
+  </p:clrMapOvr>
+</p:sld>
+</file>
+
+<file path=ppt/slides/slide21.xml><?xml version="1.0" encoding="utf-8"?>
+<p:sld xmlns:a="http://schemas.openxmlformats.org/drawingml/2006/main" xmlns:r="http://schemas.openxmlformats.org/officeDocument/2006/relationships" xmlns:p="http://schemas.openxmlformats.org/presentationml/2006/main">
+  <p:cSld>
+    <p:spTree>
+      <p:nvGrpSpPr>
+        <p:cNvPr id="1" name="Shape 96"/>
+        <p:cNvGrpSpPr/>
+        <p:nvPr/>
+      </p:nvGrpSpPr>
+      <p:grpSpPr>
+        <a:xfrm>
+          <a:off x="0" y="0"/>
+          <a:ext cx="0" cy="0"/>
+          <a:chOff x="0" y="0"/>
+          <a:chExt cx="0" cy="0"/>
+        </a:xfrm>
+      </p:grpSpPr>
+      <p:sp>
+        <p:nvSpPr>
+          <p:cNvPr id="98" name="Google Shape;98;p16"/>
+          <p:cNvSpPr txBox="1">
+            <a:spLocks noGrp="1"/>
+          </p:cNvSpPr>
+          <p:nvPr>
+            <p:ph type="title"/>
+          </p:nvPr>
+        </p:nvSpPr>
+        <p:spPr>
+          <a:xfrm>
+            <a:off x="296525" y="0"/>
+            <a:ext cx="10515600" cy="680100"/>
+          </a:xfrm>
+          <a:prstGeom prst="rect">
+            <a:avLst/>
+          </a:prstGeom>
+        </p:spPr>
+        <p:txBody>
+          <a:bodyPr spcFirstLastPara="1" wrap="square" lIns="91425" tIns="45700" rIns="91425" bIns="45700" anchor="ctr" anchorCtr="0">
+            <a:noAutofit/>
+          </a:bodyPr>
+          <a:lstStyle/>
+          <a:p>
+            <a:pPr marL="0" lvl="0" indent="0" algn="l" rtl="0">
+              <a:spcBef>
+                <a:spcPts val="0"/>
+              </a:spcBef>
+              <a:spcAft>
+                <a:spcPts val="0"/>
+              </a:spcAft>
+              <a:buNone/>
+            </a:pPr>
+            <a:r>
+              <a:rPr lang="en-US" dirty="0" err="1">
+                <a:latin typeface="HG丸ｺﾞｼｯｸM-PRO" panose="020F0600000000000000" pitchFamily="50" charset="-128"/>
+                <a:ea typeface="HG丸ｺﾞｼｯｸM-PRO" panose="020F0600000000000000" pitchFamily="50" charset="-128"/>
+              </a:rPr>
+              <a:t>Dockerfile</a:t>
+            </a:r>
+            <a:r>
+              <a:rPr lang="ja-JP" altLang="en-US" dirty="0">
+                <a:latin typeface="HG丸ｺﾞｼｯｸM-PRO" panose="020F0600000000000000" pitchFamily="50" charset="-128"/>
+                <a:ea typeface="HG丸ｺﾞｼｯｸM-PRO" panose="020F0600000000000000" pitchFamily="50" charset="-128"/>
+              </a:rPr>
+              <a:t>の作成</a:t>
+            </a:r>
+            <a:endParaRPr dirty="0">
+              <a:latin typeface="HG丸ｺﾞｼｯｸM-PRO" panose="020F0600000000000000" pitchFamily="50" charset="-128"/>
+              <a:ea typeface="HG丸ｺﾞｼｯｸM-PRO" panose="020F0600000000000000" pitchFamily="50" charset="-128"/>
+            </a:endParaRPr>
+          </a:p>
+        </p:txBody>
+      </p:sp>
+      <p:sp>
+        <p:nvSpPr>
+          <p:cNvPr id="99" name="Google Shape;99;p16"/>
+          <p:cNvSpPr txBox="1">
+            <a:spLocks noGrp="1"/>
+          </p:cNvSpPr>
+          <p:nvPr>
+            <p:ph type="sldNum" idx="12"/>
+          </p:nvPr>
+        </p:nvSpPr>
+        <p:spPr>
+          <a:xfrm>
+            <a:off x="9277866" y="6396013"/>
+            <a:ext cx="2743200" cy="365100"/>
+          </a:xfrm>
+          <a:prstGeom prst="rect">
+            <a:avLst/>
+          </a:prstGeom>
+        </p:spPr>
+        <p:txBody>
+          <a:bodyPr spcFirstLastPara="1" wrap="square" lIns="91425" tIns="45700" rIns="91425" bIns="45700" anchor="t" anchorCtr="0">
+            <a:noAutofit/>
+          </a:bodyPr>
+          <a:lstStyle/>
+          <a:p>
+            <a:pPr marL="0" lvl="0" indent="0" algn="r" rtl="0">
+              <a:spcBef>
+                <a:spcPts val="0"/>
+              </a:spcBef>
+              <a:spcAft>
+                <a:spcPts val="0"/>
+              </a:spcAft>
+              <a:buClr>
+                <a:srgbClr val="000000"/>
+              </a:buClr>
+              <a:buSzPts val="1800"/>
+              <a:buFont typeface="Arial"/>
+              <a:buNone/>
+            </a:pPr>
+            <a:fld id="{00000000-1234-1234-1234-123412341234}" type="slidenum">
+              <a:rPr lang="en-US" altLang="ja-JP"/>
+              <a:t>21</a:t>
+            </a:fld>
+            <a:endParaRPr/>
+          </a:p>
+        </p:txBody>
+      </p:sp>
+      <p:sp>
+        <p:nvSpPr>
+          <p:cNvPr id="5" name="Google Shape;97;p16">
+            <a:extLst>
+              <a:ext uri="{FF2B5EF4-FFF2-40B4-BE49-F238E27FC236}">
+                <a16:creationId xmlns:a16="http://schemas.microsoft.com/office/drawing/2014/main" id="{25630093-D6DA-477C-88D1-7BF69A1446BF}"/>
+              </a:ext>
+            </a:extLst>
+          </p:cNvPr>
+          <p:cNvSpPr txBox="1">
+            <a:spLocks noGrp="1"/>
+          </p:cNvSpPr>
+          <p:nvPr>
+            <p:ph type="body" idx="1"/>
+          </p:nvPr>
+        </p:nvSpPr>
+        <p:spPr>
+          <a:xfrm>
+            <a:off x="261938" y="814388"/>
+            <a:ext cx="11758612" cy="5422900"/>
+          </a:xfrm>
+          <a:prstGeom prst="rect">
+            <a:avLst/>
+          </a:prstGeom>
+        </p:spPr>
+        <p:txBody>
+          <a:bodyPr spcFirstLastPara="1" wrap="square" lIns="91425" tIns="45700" rIns="91425" bIns="45700" anchor="t" anchorCtr="0">
+            <a:noAutofit/>
+          </a:bodyPr>
+          <a:lstStyle/>
+          <a:p>
+            <a:pPr marL="0" lvl="0" indent="0">
+              <a:buNone/>
+            </a:pPr>
+            <a:r>
+              <a:rPr lang="en-US" altLang="ja-JP" sz="2000" b="1" dirty="0" err="1">
+                <a:latin typeface="メイリオ" panose="020B0604030504040204" pitchFamily="50" charset="-128"/>
+                <a:ea typeface="メイリオ" panose="020B0604030504040204" pitchFamily="50" charset="-128"/>
+              </a:rPr>
+              <a:t>Dockerfile</a:t>
+            </a:r>
+            <a:r>
+              <a:rPr lang="ja-JP" altLang="en-US" sz="2000" b="1" dirty="0">
+                <a:latin typeface="メイリオ" panose="020B0604030504040204" pitchFamily="50" charset="-128"/>
+                <a:ea typeface="メイリオ" panose="020B0604030504040204" pitchFamily="50" charset="-128"/>
+              </a:rPr>
+              <a:t>でコンテナの定義</a:t>
+            </a:r>
+            <a:r>
+              <a:rPr lang="en-US" altLang="ja-JP" sz="2000" b="1" dirty="0">
+                <a:latin typeface="メイリオ" panose="020B0604030504040204" pitchFamily="50" charset="-128"/>
+                <a:ea typeface="メイリオ" panose="020B0604030504040204" pitchFamily="50" charset="-128"/>
+              </a:rPr>
+              <a:t> </a:t>
+            </a:r>
+          </a:p>
+          <a:p>
+            <a:pPr marL="0" indent="0">
+              <a:buNone/>
+            </a:pPr>
+            <a:r>
+              <a:rPr lang="ja-JP" altLang="en-US" sz="2000" dirty="0">
+                <a:latin typeface="VL PGothic"/>
+                <a:cs typeface="VL PGothic"/>
+              </a:rPr>
+              <a:t>アプリケーションの実行に必要な環境を</a:t>
+            </a:r>
+            <a:r>
+              <a:rPr lang="en-US" altLang="ja-JP" sz="2000" dirty="0">
+                <a:latin typeface="VL PGothic"/>
+                <a:cs typeface="VL PGothic"/>
+              </a:rPr>
+              <a:t>Docker</a:t>
+            </a:r>
+            <a:r>
+              <a:rPr lang="ja-JP" altLang="en-US" sz="2000" dirty="0">
+                <a:latin typeface="VL PGothic"/>
+                <a:cs typeface="VL PGothic"/>
+              </a:rPr>
+              <a:t>イメージにまとめ、その</a:t>
+            </a:r>
+            <a:r>
+              <a:rPr lang="en-US" altLang="ja-JP" sz="2000" dirty="0">
+                <a:latin typeface="VL PGothic"/>
+                <a:cs typeface="VL PGothic"/>
+              </a:rPr>
+              <a:t>Docker</a:t>
+            </a:r>
+            <a:r>
+              <a:rPr lang="ja-JP" altLang="en-US" sz="2000" dirty="0">
+                <a:latin typeface="VL PGothic"/>
+                <a:cs typeface="VL PGothic"/>
+              </a:rPr>
+              <a:t>イメージからコンテナの作成 を行います。</a:t>
+            </a:r>
+            <a:r>
+              <a:rPr lang="en-US" altLang="ja-JP" sz="2000" dirty="0">
+                <a:latin typeface="VL PGothic"/>
+                <a:cs typeface="VL PGothic"/>
+              </a:rPr>
+              <a:t>Docker</a:t>
+            </a:r>
+            <a:r>
+              <a:rPr lang="ja-JP" altLang="en-US" sz="2000" dirty="0">
+                <a:latin typeface="VL PGothic"/>
+                <a:cs typeface="VL PGothic"/>
+              </a:rPr>
+              <a:t>イメージの配布</a:t>
+            </a:r>
+            <a:r>
+              <a:rPr lang="en-US" altLang="ja-JP" sz="2000" dirty="0">
+                <a:latin typeface="VL PGothic"/>
+                <a:cs typeface="VL PGothic"/>
+              </a:rPr>
+              <a:t>/</a:t>
+            </a:r>
+            <a:r>
+              <a:rPr lang="ja-JP" altLang="en-US" sz="2000" dirty="0">
+                <a:latin typeface="VL PGothic"/>
+                <a:cs typeface="VL PGothic"/>
+              </a:rPr>
+              <a:t>共有を行うことで、</a:t>
+            </a:r>
+            <a:r>
+              <a:rPr lang="en-US" altLang="ja-JP" sz="2000" dirty="0">
+                <a:latin typeface="VL PGothic"/>
+                <a:cs typeface="VL PGothic"/>
+              </a:rPr>
+              <a:t>Docker</a:t>
+            </a:r>
+            <a:r>
+              <a:rPr lang="ja-JP" altLang="en-US" sz="2000" dirty="0">
+                <a:latin typeface="VL PGothic"/>
+                <a:cs typeface="VL PGothic"/>
+              </a:rPr>
+              <a:t>環境があるホスト間における環境移行が容 易に行えます。</a:t>
+            </a:r>
+            <a:endParaRPr lang="en-US" sz="2000" b="1" dirty="0">
+              <a:latin typeface="メイリオ" panose="020B0604030504040204" pitchFamily="50" charset="-128"/>
+              <a:ea typeface="メイリオ" panose="020B0604030504040204" pitchFamily="50" charset="-128"/>
+            </a:endParaRPr>
+          </a:p>
+          <a:p>
+            <a:pPr marL="0" indent="0">
+              <a:buNone/>
+            </a:pPr>
+            <a:endParaRPr lang="en-US" altLang="ja-JP" sz="2000" b="1" dirty="0">
+              <a:latin typeface="メイリオ" panose="020B0604030504040204" pitchFamily="50" charset="-128"/>
+              <a:ea typeface="メイリオ" panose="020B0604030504040204" pitchFamily="50" charset="-128"/>
+            </a:endParaRPr>
+          </a:p>
+          <a:p>
+            <a:pPr marL="0" indent="0">
+              <a:buNone/>
+            </a:pPr>
+            <a:r>
+              <a:rPr lang="ja-JP" altLang="en-US" sz="2000" b="1" dirty="0">
+                <a:latin typeface="メイリオ" panose="020B0604030504040204" pitchFamily="50" charset="-128"/>
+                <a:ea typeface="メイリオ" panose="020B0604030504040204" pitchFamily="50" charset="-128"/>
+              </a:rPr>
+              <a:t>アプリの構築</a:t>
+            </a:r>
+            <a:endParaRPr lang="en-US" sz="2000" b="1" dirty="0">
+              <a:latin typeface="メイリオ" panose="020B0604030504040204" pitchFamily="50" charset="-128"/>
+              <a:ea typeface="メイリオ" panose="020B0604030504040204" pitchFamily="50" charset="-128"/>
+            </a:endParaRPr>
+          </a:p>
+          <a:p>
+            <a:pPr marL="0" indent="0">
+              <a:buNone/>
+            </a:pPr>
+            <a:r>
+              <a:rPr lang="en-US" altLang="ja-JP" sz="1800" dirty="0" err="1">
+                <a:latin typeface="游ゴシック" panose="020B0400000000000000" pitchFamily="50" charset="-128"/>
+                <a:ea typeface="游ゴシック" panose="020B0400000000000000" pitchFamily="50" charset="-128"/>
+              </a:rPr>
+              <a:t>Dockerfile</a:t>
+            </a:r>
+            <a:r>
+              <a:rPr lang="ja-JP" altLang="en-US" sz="1800" dirty="0">
+                <a:latin typeface="游ゴシック" panose="020B0400000000000000" pitchFamily="50" charset="-128"/>
+                <a:ea typeface="游ゴシック" panose="020B0400000000000000" pitchFamily="50" charset="-128"/>
+              </a:rPr>
+              <a:t>に加え、さらに</a:t>
+            </a:r>
+            <a:r>
+              <a:rPr lang="en-US" altLang="ja-JP" sz="1800" dirty="0">
+                <a:latin typeface="游ゴシック" panose="020B0400000000000000" pitchFamily="50" charset="-128"/>
+                <a:ea typeface="游ゴシック" panose="020B0400000000000000" pitchFamily="50" charset="-128"/>
+              </a:rPr>
+              <a:t>2</a:t>
+            </a:r>
+            <a:r>
+              <a:rPr lang="ja-JP" altLang="en-US" sz="1800" dirty="0">
+                <a:latin typeface="游ゴシック" panose="020B0400000000000000" pitchFamily="50" charset="-128"/>
+                <a:ea typeface="游ゴシック" panose="020B0400000000000000" pitchFamily="50" charset="-128"/>
+              </a:rPr>
+              <a:t>つのファイルを作成します。</a:t>
+            </a:r>
+            <a:endParaRPr lang="en-US" altLang="ja-JP" sz="1800" dirty="0">
+              <a:latin typeface="游ゴシック" panose="020B0400000000000000" pitchFamily="50" charset="-128"/>
+              <a:ea typeface="游ゴシック" panose="020B0400000000000000" pitchFamily="50" charset="-128"/>
+            </a:endParaRPr>
+          </a:p>
+          <a:p>
+            <a:pPr marL="0" indent="0">
+              <a:buNone/>
+            </a:pPr>
+            <a:r>
+              <a:rPr lang="en-US" altLang="ja-JP" sz="1800" dirty="0">
+                <a:latin typeface="游ゴシック" panose="020B0400000000000000" pitchFamily="50" charset="-128"/>
+                <a:ea typeface="游ゴシック" panose="020B0400000000000000" pitchFamily="50" charset="-128"/>
+              </a:rPr>
+              <a:t>requirements.txt </a:t>
+            </a:r>
+            <a:r>
+              <a:rPr lang="ja-JP" altLang="en-US" sz="1800" dirty="0">
+                <a:latin typeface="游ゴシック" panose="020B0400000000000000" pitchFamily="50" charset="-128"/>
+                <a:ea typeface="游ゴシック" panose="020B0400000000000000" pitchFamily="50" charset="-128"/>
+              </a:rPr>
+              <a:t>と </a:t>
+            </a:r>
+            <a:r>
+              <a:rPr lang="en-US" altLang="ja-JP" sz="1800" dirty="0">
+                <a:latin typeface="游ゴシック" panose="020B0400000000000000" pitchFamily="50" charset="-128"/>
+                <a:ea typeface="游ゴシック" panose="020B0400000000000000" pitchFamily="50" charset="-128"/>
+              </a:rPr>
+              <a:t>app.py </a:t>
+            </a:r>
+            <a:r>
+              <a:rPr lang="ja-JP" altLang="en-US" sz="1800" dirty="0">
+                <a:latin typeface="游ゴシック" panose="020B0400000000000000" pitchFamily="50" charset="-128"/>
+                <a:ea typeface="游ゴシック" panose="020B0400000000000000" pitchFamily="50" charset="-128"/>
+              </a:rPr>
+              <a:t>です。これらを </a:t>
+            </a:r>
+            <a:r>
+              <a:rPr lang="en-US" altLang="ja-JP" sz="1800" dirty="0" err="1">
+                <a:latin typeface="游ゴシック" panose="020B0400000000000000" pitchFamily="50" charset="-128"/>
+                <a:ea typeface="游ゴシック" panose="020B0400000000000000" pitchFamily="50" charset="-128"/>
+              </a:rPr>
+              <a:t>Dockerfile</a:t>
+            </a:r>
+            <a:r>
+              <a:rPr lang="en-US" altLang="ja-JP" sz="1800" dirty="0">
+                <a:latin typeface="游ゴシック" panose="020B0400000000000000" pitchFamily="50" charset="-128"/>
+                <a:ea typeface="游ゴシック" panose="020B0400000000000000" pitchFamily="50" charset="-128"/>
+              </a:rPr>
+              <a:t> </a:t>
+            </a:r>
+            <a:r>
+              <a:rPr lang="ja-JP" altLang="en-US" sz="1800" dirty="0">
+                <a:latin typeface="游ゴシック" panose="020B0400000000000000" pitchFamily="50" charset="-128"/>
+                <a:ea typeface="游ゴシック" panose="020B0400000000000000" pitchFamily="50" charset="-128"/>
+              </a:rPr>
+              <a:t>と同じフォルダに入れます。</a:t>
+            </a:r>
+            <a:endParaRPr lang="en-US" altLang="ja-JP" sz="1800" dirty="0">
+              <a:latin typeface="游ゴシック" panose="020B0400000000000000" pitchFamily="50" charset="-128"/>
+              <a:ea typeface="游ゴシック" panose="020B0400000000000000" pitchFamily="50" charset="-128"/>
+            </a:endParaRPr>
+          </a:p>
+          <a:p>
+            <a:pPr marL="0" indent="0">
+              <a:buNone/>
+            </a:pPr>
+            <a:r>
+              <a:rPr lang="ja-JP" altLang="en-US" sz="1800" dirty="0">
+                <a:latin typeface="游ゴシック" panose="020B0400000000000000" pitchFamily="50" charset="-128"/>
+                <a:ea typeface="游ゴシック" panose="020B0400000000000000" pitchFamily="50" charset="-128"/>
+              </a:rPr>
+              <a:t>アプリは見ての通り、極めて単純になります。 </a:t>
+            </a:r>
+            <a:r>
+              <a:rPr lang="en-US" altLang="ja-JP" sz="1800" dirty="0" err="1">
+                <a:latin typeface="游ゴシック" panose="020B0400000000000000" pitchFamily="50" charset="-128"/>
+                <a:ea typeface="游ゴシック" panose="020B0400000000000000" pitchFamily="50" charset="-128"/>
+              </a:rPr>
+              <a:t>Dockerfile</a:t>
+            </a:r>
+            <a:r>
+              <a:rPr lang="en-US" altLang="ja-JP" sz="1800" dirty="0">
+                <a:latin typeface="游ゴシック" panose="020B0400000000000000" pitchFamily="50" charset="-128"/>
+                <a:ea typeface="游ゴシック" panose="020B0400000000000000" pitchFamily="50" charset="-128"/>
+              </a:rPr>
+              <a:t> </a:t>
+            </a:r>
+            <a:r>
+              <a:rPr lang="ja-JP" altLang="en-US" sz="1800" dirty="0">
+                <a:latin typeface="游ゴシック" panose="020B0400000000000000" pitchFamily="50" charset="-128"/>
+                <a:ea typeface="游ゴシック" panose="020B0400000000000000" pitchFamily="50" charset="-128"/>
+              </a:rPr>
+              <a:t>でイメージの構築時、 </a:t>
+            </a:r>
+            <a:r>
+              <a:rPr lang="en-US" altLang="ja-JP" sz="1800" dirty="0" err="1">
+                <a:latin typeface="游ゴシック" panose="020B0400000000000000" pitchFamily="50" charset="-128"/>
+                <a:ea typeface="游ゴシック" panose="020B0400000000000000" pitchFamily="50" charset="-128"/>
+              </a:rPr>
+              <a:t>Dockerfile</a:t>
+            </a:r>
+            <a:r>
+              <a:rPr lang="en-US" altLang="ja-JP" sz="1800" dirty="0">
+                <a:latin typeface="游ゴシック" panose="020B0400000000000000" pitchFamily="50" charset="-128"/>
+                <a:ea typeface="游ゴシック" panose="020B0400000000000000" pitchFamily="50" charset="-128"/>
+              </a:rPr>
+              <a:t> </a:t>
+            </a:r>
+            <a:r>
+              <a:rPr lang="ja-JP" altLang="en-US" sz="1800" dirty="0">
+                <a:latin typeface="游ゴシック" panose="020B0400000000000000" pitchFamily="50" charset="-128"/>
+                <a:ea typeface="游ゴシック" panose="020B0400000000000000" pitchFamily="50" charset="-128"/>
+              </a:rPr>
+              <a:t>の </a:t>
+            </a:r>
+            <a:r>
+              <a:rPr lang="en-US" altLang="ja-JP" sz="1800" dirty="0">
+                <a:latin typeface="游ゴシック" panose="020B0400000000000000" pitchFamily="50" charset="-128"/>
+                <a:ea typeface="游ゴシック" panose="020B0400000000000000" pitchFamily="50" charset="-128"/>
+              </a:rPr>
+              <a:t>ADD </a:t>
+            </a:r>
+            <a:r>
+              <a:rPr lang="ja-JP" altLang="en-US" sz="1800" dirty="0">
+                <a:latin typeface="游ゴシック" panose="020B0400000000000000" pitchFamily="50" charset="-128"/>
+                <a:ea typeface="游ゴシック" panose="020B0400000000000000" pitchFamily="50" charset="-128"/>
+              </a:rPr>
+              <a:t>命令で </a:t>
+            </a:r>
+            <a:r>
+              <a:rPr lang="en-US" altLang="ja-JP" sz="1800" dirty="0">
+                <a:latin typeface="游ゴシック" panose="020B0400000000000000" pitchFamily="50" charset="-128"/>
+                <a:ea typeface="游ゴシック" panose="020B0400000000000000" pitchFamily="50" charset="-128"/>
+              </a:rPr>
+              <a:t>app.py </a:t>
+            </a:r>
+            <a:r>
+              <a:rPr lang="ja-JP" altLang="en-US" sz="1800" dirty="0">
+                <a:latin typeface="游ゴシック" panose="020B0400000000000000" pitchFamily="50" charset="-128"/>
+                <a:ea typeface="游ゴシック" panose="020B0400000000000000" pitchFamily="50" charset="-128"/>
+              </a:rPr>
+              <a:t>と </a:t>
+            </a:r>
+            <a:r>
+              <a:rPr lang="en-US" altLang="ja-JP" sz="1800" dirty="0">
+                <a:latin typeface="游ゴシック" panose="020B0400000000000000" pitchFamily="50" charset="-128"/>
+                <a:ea typeface="游ゴシック" panose="020B0400000000000000" pitchFamily="50" charset="-128"/>
+              </a:rPr>
+              <a:t>requirements.txt </a:t>
+            </a:r>
+            <a:r>
+              <a:rPr lang="ja-JP" altLang="en-US" sz="1800" dirty="0">
+                <a:latin typeface="游ゴシック" panose="020B0400000000000000" pitchFamily="50" charset="-128"/>
+                <a:ea typeface="游ゴシック" panose="020B0400000000000000" pitchFamily="50" charset="-128"/>
+              </a:rPr>
+              <a:t>をイメージの中に組み込みます。</a:t>
+            </a:r>
+            <a:endParaRPr lang="en-US" sz="1800" dirty="0">
+              <a:latin typeface="游ゴシック" panose="020B0400000000000000" pitchFamily="50" charset="-128"/>
+              <a:ea typeface="游ゴシック" panose="020B0400000000000000" pitchFamily="50" charset="-128"/>
+            </a:endParaRPr>
+          </a:p>
+          <a:p>
+            <a:pPr marL="0" lvl="0" indent="0" algn="l" rtl="0">
+              <a:spcBef>
+                <a:spcPts val="1000"/>
+              </a:spcBef>
+              <a:spcAft>
+                <a:spcPts val="0"/>
+              </a:spcAft>
+              <a:buNone/>
+            </a:pPr>
+            <a:endParaRPr dirty="0"/>
+          </a:p>
+        </p:txBody>
+      </p:sp>
+    </p:spTree>
+    <p:extLst>
+      <p:ext uri="{BB962C8B-B14F-4D97-AF65-F5344CB8AC3E}">
+        <p14:creationId xmlns:p14="http://schemas.microsoft.com/office/powerpoint/2010/main" val="4176762857"/>
+      </p:ext>
+    </p:extLst>
+  </p:cSld>
+  <p:clrMapOvr>
+    <a:masterClrMapping/>
+  </p:clrMapOvr>
+</p:sld>
+</file>
+
+<file path=ppt/slides/slide22.xml><?xml version="1.0" encoding="utf-8"?>
+<p:sld xmlns:a="http://schemas.openxmlformats.org/drawingml/2006/main" xmlns:r="http://schemas.openxmlformats.org/officeDocument/2006/relationships" xmlns:p="http://schemas.openxmlformats.org/presentationml/2006/main">
+  <p:cSld>
+    <p:spTree>
+      <p:nvGrpSpPr>
+        <p:cNvPr id="1" name="Shape 96"/>
+        <p:cNvGrpSpPr/>
+        <p:nvPr/>
+      </p:nvGrpSpPr>
+      <p:grpSpPr>
+        <a:xfrm>
+          <a:off x="0" y="0"/>
+          <a:ext cx="0" cy="0"/>
+          <a:chOff x="0" y="0"/>
+          <a:chExt cx="0" cy="0"/>
+        </a:xfrm>
+      </p:grpSpPr>
+      <p:sp>
+        <p:nvSpPr>
+          <p:cNvPr id="98" name="Google Shape;98;p16"/>
+          <p:cNvSpPr txBox="1">
+            <a:spLocks noGrp="1"/>
+          </p:cNvSpPr>
+          <p:nvPr>
+            <p:ph type="title"/>
+          </p:nvPr>
+        </p:nvSpPr>
+        <p:spPr>
+          <a:xfrm>
+            <a:off x="296525" y="0"/>
+            <a:ext cx="10515600" cy="680100"/>
+          </a:xfrm>
+          <a:prstGeom prst="rect">
+            <a:avLst/>
+          </a:prstGeom>
+          <a:noFill/>
+          <a:ln>
+            <a:noFill/>
+          </a:ln>
+        </p:spPr>
+        <p:txBody>
+          <a:bodyPr spcFirstLastPara="1" wrap="square" lIns="91425" tIns="45700" rIns="91425" bIns="45700" anchor="ctr" anchorCtr="0">
+            <a:noAutofit/>
+          </a:bodyPr>
+          <a:lstStyle/>
+          <a:p>
+            <a:r>
+              <a:rPr lang="en-US" dirty="0">
+                <a:latin typeface="HG丸ｺﾞｼｯｸM-PRO" panose="020F0600000000000000" pitchFamily="50" charset="-128"/>
+                <a:ea typeface="HG丸ｺﾞｼｯｸM-PRO" panose="020F0600000000000000" pitchFamily="50" charset="-128"/>
+              </a:rPr>
+              <a:t>Docker</a:t>
+            </a:r>
+            <a:r>
+              <a:rPr lang="ja-JP" altLang="en-US" dirty="0">
+                <a:latin typeface="HG丸ｺﾞｼｯｸM-PRO" panose="020F0600000000000000" pitchFamily="50" charset="-128"/>
+                <a:ea typeface="HG丸ｺﾞｼｯｸM-PRO" panose="020F0600000000000000" pitchFamily="50" charset="-128"/>
+              </a:rPr>
+              <a:t>コンテナの起動</a:t>
+            </a:r>
+            <a:endParaRPr dirty="0">
+              <a:latin typeface="HG丸ｺﾞｼｯｸM-PRO" panose="020F0600000000000000" pitchFamily="50" charset="-128"/>
+              <a:ea typeface="HG丸ｺﾞｼｯｸM-PRO" panose="020F0600000000000000" pitchFamily="50" charset="-128"/>
+            </a:endParaRPr>
+          </a:p>
+        </p:txBody>
+      </p:sp>
+      <p:sp>
+        <p:nvSpPr>
+          <p:cNvPr id="99" name="Google Shape;99;p16"/>
+          <p:cNvSpPr txBox="1">
+            <a:spLocks noGrp="1"/>
+          </p:cNvSpPr>
+          <p:nvPr>
+            <p:ph type="sldNum" idx="12"/>
+          </p:nvPr>
+        </p:nvSpPr>
+        <p:spPr>
+          <a:xfrm>
+            <a:off x="9277866" y="6396013"/>
+            <a:ext cx="2743200" cy="365100"/>
+          </a:xfrm>
+          <a:prstGeom prst="rect">
+            <a:avLst/>
+          </a:prstGeom>
+        </p:spPr>
+        <p:txBody>
+          <a:bodyPr spcFirstLastPara="1" wrap="square" lIns="91425" tIns="45700" rIns="91425" bIns="45700" anchor="t" anchorCtr="0">
+            <a:noAutofit/>
+          </a:bodyPr>
+          <a:lstStyle/>
+          <a:p>
+            <a:pPr marL="0" lvl="0" indent="0" algn="r" rtl="0">
+              <a:spcBef>
+                <a:spcPts val="0"/>
+              </a:spcBef>
+              <a:spcAft>
+                <a:spcPts val="0"/>
+              </a:spcAft>
+              <a:buClr>
+                <a:srgbClr val="000000"/>
+              </a:buClr>
+              <a:buSzPts val="1800"/>
+              <a:buFont typeface="Arial"/>
+              <a:buNone/>
+            </a:pPr>
+            <a:fld id="{00000000-1234-1234-1234-123412341234}" type="slidenum">
+              <a:rPr lang="en-US" altLang="ja-JP"/>
+              <a:t>22</a:t>
             </a:fld>
             <a:endParaRPr/>
           </a:p>
@@ -21755,6 +25245,541 @@
     </p:spTree>
     <p:extLst>
       <p:ext uri="{BB962C8B-B14F-4D97-AF65-F5344CB8AC3E}">
+        <p14:creationId xmlns:p14="http://schemas.microsoft.com/office/powerpoint/2010/main" val="1567188035"/>
+      </p:ext>
+    </p:extLst>
+  </p:cSld>
+  <p:clrMapOvr>
+    <a:masterClrMapping/>
+  </p:clrMapOvr>
+</p:sld>
+</file>
+
+<file path=ppt/slides/slide23.xml><?xml version="1.0" encoding="utf-8"?>
+<p:sld xmlns:a="http://schemas.openxmlformats.org/drawingml/2006/main" xmlns:r="http://schemas.openxmlformats.org/officeDocument/2006/relationships" xmlns:p="http://schemas.openxmlformats.org/presentationml/2006/main">
+  <p:cSld>
+    <p:spTree>
+      <p:nvGrpSpPr>
+        <p:cNvPr id="1" name="Shape 96"/>
+        <p:cNvGrpSpPr/>
+        <p:nvPr/>
+      </p:nvGrpSpPr>
+      <p:grpSpPr>
+        <a:xfrm>
+          <a:off x="0" y="0"/>
+          <a:ext cx="0" cy="0"/>
+          <a:chOff x="0" y="0"/>
+          <a:chExt cx="0" cy="0"/>
+        </a:xfrm>
+      </p:grpSpPr>
+      <p:sp>
+        <p:nvSpPr>
+          <p:cNvPr id="98" name="Google Shape;98;p16"/>
+          <p:cNvSpPr txBox="1">
+            <a:spLocks noGrp="1"/>
+          </p:cNvSpPr>
+          <p:nvPr>
+            <p:ph type="title"/>
+          </p:nvPr>
+        </p:nvSpPr>
+        <p:spPr>
+          <a:xfrm>
+            <a:off x="296525" y="0"/>
+            <a:ext cx="10515600" cy="680100"/>
+          </a:xfrm>
+          <a:prstGeom prst="rect">
+            <a:avLst/>
+          </a:prstGeom>
+          <a:noFill/>
+          <a:ln>
+            <a:noFill/>
+          </a:ln>
+        </p:spPr>
+        <p:txBody>
+          <a:bodyPr spcFirstLastPara="1" wrap="square" lIns="91425" tIns="45700" rIns="91425" bIns="45700" anchor="ctr" anchorCtr="0">
+            <a:noAutofit/>
+          </a:bodyPr>
+          <a:lstStyle/>
+          <a:p>
+            <a:r>
+              <a:rPr lang="en-US" altLang="ja-JP" dirty="0">
+                <a:latin typeface="HG丸ｺﾞｼｯｸM-PRO" panose="020F0600000000000000" pitchFamily="50" charset="-128"/>
+                <a:ea typeface="HG丸ｺﾞｼｯｸM-PRO" panose="020F0600000000000000" pitchFamily="50" charset="-128"/>
+              </a:rPr>
+              <a:t>Docker</a:t>
+            </a:r>
+            <a:r>
+              <a:rPr lang="ja-JP" altLang="en-US" dirty="0">
+                <a:latin typeface="HG丸ｺﾞｼｯｸM-PRO" panose="020F0600000000000000" pitchFamily="50" charset="-128"/>
+                <a:ea typeface="HG丸ｺﾞｼｯｸM-PRO" panose="020F0600000000000000" pitchFamily="50" charset="-128"/>
+              </a:rPr>
+              <a:t>コンテナのライフサイクル</a:t>
+            </a:r>
+            <a:endParaRPr dirty="0">
+              <a:latin typeface="HG丸ｺﾞｼｯｸM-PRO" panose="020F0600000000000000" pitchFamily="50" charset="-128"/>
+              <a:ea typeface="HG丸ｺﾞｼｯｸM-PRO" panose="020F0600000000000000" pitchFamily="50" charset="-128"/>
+            </a:endParaRPr>
+          </a:p>
+        </p:txBody>
+      </p:sp>
+      <p:sp>
+        <p:nvSpPr>
+          <p:cNvPr id="99" name="Google Shape;99;p16"/>
+          <p:cNvSpPr txBox="1">
+            <a:spLocks noGrp="1"/>
+          </p:cNvSpPr>
+          <p:nvPr>
+            <p:ph type="sldNum" idx="12"/>
+          </p:nvPr>
+        </p:nvSpPr>
+        <p:spPr>
+          <a:xfrm>
+            <a:off x="9277866" y="6396013"/>
+            <a:ext cx="2743200" cy="365100"/>
+          </a:xfrm>
+          <a:prstGeom prst="rect">
+            <a:avLst/>
+          </a:prstGeom>
+        </p:spPr>
+        <p:txBody>
+          <a:bodyPr spcFirstLastPara="1" wrap="square" lIns="91425" tIns="45700" rIns="91425" bIns="45700" anchor="t" anchorCtr="0">
+            <a:noAutofit/>
+          </a:bodyPr>
+          <a:lstStyle/>
+          <a:p>
+            <a:pPr marL="0" lvl="0" indent="0" algn="r" rtl="0">
+              <a:spcBef>
+                <a:spcPts val="0"/>
+              </a:spcBef>
+              <a:spcAft>
+                <a:spcPts val="0"/>
+              </a:spcAft>
+              <a:buClr>
+                <a:srgbClr val="000000"/>
+              </a:buClr>
+              <a:buSzPts val="1800"/>
+              <a:buFont typeface="Arial"/>
+              <a:buNone/>
+            </a:pPr>
+            <a:fld id="{00000000-1234-1234-1234-123412341234}" type="slidenum">
+              <a:rPr lang="en-US" altLang="ja-JP"/>
+              <a:t>23</a:t>
+            </a:fld>
+            <a:endParaRPr/>
+          </a:p>
+        </p:txBody>
+      </p:sp>
+      <p:sp>
+        <p:nvSpPr>
+          <p:cNvPr id="5" name="Google Shape;97;p16">
+            <a:extLst>
+              <a:ext uri="{FF2B5EF4-FFF2-40B4-BE49-F238E27FC236}">
+                <a16:creationId xmlns:a16="http://schemas.microsoft.com/office/drawing/2014/main" id="{D3E965BD-DA8F-4E47-96B5-CFF9B4CF815A}"/>
+              </a:ext>
+            </a:extLst>
+          </p:cNvPr>
+          <p:cNvSpPr txBox="1">
+            <a:spLocks noGrp="1"/>
+          </p:cNvSpPr>
+          <p:nvPr>
+            <p:ph type="body" idx="1"/>
+          </p:nvPr>
+        </p:nvSpPr>
+        <p:spPr>
+          <a:xfrm>
+            <a:off x="261938" y="814388"/>
+            <a:ext cx="11758612" cy="5422900"/>
+          </a:xfrm>
+          <a:prstGeom prst="rect">
+            <a:avLst/>
+          </a:prstGeom>
+        </p:spPr>
+        <p:txBody>
+          <a:bodyPr spcFirstLastPara="1" wrap="square" lIns="91425" tIns="45700" rIns="91425" bIns="45700" anchor="t" anchorCtr="0">
+            <a:noAutofit/>
+          </a:bodyPr>
+          <a:lstStyle/>
+          <a:p>
+            <a:pPr marL="0" lvl="0" indent="0">
+              <a:spcBef>
+                <a:spcPts val="0"/>
+              </a:spcBef>
+              <a:buNone/>
+            </a:pPr>
+            <a:endParaRPr lang="en-US" altLang="ja-JP" sz="1800" dirty="0">
+              <a:latin typeface="游ゴシック" panose="020B0400000000000000" pitchFamily="50" charset="-128"/>
+              <a:ea typeface="游ゴシック" panose="020B0400000000000000" pitchFamily="50" charset="-128"/>
+            </a:endParaRPr>
+          </a:p>
+          <a:p>
+            <a:pPr marL="0" lvl="0" indent="0" algn="l" rtl="0">
+              <a:spcBef>
+                <a:spcPts val="1000"/>
+              </a:spcBef>
+              <a:spcAft>
+                <a:spcPts val="0"/>
+              </a:spcAft>
+              <a:buNone/>
+            </a:pPr>
+            <a:endParaRPr dirty="0"/>
+          </a:p>
+        </p:txBody>
+      </p:sp>
+    </p:spTree>
+    <p:extLst>
+      <p:ext uri="{BB962C8B-B14F-4D97-AF65-F5344CB8AC3E}">
+        <p14:creationId xmlns:p14="http://schemas.microsoft.com/office/powerpoint/2010/main" val="1603011705"/>
+      </p:ext>
+    </p:extLst>
+  </p:cSld>
+  <p:clrMapOvr>
+    <a:masterClrMapping/>
+  </p:clrMapOvr>
+</p:sld>
+</file>
+
+<file path=ppt/slides/slide24.xml><?xml version="1.0" encoding="utf-8"?>
+<p:sld xmlns:a="http://schemas.openxmlformats.org/drawingml/2006/main" xmlns:r="http://schemas.openxmlformats.org/officeDocument/2006/relationships" xmlns:p="http://schemas.openxmlformats.org/presentationml/2006/main">
+  <p:cSld>
+    <p:spTree>
+      <p:nvGrpSpPr>
+        <p:cNvPr id="1" name="Shape 96"/>
+        <p:cNvGrpSpPr/>
+        <p:nvPr/>
+      </p:nvGrpSpPr>
+      <p:grpSpPr>
+        <a:xfrm>
+          <a:off x="0" y="0"/>
+          <a:ext cx="0" cy="0"/>
+          <a:chOff x="0" y="0"/>
+          <a:chExt cx="0" cy="0"/>
+        </a:xfrm>
+      </p:grpSpPr>
+      <p:sp>
+        <p:nvSpPr>
+          <p:cNvPr id="98" name="Google Shape;98;p16"/>
+          <p:cNvSpPr txBox="1">
+            <a:spLocks noGrp="1"/>
+          </p:cNvSpPr>
+          <p:nvPr>
+            <p:ph type="title"/>
+          </p:nvPr>
+        </p:nvSpPr>
+        <p:spPr>
+          <a:xfrm>
+            <a:off x="296525" y="0"/>
+            <a:ext cx="10515600" cy="680100"/>
+          </a:xfrm>
+          <a:prstGeom prst="rect">
+            <a:avLst/>
+          </a:prstGeom>
+          <a:noFill/>
+          <a:ln>
+            <a:noFill/>
+          </a:ln>
+        </p:spPr>
+        <p:txBody>
+          <a:bodyPr spcFirstLastPara="1" wrap="square" lIns="91425" tIns="45700" rIns="91425" bIns="45700" anchor="ctr" anchorCtr="0">
+            <a:noAutofit/>
+          </a:bodyPr>
+          <a:lstStyle/>
+          <a:p>
+            <a:r>
+              <a:rPr lang="en-US" dirty="0">
+                <a:latin typeface="HG丸ｺﾞｼｯｸM-PRO" panose="020F0600000000000000" pitchFamily="50" charset="-128"/>
+                <a:ea typeface="HG丸ｺﾞｼｯｸM-PRO" panose="020F0600000000000000" pitchFamily="50" charset="-128"/>
+              </a:rPr>
+              <a:t>Docker Hub</a:t>
+            </a:r>
+            <a:endParaRPr dirty="0">
+              <a:latin typeface="HG丸ｺﾞｼｯｸM-PRO" panose="020F0600000000000000" pitchFamily="50" charset="-128"/>
+              <a:ea typeface="HG丸ｺﾞｼｯｸM-PRO" panose="020F0600000000000000" pitchFamily="50" charset="-128"/>
+            </a:endParaRPr>
+          </a:p>
+        </p:txBody>
+      </p:sp>
+      <p:sp>
+        <p:nvSpPr>
+          <p:cNvPr id="99" name="Google Shape;99;p16"/>
+          <p:cNvSpPr txBox="1">
+            <a:spLocks noGrp="1"/>
+          </p:cNvSpPr>
+          <p:nvPr>
+            <p:ph type="sldNum" idx="12"/>
+          </p:nvPr>
+        </p:nvSpPr>
+        <p:spPr>
+          <a:xfrm>
+            <a:off x="9277866" y="6396013"/>
+            <a:ext cx="2743200" cy="365100"/>
+          </a:xfrm>
+          <a:prstGeom prst="rect">
+            <a:avLst/>
+          </a:prstGeom>
+        </p:spPr>
+        <p:txBody>
+          <a:bodyPr spcFirstLastPara="1" wrap="square" lIns="91425" tIns="45700" rIns="91425" bIns="45700" anchor="t" anchorCtr="0">
+            <a:noAutofit/>
+          </a:bodyPr>
+          <a:lstStyle/>
+          <a:p>
+            <a:pPr marL="0" lvl="0" indent="0" algn="r" rtl="0">
+              <a:spcBef>
+                <a:spcPts val="0"/>
+              </a:spcBef>
+              <a:spcAft>
+                <a:spcPts val="0"/>
+              </a:spcAft>
+              <a:buClr>
+                <a:srgbClr val="000000"/>
+              </a:buClr>
+              <a:buSzPts val="1800"/>
+              <a:buFont typeface="Arial"/>
+              <a:buNone/>
+            </a:pPr>
+            <a:fld id="{00000000-1234-1234-1234-123412341234}" type="slidenum">
+              <a:rPr lang="en-US" altLang="ja-JP"/>
+              <a:t>24</a:t>
+            </a:fld>
+            <a:endParaRPr/>
+          </a:p>
+        </p:txBody>
+      </p:sp>
+      <p:sp>
+        <p:nvSpPr>
+          <p:cNvPr id="5" name="Google Shape;97;p16">
+            <a:extLst>
+              <a:ext uri="{FF2B5EF4-FFF2-40B4-BE49-F238E27FC236}">
+                <a16:creationId xmlns:a16="http://schemas.microsoft.com/office/drawing/2014/main" id="{D3E965BD-DA8F-4E47-96B5-CFF9B4CF815A}"/>
+              </a:ext>
+            </a:extLst>
+          </p:cNvPr>
+          <p:cNvSpPr txBox="1">
+            <a:spLocks noGrp="1"/>
+          </p:cNvSpPr>
+          <p:nvPr>
+            <p:ph type="body" idx="1"/>
+          </p:nvPr>
+        </p:nvSpPr>
+        <p:spPr>
+          <a:xfrm>
+            <a:off x="261938" y="814388"/>
+            <a:ext cx="11758612" cy="5422900"/>
+          </a:xfrm>
+          <a:prstGeom prst="rect">
+            <a:avLst/>
+          </a:prstGeom>
+        </p:spPr>
+        <p:txBody>
+          <a:bodyPr spcFirstLastPara="1" wrap="square" lIns="91425" tIns="45700" rIns="91425" bIns="45700" anchor="t" anchorCtr="0">
+            <a:noAutofit/>
+          </a:bodyPr>
+          <a:lstStyle/>
+          <a:p>
+            <a:pPr marL="0" lvl="0" indent="0">
+              <a:spcBef>
+                <a:spcPts val="0"/>
+              </a:spcBef>
+              <a:buNone/>
+            </a:pPr>
+            <a:endParaRPr lang="en-US" altLang="ja-JP" sz="1800" dirty="0">
+              <a:latin typeface="游ゴシック" panose="020B0400000000000000" pitchFamily="50" charset="-128"/>
+              <a:ea typeface="游ゴシック" panose="020B0400000000000000" pitchFamily="50" charset="-128"/>
+            </a:endParaRPr>
+          </a:p>
+          <a:p>
+            <a:pPr marL="0" lvl="0" indent="0" algn="l" rtl="0">
+              <a:spcBef>
+                <a:spcPts val="1000"/>
+              </a:spcBef>
+              <a:spcAft>
+                <a:spcPts val="0"/>
+              </a:spcAft>
+              <a:buNone/>
+            </a:pPr>
+            <a:endParaRPr dirty="0"/>
+          </a:p>
+        </p:txBody>
+      </p:sp>
+    </p:spTree>
+    <p:extLst>
+      <p:ext uri="{BB962C8B-B14F-4D97-AF65-F5344CB8AC3E}">
+        <p14:creationId xmlns:p14="http://schemas.microsoft.com/office/powerpoint/2010/main" val="2508204213"/>
+      </p:ext>
+    </p:extLst>
+  </p:cSld>
+  <p:clrMapOvr>
+    <a:masterClrMapping/>
+  </p:clrMapOvr>
+</p:sld>
+</file>
+
+<file path=ppt/slides/slide25.xml><?xml version="1.0" encoding="utf-8"?>
+<p:sld xmlns:a="http://schemas.openxmlformats.org/drawingml/2006/main" xmlns:r="http://schemas.openxmlformats.org/officeDocument/2006/relationships" xmlns:p="http://schemas.openxmlformats.org/presentationml/2006/main">
+  <p:cSld>
+    <p:spTree>
+      <p:nvGrpSpPr>
+        <p:cNvPr id="1" name="Shape 96"/>
+        <p:cNvGrpSpPr/>
+        <p:nvPr/>
+      </p:nvGrpSpPr>
+      <p:grpSpPr>
+        <a:xfrm>
+          <a:off x="0" y="0"/>
+          <a:ext cx="0" cy="0"/>
+          <a:chOff x="0" y="0"/>
+          <a:chExt cx="0" cy="0"/>
+        </a:xfrm>
+      </p:grpSpPr>
+      <p:sp>
+        <p:nvSpPr>
+          <p:cNvPr id="98" name="Google Shape;98;p16"/>
+          <p:cNvSpPr txBox="1">
+            <a:spLocks noGrp="1"/>
+          </p:cNvSpPr>
+          <p:nvPr>
+            <p:ph type="title"/>
+          </p:nvPr>
+        </p:nvSpPr>
+        <p:spPr>
+          <a:xfrm>
+            <a:off x="296525" y="0"/>
+            <a:ext cx="10515600" cy="680100"/>
+          </a:xfrm>
+          <a:prstGeom prst="rect">
+            <a:avLst/>
+          </a:prstGeom>
+          <a:noFill/>
+          <a:ln>
+            <a:noFill/>
+          </a:ln>
+        </p:spPr>
+        <p:txBody>
+          <a:bodyPr spcFirstLastPara="1" wrap="square" lIns="91425" tIns="45700" rIns="91425" bIns="45700" anchor="ctr" anchorCtr="0">
+            <a:noAutofit/>
+          </a:bodyPr>
+          <a:lstStyle/>
+          <a:p>
+            <a:r>
+              <a:rPr lang="ja-JP" altLang="en-US" dirty="0">
+                <a:latin typeface="HG丸ｺﾞｼｯｸM-PRO" panose="020F0600000000000000" pitchFamily="50" charset="-128"/>
+                <a:ea typeface="HG丸ｺﾞｼｯｸM-PRO" panose="020F0600000000000000" pitchFamily="50" charset="-128"/>
+              </a:rPr>
+              <a:t>よく使われるコマンド・オプション一覧</a:t>
+            </a:r>
+            <a:endParaRPr dirty="0">
+              <a:latin typeface="HG丸ｺﾞｼｯｸM-PRO" panose="020F0600000000000000" pitchFamily="50" charset="-128"/>
+              <a:ea typeface="HG丸ｺﾞｼｯｸM-PRO" panose="020F0600000000000000" pitchFamily="50" charset="-128"/>
+            </a:endParaRPr>
+          </a:p>
+        </p:txBody>
+      </p:sp>
+      <p:sp>
+        <p:nvSpPr>
+          <p:cNvPr id="99" name="Google Shape;99;p16"/>
+          <p:cNvSpPr txBox="1">
+            <a:spLocks noGrp="1"/>
+          </p:cNvSpPr>
+          <p:nvPr>
+            <p:ph type="sldNum" idx="12"/>
+          </p:nvPr>
+        </p:nvSpPr>
+        <p:spPr>
+          <a:xfrm>
+            <a:off x="9277866" y="6396013"/>
+            <a:ext cx="2743200" cy="365100"/>
+          </a:xfrm>
+          <a:prstGeom prst="rect">
+            <a:avLst/>
+          </a:prstGeom>
+        </p:spPr>
+        <p:txBody>
+          <a:bodyPr spcFirstLastPara="1" wrap="square" lIns="91425" tIns="45700" rIns="91425" bIns="45700" anchor="t" anchorCtr="0">
+            <a:noAutofit/>
+          </a:bodyPr>
+          <a:lstStyle/>
+          <a:p>
+            <a:pPr marL="0" lvl="0" indent="0" algn="r" rtl="0">
+              <a:spcBef>
+                <a:spcPts val="0"/>
+              </a:spcBef>
+              <a:spcAft>
+                <a:spcPts val="0"/>
+              </a:spcAft>
+              <a:buClr>
+                <a:srgbClr val="000000"/>
+              </a:buClr>
+              <a:buSzPts val="1800"/>
+              <a:buFont typeface="Arial"/>
+              <a:buNone/>
+            </a:pPr>
+            <a:fld id="{00000000-1234-1234-1234-123412341234}" type="slidenum">
+              <a:rPr lang="en-US" altLang="ja-JP"/>
+              <a:t>25</a:t>
+            </a:fld>
+            <a:endParaRPr/>
+          </a:p>
+        </p:txBody>
+      </p:sp>
+      <p:sp>
+        <p:nvSpPr>
+          <p:cNvPr id="5" name="Google Shape;97;p16">
+            <a:extLst>
+              <a:ext uri="{FF2B5EF4-FFF2-40B4-BE49-F238E27FC236}">
+                <a16:creationId xmlns:a16="http://schemas.microsoft.com/office/drawing/2014/main" id="{D3E965BD-DA8F-4E47-96B5-CFF9B4CF815A}"/>
+              </a:ext>
+            </a:extLst>
+          </p:cNvPr>
+          <p:cNvSpPr txBox="1">
+            <a:spLocks noGrp="1"/>
+          </p:cNvSpPr>
+          <p:nvPr>
+            <p:ph type="body" idx="1"/>
+          </p:nvPr>
+        </p:nvSpPr>
+        <p:spPr>
+          <a:xfrm>
+            <a:off x="261938" y="814388"/>
+            <a:ext cx="11758612" cy="5422900"/>
+          </a:xfrm>
+          <a:prstGeom prst="rect">
+            <a:avLst/>
+          </a:prstGeom>
+        </p:spPr>
+        <p:txBody>
+          <a:bodyPr spcFirstLastPara="1" wrap="square" lIns="91425" tIns="45700" rIns="91425" bIns="45700" anchor="t" anchorCtr="0">
+            <a:noAutofit/>
+          </a:bodyPr>
+          <a:lstStyle/>
+          <a:p>
+            <a:pPr marL="0" lvl="0" indent="0">
+              <a:spcBef>
+                <a:spcPts val="0"/>
+              </a:spcBef>
+              <a:buNone/>
+            </a:pPr>
+            <a:endParaRPr lang="en-US" altLang="ja-JP" sz="1800" dirty="0">
+              <a:latin typeface="游ゴシック" panose="020B0400000000000000" pitchFamily="50" charset="-128"/>
+              <a:ea typeface="游ゴシック" panose="020B0400000000000000" pitchFamily="50" charset="-128"/>
+            </a:endParaRPr>
+          </a:p>
+          <a:p>
+            <a:pPr marL="0" lvl="0" indent="0" algn="l" rtl="0">
+              <a:spcBef>
+                <a:spcPts val="1000"/>
+              </a:spcBef>
+              <a:spcAft>
+                <a:spcPts val="0"/>
+              </a:spcAft>
+              <a:buNone/>
+            </a:pPr>
+            <a:endParaRPr dirty="0"/>
+          </a:p>
+        </p:txBody>
+      </p:sp>
+    </p:spTree>
+    <p:extLst>
+      <p:ext uri="{BB962C8B-B14F-4D97-AF65-F5344CB8AC3E}">
         <p14:creationId xmlns:p14="http://schemas.microsoft.com/office/powerpoint/2010/main" val="263759690"/>
       </p:ext>
     </p:extLst>
@@ -21765,7 +25790,7 @@
 </p:sld>
 </file>
 
-<file path=ppt/slides/slide21.xml><?xml version="1.0" encoding="utf-8"?>
+<file path=ppt/slides/slide26.xml><?xml version="1.0" encoding="utf-8"?>
 <p:sld xmlns:a="http://schemas.openxmlformats.org/drawingml/2006/main" xmlns:r="http://schemas.openxmlformats.org/officeDocument/2006/relationships" xmlns:p="http://schemas.openxmlformats.org/presentationml/2006/main">
   <p:cSld>
     <p:spTree>
@@ -22194,7 +26219,7 @@
             </a:pPr>
             <a:fld id="{00000000-1234-1234-1234-123412341234}" type="slidenum">
               <a:rPr lang="en-US" altLang="ja-JP"/>
-              <a:t>21</a:t>
+              <a:t>26</a:t>
             </a:fld>
             <a:endParaRPr/>
           </a:p>
@@ -23700,7 +27725,7 @@
                   <a:latin typeface="+mn-lt"/>
                   <a:cs typeface="Arimo" panose="020B0604020202020204" pitchFamily="34" charset="0"/>
                 </a:rPr>
-                <a:t>仮想化ソフトウェア</a:t>
+                <a:t>仮想化ソフトウェア（ハイパーバイザー）</a:t>
               </a:r>
               <a:endParaRPr sz="1800" dirty="0">
                 <a:latin typeface="+mn-lt"/>
@@ -27185,7 +31210,7 @@
         </p:nvSpPr>
         <p:spPr>
           <a:xfrm>
-            <a:off x="356694" y="1699301"/>
+            <a:off x="356694" y="1867977"/>
             <a:ext cx="10292772" cy="897682"/>
           </a:xfrm>
           <a:prstGeom prst="rect">
@@ -27268,7 +31293,7 @@
         </p:nvSpPr>
         <p:spPr>
           <a:xfrm>
-            <a:off x="356694" y="2960333"/>
+            <a:off x="356694" y="3129009"/>
             <a:ext cx="10292772" cy="1205458"/>
           </a:xfrm>
           <a:prstGeom prst="rect">
